--- a/companion-website/public/files/24. Facts 1 and 2.pptx
+++ b/companion-website/public/files/24. Facts 1 and 2.pptx
@@ -5,7 +5,7 @@
     <p:sldMasterId id="2147483648" r:id="rId1"/>
   </p:sldMasterIdLst>
   <p:notesMasterIdLst>
-    <p:notesMasterId r:id="rId9"/>
+    <p:notesMasterId r:id="rId10"/>
   </p:notesMasterIdLst>
   <p:sldIdLst>
     <p:sldId id="275" r:id="rId2"/>
@@ -13,8 +13,9 @@
     <p:sldId id="456" r:id="rId4"/>
     <p:sldId id="454" r:id="rId5"/>
     <p:sldId id="455" r:id="rId6"/>
-    <p:sldId id="439" r:id="rId7"/>
-    <p:sldId id="453" r:id="rId8"/>
+    <p:sldId id="458" r:id="rId7"/>
+    <p:sldId id="439" r:id="rId8"/>
+    <p:sldId id="453" r:id="rId9"/>
   </p:sldIdLst>
   <p:sldSz cx="9144000" cy="6858000" type="screen4x3"/>
   <p:notesSz cx="6858000" cy="9144000"/>
@@ -214,7 +215,7 @@
           <a:p>
             <a:fld id="{8F7EB338-8BB0-B64B-9F79-C87EA24D723F}" type="datetimeFigureOut">
               <a:rPr lang="en-US" smtClean="0"/>
-              <a:t>8/25/20</a:t>
+              <a:t>9/18/20</a:t>
             </a:fld>
             <a:endParaRPr lang="en-US"/>
           </a:p>
@@ -665,7 +666,7 @@
             <a:fld id="{DBE77699-C466-4996-ADED-71C8160E04A2}" type="datetimeFigureOut">
               <a:rPr lang="en-US" smtClean="0"/>
               <a:pPr/>
-              <a:t>8/25/20</a:t>
+              <a:t>9/18/20</a:t>
             </a:fld>
             <a:endParaRPr lang="en-US"/>
           </a:p>
@@ -830,7 +831,7 @@
             <a:fld id="{DBE77699-C466-4996-ADED-71C8160E04A2}" type="datetimeFigureOut">
               <a:rPr lang="en-US" smtClean="0"/>
               <a:pPr/>
-              <a:t>8/25/20</a:t>
+              <a:t>9/18/20</a:t>
             </a:fld>
             <a:endParaRPr lang="en-US"/>
           </a:p>
@@ -1005,7 +1006,7 @@
             <a:fld id="{DBE77699-C466-4996-ADED-71C8160E04A2}" type="datetimeFigureOut">
               <a:rPr lang="en-US" smtClean="0"/>
               <a:pPr/>
-              <a:t>8/25/20</a:t>
+              <a:t>9/18/20</a:t>
             </a:fld>
             <a:endParaRPr lang="en-US"/>
           </a:p>
@@ -1124,7 +1125,7 @@
             <a:fld id="{DBE77699-C466-4996-ADED-71C8160E04A2}" type="datetimeFigureOut">
               <a:rPr lang="en-US" smtClean="0"/>
               <a:pPr/>
-              <a:t>8/25/20</a:t>
+              <a:t>9/18/20</a:t>
             </a:fld>
             <a:endParaRPr lang="en-US"/>
           </a:p>
@@ -1532,7 +1533,7 @@
             <a:fld id="{DBE77699-C466-4996-ADED-71C8160E04A2}" type="datetimeFigureOut">
               <a:rPr lang="en-US" smtClean="0"/>
               <a:pPr/>
-              <a:t>8/25/20</a:t>
+              <a:t>9/18/20</a:t>
             </a:fld>
             <a:endParaRPr lang="en-US"/>
           </a:p>
@@ -1774,7 +1775,7 @@
             <a:fld id="{DBE77699-C466-4996-ADED-71C8160E04A2}" type="datetimeFigureOut">
               <a:rPr lang="en-US" smtClean="0"/>
               <a:pPr/>
-              <a:t>8/25/20</a:t>
+              <a:t>9/18/20</a:t>
             </a:fld>
             <a:endParaRPr lang="en-US"/>
           </a:p>
@@ -2056,7 +2057,7 @@
             <a:fld id="{DBE77699-C466-4996-ADED-71C8160E04A2}" type="datetimeFigureOut">
               <a:rPr lang="en-US" smtClean="0"/>
               <a:pPr/>
-              <a:t>8/25/20</a:t>
+              <a:t>9/18/20</a:t>
             </a:fld>
             <a:endParaRPr lang="en-US"/>
           </a:p>
@@ -2472,7 +2473,7 @@
             <a:fld id="{DBE77699-C466-4996-ADED-71C8160E04A2}" type="datetimeFigureOut">
               <a:rPr lang="en-US" smtClean="0"/>
               <a:pPr/>
-              <a:t>8/25/20</a:t>
+              <a:t>9/18/20</a:t>
             </a:fld>
             <a:endParaRPr lang="en-US"/>
           </a:p>
@@ -2586,7 +2587,7 @@
             <a:fld id="{DBE77699-C466-4996-ADED-71C8160E04A2}" type="datetimeFigureOut">
               <a:rPr lang="en-US" smtClean="0"/>
               <a:pPr/>
-              <a:t>8/25/20</a:t>
+              <a:t>9/18/20</a:t>
             </a:fld>
             <a:endParaRPr lang="en-US"/>
           </a:p>
@@ -2678,7 +2679,7 @@
             <a:fld id="{DBE77699-C466-4996-ADED-71C8160E04A2}" type="datetimeFigureOut">
               <a:rPr lang="en-US" smtClean="0"/>
               <a:pPr/>
-              <a:t>8/25/20</a:t>
+              <a:t>9/18/20</a:t>
             </a:fld>
             <a:endParaRPr lang="en-US"/>
           </a:p>
@@ -2950,7 +2951,7 @@
             <a:fld id="{DBE77699-C466-4996-ADED-71C8160E04A2}" type="datetimeFigureOut">
               <a:rPr lang="en-US" smtClean="0"/>
               <a:pPr/>
-              <a:t>8/25/20</a:t>
+              <a:t>9/18/20</a:t>
             </a:fld>
             <a:endParaRPr lang="en-US"/>
           </a:p>
@@ -3199,7 +3200,7 @@
             <a:fld id="{DBE77699-C466-4996-ADED-71C8160E04A2}" type="datetimeFigureOut">
               <a:rPr lang="en-US" smtClean="0"/>
               <a:pPr/>
-              <a:t>8/25/20</a:t>
+              <a:t>9/18/20</a:t>
             </a:fld>
             <a:endParaRPr lang="en-US"/>
           </a:p>
@@ -3410,7 +3411,7 @@
             <a:fld id="{DBE77699-C466-4996-ADED-71C8160E04A2}" type="datetimeFigureOut">
               <a:rPr lang="en-US" smtClean="0"/>
               <a:pPr/>
-              <a:t>8/25/20</a:t>
+              <a:t>9/18/20</a:t>
             </a:fld>
             <a:endParaRPr lang="en-US"/>
           </a:p>
@@ -5554,6 +5555,5391 @@
           <a:chExt cx="0" cy="0"/>
         </a:xfrm>
       </p:grpSpPr>
+      <p:graphicFrame>
+        <p:nvGraphicFramePr>
+          <p:cNvPr id="5" name="Table 4">
+            <a:extLst>
+              <a:ext uri="{FF2B5EF4-FFF2-40B4-BE49-F238E27FC236}">
+                <a16:creationId xmlns:a16="http://schemas.microsoft.com/office/drawing/2014/main" id="{AECD23FC-75AC-004E-8ADA-681A87262637}"/>
+              </a:ext>
+            </a:extLst>
+          </p:cNvPr>
+          <p:cNvGraphicFramePr>
+            <a:graphicFrameLocks noGrp="1"/>
+          </p:cNvGraphicFramePr>
+          <p:nvPr>
+            <p:extLst>
+              <p:ext uri="{D42A27DB-BD31-4B8C-83A1-F6EECF244321}">
+                <p14:modId xmlns:p14="http://schemas.microsoft.com/office/powerpoint/2010/main" val="3286249925"/>
+              </p:ext>
+            </p:extLst>
+          </p:nvPr>
+        </p:nvGraphicFramePr>
+        <p:xfrm>
+          <a:off x="4856207" y="1676402"/>
+          <a:ext cx="4267198" cy="3886197"/>
+        </p:xfrm>
+        <a:graphic>
+          <a:graphicData uri="http://schemas.openxmlformats.org/drawingml/2006/table">
+            <a:tbl>
+              <a:tblPr firstRow="1" bandRow="1">
+                <a:tableStyleId>{2D5ABB26-0587-4C30-8999-92F81FD0307C}</a:tableStyleId>
+              </a:tblPr>
+              <a:tblGrid>
+                <a:gridCol w="2890682">
+                  <a:extLst>
+                    <a:ext uri="{9D8B030D-6E8A-4147-A177-3AD203B41FA5}">
+                      <a16:colId xmlns:a16="http://schemas.microsoft.com/office/drawing/2014/main" val="3256627010"/>
+                    </a:ext>
+                  </a:extLst>
+                </a:gridCol>
+                <a:gridCol w="344129">
+                  <a:extLst>
+                    <a:ext uri="{9D8B030D-6E8A-4147-A177-3AD203B41FA5}">
+                      <a16:colId xmlns:a16="http://schemas.microsoft.com/office/drawing/2014/main" val="2760839914"/>
+                    </a:ext>
+                  </a:extLst>
+                </a:gridCol>
+                <a:gridCol w="344129">
+                  <a:extLst>
+                    <a:ext uri="{9D8B030D-6E8A-4147-A177-3AD203B41FA5}">
+                      <a16:colId xmlns:a16="http://schemas.microsoft.com/office/drawing/2014/main" val="3032634955"/>
+                    </a:ext>
+                  </a:extLst>
+                </a:gridCol>
+                <a:gridCol w="344129">
+                  <a:extLst>
+                    <a:ext uri="{9D8B030D-6E8A-4147-A177-3AD203B41FA5}">
+                      <a16:colId xmlns:a16="http://schemas.microsoft.com/office/drawing/2014/main" val="999213998"/>
+                    </a:ext>
+                  </a:extLst>
+                </a:gridCol>
+                <a:gridCol w="344129">
+                  <a:extLst>
+                    <a:ext uri="{9D8B030D-6E8A-4147-A177-3AD203B41FA5}">
+                      <a16:colId xmlns:a16="http://schemas.microsoft.com/office/drawing/2014/main" val="39879636"/>
+                    </a:ext>
+                  </a:extLst>
+                </a:gridCol>
+              </a:tblGrid>
+              <a:tr h="555171">
+                <a:tc>
+                  <a:txBody>
+                    <a:bodyPr/>
+                    <a:lstStyle/>
+                    <a:p>
+                      <a:pPr algn="r" rtl="0" fontAlgn="t">
+                        <a:spcBef>
+                          <a:spcPts val="0"/>
+                        </a:spcBef>
+                        <a:spcAft>
+                          <a:spcPts val="0"/>
+                        </a:spcAft>
+                      </a:pPr>
+                      <a:r>
+                        <a:rPr lang="en-US" sz="2200" u="none" strike="noStrike" dirty="0">
+                          <a:effectLst/>
+                        </a:rPr>
+                        <a:t>Philip</a:t>
+                      </a:r>
+                      <a:endParaRPr lang="en-US" sz="2200" dirty="0">
+                        <a:solidFill>
+                          <a:schemeClr val="tx1"/>
+                        </a:solidFill>
+                        <a:effectLst/>
+                      </a:endParaRPr>
+                    </a:p>
+                  </a:txBody>
+                  <a:tcPr marL="63500" marR="63500" marT="63500" marB="63500" anchor="ctr">
+                    <a:lnL w="57150" cap="flat" cmpd="sng" algn="ctr">
+                      <a:solidFill>
+                        <a:schemeClr val="bg1"/>
+                      </a:solidFill>
+                      <a:prstDash val="solid"/>
+                      <a:round/>
+                      <a:headEnd type="none" w="med" len="med"/>
+                      <a:tailEnd type="none" w="med" len="med"/>
+                    </a:lnL>
+                    <a:lnR w="12700" cap="flat" cmpd="sng" algn="ctr">
+                      <a:noFill/>
+                      <a:prstDash val="solid"/>
+                      <a:round/>
+                      <a:headEnd type="none" w="med" len="med"/>
+                      <a:tailEnd type="none" w="med" len="med"/>
+                    </a:lnR>
+                    <a:lnT w="57150" cap="flat" cmpd="sng" algn="ctr">
+                      <a:solidFill>
+                        <a:schemeClr val="bg1"/>
+                      </a:solidFill>
+                      <a:prstDash val="solid"/>
+                      <a:round/>
+                      <a:headEnd type="none" w="med" len="med"/>
+                      <a:tailEnd type="none" w="med" len="med"/>
+                    </a:lnT>
+                    <a:lnB w="76200" cap="flat" cmpd="sng" algn="ctr">
+                      <a:solidFill>
+                        <a:schemeClr val="bg1"/>
+                      </a:solidFill>
+                      <a:prstDash val="solid"/>
+                      <a:round/>
+                      <a:headEnd type="none" w="med" len="med"/>
+                      <a:tailEnd type="none" w="med" len="med"/>
+                    </a:lnB>
+                    <a:lnTlToBr w="12700" cmpd="sng">
+                      <a:noFill/>
+                      <a:prstDash val="solid"/>
+                    </a:lnTlToBr>
+                    <a:lnBlToTr w="12700" cmpd="sng">
+                      <a:noFill/>
+                      <a:prstDash val="solid"/>
+                    </a:lnBlToTr>
+                  </a:tcPr>
+                </a:tc>
+                <a:tc>
+                  <a:txBody>
+                    <a:bodyPr/>
+                    <a:lstStyle/>
+                    <a:p>
+                      <a:pPr marL="0" algn="l" defTabSz="914400" rtl="0" eaLnBrk="1" fontAlgn="t" latinLnBrk="0" hangingPunct="1">
+                        <a:spcBef>
+                          <a:spcPts val="0"/>
+                        </a:spcBef>
+                        <a:spcAft>
+                          <a:spcPts val="0"/>
+                        </a:spcAft>
+                      </a:pPr>
+                      <a:endParaRPr lang="en-US" sz="2400" dirty="0">
+                        <a:solidFill>
+                          <a:schemeClr val="tx1"/>
+                        </a:solidFill>
+                        <a:effectLst/>
+                      </a:endParaRPr>
+                    </a:p>
+                  </a:txBody>
+                  <a:tcPr marL="63500" marR="63500" marT="63500" marB="63500">
+                    <a:lnL w="12700" cap="flat" cmpd="sng" algn="ctr">
+                      <a:noFill/>
+                      <a:prstDash val="solid"/>
+                      <a:round/>
+                      <a:headEnd type="none" w="med" len="med"/>
+                      <a:tailEnd type="none" w="med" len="med"/>
+                    </a:lnL>
+                    <a:lnR w="12700" cap="flat" cmpd="sng" algn="ctr">
+                      <a:solidFill>
+                        <a:schemeClr val="bg1"/>
+                      </a:solidFill>
+                      <a:prstDash val="solid"/>
+                      <a:round/>
+                      <a:headEnd type="none" w="med" len="med"/>
+                      <a:tailEnd type="none" w="med" len="med"/>
+                    </a:lnR>
+                    <a:lnT w="57150" cap="flat" cmpd="sng" algn="ctr">
+                      <a:solidFill>
+                        <a:schemeClr val="bg1"/>
+                      </a:solidFill>
+                      <a:prstDash val="solid"/>
+                      <a:round/>
+                      <a:headEnd type="none" w="med" len="med"/>
+                      <a:tailEnd type="none" w="med" len="med"/>
+                    </a:lnT>
+                    <a:lnB w="76200" cap="flat" cmpd="sng" algn="ctr">
+                      <a:solidFill>
+                        <a:schemeClr val="bg1"/>
+                      </a:solidFill>
+                      <a:prstDash val="solid"/>
+                      <a:round/>
+                      <a:headEnd type="none" w="med" len="med"/>
+                      <a:tailEnd type="none" w="med" len="med"/>
+                    </a:lnB>
+                    <a:lnTlToBr w="12700" cmpd="sng">
+                      <a:noFill/>
+                      <a:prstDash val="solid"/>
+                    </a:lnTlToBr>
+                    <a:lnBlToTr w="12700" cmpd="sng">
+                      <a:noFill/>
+                      <a:prstDash val="solid"/>
+                    </a:lnBlToTr>
+                    <a:solidFill>
+                      <a:srgbClr val="FFC000"/>
+                    </a:solidFill>
+                  </a:tcPr>
+                </a:tc>
+                <a:tc>
+                  <a:txBody>
+                    <a:bodyPr/>
+                    <a:lstStyle/>
+                    <a:p>
+                      <a:pPr marL="0" algn="l" defTabSz="914400" rtl="0" eaLnBrk="1" fontAlgn="t" latinLnBrk="0" hangingPunct="1">
+                        <a:spcBef>
+                          <a:spcPts val="0"/>
+                        </a:spcBef>
+                        <a:spcAft>
+                          <a:spcPts val="0"/>
+                        </a:spcAft>
+                      </a:pPr>
+                      <a:endParaRPr lang="en-US" sz="2400" dirty="0">
+                        <a:solidFill>
+                          <a:schemeClr val="tx1"/>
+                        </a:solidFill>
+                        <a:effectLst/>
+                      </a:endParaRPr>
+                    </a:p>
+                  </a:txBody>
+                  <a:tcPr marL="63500" marR="63500" marT="63500" marB="63500">
+                    <a:lnL w="12700" cap="flat" cmpd="sng" algn="ctr">
+                      <a:solidFill>
+                        <a:schemeClr val="bg1"/>
+                      </a:solidFill>
+                      <a:prstDash val="solid"/>
+                      <a:round/>
+                      <a:headEnd type="none" w="med" len="med"/>
+                      <a:tailEnd type="none" w="med" len="med"/>
+                    </a:lnL>
+                    <a:lnR w="12700" cap="flat" cmpd="sng" algn="ctr">
+                      <a:noFill/>
+                      <a:prstDash val="solid"/>
+                      <a:round/>
+                      <a:headEnd type="none" w="med" len="med"/>
+                      <a:tailEnd type="none" w="med" len="med"/>
+                    </a:lnR>
+                    <a:lnT w="57150" cap="flat" cmpd="sng" algn="ctr">
+                      <a:solidFill>
+                        <a:schemeClr val="bg1"/>
+                      </a:solidFill>
+                      <a:prstDash val="solid"/>
+                      <a:round/>
+                      <a:headEnd type="none" w="med" len="med"/>
+                      <a:tailEnd type="none" w="med" len="med"/>
+                    </a:lnT>
+                    <a:lnB w="76200" cap="flat" cmpd="sng" algn="ctr">
+                      <a:solidFill>
+                        <a:schemeClr val="bg1"/>
+                      </a:solidFill>
+                      <a:prstDash val="solid"/>
+                      <a:round/>
+                      <a:headEnd type="none" w="med" len="med"/>
+                      <a:tailEnd type="none" w="med" len="med"/>
+                    </a:lnB>
+                    <a:lnTlToBr w="12700" cmpd="sng">
+                      <a:noFill/>
+                      <a:prstDash val="solid"/>
+                    </a:lnTlToBr>
+                    <a:lnBlToTr w="12700" cmpd="sng">
+                      <a:noFill/>
+                      <a:prstDash val="solid"/>
+                    </a:lnBlToTr>
+                    <a:solidFill>
+                      <a:srgbClr val="FFC000"/>
+                    </a:solidFill>
+                  </a:tcPr>
+                </a:tc>
+                <a:tc>
+                  <a:txBody>
+                    <a:bodyPr/>
+                    <a:lstStyle/>
+                    <a:p>
+                      <a:pPr marL="0" algn="l" defTabSz="914400" rtl="0" eaLnBrk="1" fontAlgn="t" latinLnBrk="0" hangingPunct="1">
+                        <a:spcBef>
+                          <a:spcPts val="0"/>
+                        </a:spcBef>
+                        <a:spcAft>
+                          <a:spcPts val="0"/>
+                        </a:spcAft>
+                      </a:pPr>
+                      <a:endParaRPr lang="en-US" sz="2400" dirty="0">
+                        <a:solidFill>
+                          <a:schemeClr val="tx1"/>
+                        </a:solidFill>
+                        <a:effectLst/>
+                      </a:endParaRPr>
+                    </a:p>
+                  </a:txBody>
+                  <a:tcPr marL="63500" marR="63500" marT="63500" marB="63500">
+                    <a:lnL w="12700" cap="flat" cmpd="sng" algn="ctr">
+                      <a:noFill/>
+                      <a:prstDash val="solid"/>
+                      <a:round/>
+                      <a:headEnd type="none" w="med" len="med"/>
+                      <a:tailEnd type="none" w="med" len="med"/>
+                    </a:lnL>
+                    <a:lnR w="57150" cap="flat" cmpd="sng" algn="ctr">
+                      <a:solidFill>
+                        <a:schemeClr val="bg1"/>
+                      </a:solidFill>
+                      <a:prstDash val="solid"/>
+                      <a:round/>
+                      <a:headEnd type="none" w="med" len="med"/>
+                      <a:tailEnd type="none" w="med" len="med"/>
+                    </a:lnR>
+                    <a:lnT w="57150" cap="flat" cmpd="sng" algn="ctr">
+                      <a:solidFill>
+                        <a:schemeClr val="bg1"/>
+                      </a:solidFill>
+                      <a:prstDash val="solid"/>
+                      <a:round/>
+                      <a:headEnd type="none" w="med" len="med"/>
+                      <a:tailEnd type="none" w="med" len="med"/>
+                    </a:lnT>
+                    <a:lnB w="76200" cap="flat" cmpd="sng" algn="ctr">
+                      <a:solidFill>
+                        <a:schemeClr val="bg1"/>
+                      </a:solidFill>
+                      <a:prstDash val="solid"/>
+                      <a:round/>
+                      <a:headEnd type="none" w="med" len="med"/>
+                      <a:tailEnd type="none" w="med" len="med"/>
+                    </a:lnB>
+                    <a:lnTlToBr w="12700" cmpd="sng">
+                      <a:noFill/>
+                      <a:prstDash val="solid"/>
+                    </a:lnTlToBr>
+                    <a:lnBlToTr w="12700" cmpd="sng">
+                      <a:noFill/>
+                      <a:prstDash val="solid"/>
+                    </a:lnBlToTr>
+                  </a:tcPr>
+                </a:tc>
+                <a:tc>
+                  <a:txBody>
+                    <a:bodyPr/>
+                    <a:lstStyle/>
+                    <a:p>
+                      <a:pPr marL="0" algn="l" defTabSz="914400" rtl="0" eaLnBrk="1" fontAlgn="t" latinLnBrk="0" hangingPunct="1">
+                        <a:spcBef>
+                          <a:spcPts val="0"/>
+                        </a:spcBef>
+                        <a:spcAft>
+                          <a:spcPts val="0"/>
+                        </a:spcAft>
+                      </a:pPr>
+                      <a:endParaRPr lang="en-US" sz="2400" dirty="0">
+                        <a:solidFill>
+                          <a:schemeClr val="tx1"/>
+                        </a:solidFill>
+                        <a:effectLst/>
+                      </a:endParaRPr>
+                    </a:p>
+                  </a:txBody>
+                  <a:tcPr marL="63500" marR="63500" marT="63500" marB="63500">
+                    <a:lnL w="57150" cap="flat" cmpd="sng" algn="ctr">
+                      <a:solidFill>
+                        <a:schemeClr val="bg1"/>
+                      </a:solidFill>
+                      <a:prstDash val="solid"/>
+                      <a:round/>
+                      <a:headEnd type="none" w="med" len="med"/>
+                      <a:tailEnd type="none" w="med" len="med"/>
+                    </a:lnL>
+                    <a:lnR w="12700" cap="flat" cmpd="sng" algn="ctr">
+                      <a:noFill/>
+                      <a:prstDash val="solid"/>
+                      <a:round/>
+                      <a:headEnd type="none" w="med" len="med"/>
+                      <a:tailEnd type="none" w="med" len="med"/>
+                    </a:lnR>
+                    <a:lnT w="12700" cap="flat" cmpd="sng" algn="ctr">
+                      <a:noFill/>
+                      <a:prstDash val="solid"/>
+                      <a:round/>
+                      <a:headEnd type="none" w="med" len="med"/>
+                      <a:tailEnd type="none" w="med" len="med"/>
+                    </a:lnT>
+                    <a:lnB w="76200" cap="flat" cmpd="sng" algn="ctr">
+                      <a:solidFill>
+                        <a:schemeClr val="bg1"/>
+                      </a:solidFill>
+                      <a:prstDash val="solid"/>
+                      <a:round/>
+                      <a:headEnd type="none" w="med" len="med"/>
+                      <a:tailEnd type="none" w="med" len="med"/>
+                    </a:lnB>
+                    <a:lnTlToBr w="12700" cmpd="sng">
+                      <a:noFill/>
+                      <a:prstDash val="solid"/>
+                    </a:lnTlToBr>
+                    <a:lnBlToTr w="12700" cmpd="sng">
+                      <a:noFill/>
+                      <a:prstDash val="solid"/>
+                    </a:lnBlToTr>
+                  </a:tcPr>
+                </a:tc>
+                <a:extLst>
+                  <a:ext uri="{0D108BD9-81ED-4DB2-BD59-A6C34878D82A}">
+                    <a16:rowId xmlns:a16="http://schemas.microsoft.com/office/drawing/2014/main" val="4234141340"/>
+                  </a:ext>
+                </a:extLst>
+              </a:tr>
+              <a:tr h="555171">
+                <a:tc>
+                  <a:txBody>
+                    <a:bodyPr/>
+                    <a:lstStyle/>
+                    <a:p>
+                      <a:pPr algn="r" rtl="0" fontAlgn="t">
+                        <a:spcBef>
+                          <a:spcPts val="0"/>
+                        </a:spcBef>
+                        <a:spcAft>
+                          <a:spcPts val="0"/>
+                        </a:spcAft>
+                      </a:pPr>
+                      <a:r>
+                        <a:rPr lang="en-US" sz="2200" u="none" strike="noStrike" dirty="0">
+                          <a:effectLst/>
+                        </a:rPr>
+                        <a:t>Bartholomew</a:t>
+                      </a:r>
+                      <a:endParaRPr lang="en-US" sz="2200" dirty="0">
+                        <a:solidFill>
+                          <a:schemeClr val="tx1"/>
+                        </a:solidFill>
+                        <a:effectLst/>
+                      </a:endParaRPr>
+                    </a:p>
+                  </a:txBody>
+                  <a:tcPr marL="63500" marR="63500" marT="63500" marB="63500" anchor="ctr">
+                    <a:lnL w="57150" cap="flat" cmpd="sng" algn="ctr">
+                      <a:solidFill>
+                        <a:schemeClr val="bg1"/>
+                      </a:solidFill>
+                      <a:prstDash val="solid"/>
+                      <a:round/>
+                      <a:headEnd type="none" w="med" len="med"/>
+                      <a:tailEnd type="none" w="med" len="med"/>
+                    </a:lnL>
+                    <a:lnR w="12700" cap="flat" cmpd="sng" algn="ctr">
+                      <a:noFill/>
+                      <a:prstDash val="solid"/>
+                      <a:round/>
+                      <a:headEnd type="none" w="med" len="med"/>
+                      <a:tailEnd type="none" w="med" len="med"/>
+                    </a:lnR>
+                    <a:lnT w="76200" cap="flat" cmpd="sng" algn="ctr">
+                      <a:solidFill>
+                        <a:schemeClr val="bg1"/>
+                      </a:solidFill>
+                      <a:prstDash val="solid"/>
+                      <a:round/>
+                      <a:headEnd type="none" w="med" len="med"/>
+                      <a:tailEnd type="none" w="med" len="med"/>
+                    </a:lnT>
+                    <a:lnB w="76200" cap="flat" cmpd="sng" algn="ctr">
+                      <a:solidFill>
+                        <a:schemeClr val="bg1"/>
+                      </a:solidFill>
+                      <a:prstDash val="solid"/>
+                      <a:round/>
+                      <a:headEnd type="none" w="med" len="med"/>
+                      <a:tailEnd type="none" w="med" len="med"/>
+                    </a:lnB>
+                    <a:lnTlToBr w="12700" cmpd="sng">
+                      <a:noFill/>
+                      <a:prstDash val="solid"/>
+                    </a:lnTlToBr>
+                    <a:lnBlToTr w="12700" cmpd="sng">
+                      <a:noFill/>
+                      <a:prstDash val="solid"/>
+                    </a:lnBlToTr>
+                  </a:tcPr>
+                </a:tc>
+                <a:tc>
+                  <a:txBody>
+                    <a:bodyPr/>
+                    <a:lstStyle/>
+                    <a:p>
+                      <a:pPr algn="r" rtl="0" fontAlgn="t">
+                        <a:spcBef>
+                          <a:spcPts val="0"/>
+                        </a:spcBef>
+                        <a:spcAft>
+                          <a:spcPts val="0"/>
+                        </a:spcAft>
+                      </a:pPr>
+                      <a:endParaRPr lang="en-US" sz="2400" dirty="0">
+                        <a:solidFill>
+                          <a:schemeClr val="tx1"/>
+                        </a:solidFill>
+                        <a:effectLst/>
+                      </a:endParaRPr>
+                    </a:p>
+                  </a:txBody>
+                  <a:tcPr marL="63500" marR="63500" marT="63500" marB="63500">
+                    <a:lnL w="12700" cap="flat" cmpd="sng" algn="ctr">
+                      <a:noFill/>
+                      <a:prstDash val="solid"/>
+                      <a:round/>
+                      <a:headEnd type="none" w="med" len="med"/>
+                      <a:tailEnd type="none" w="med" len="med"/>
+                    </a:lnL>
+                    <a:lnR w="12700" cap="flat" cmpd="sng" algn="ctr">
+                      <a:solidFill>
+                        <a:schemeClr val="bg1"/>
+                      </a:solidFill>
+                      <a:prstDash val="solid"/>
+                      <a:round/>
+                      <a:headEnd type="none" w="med" len="med"/>
+                      <a:tailEnd type="none" w="med" len="med"/>
+                    </a:lnR>
+                    <a:lnT w="76200" cap="flat" cmpd="sng" algn="ctr">
+                      <a:solidFill>
+                        <a:schemeClr val="bg1"/>
+                      </a:solidFill>
+                      <a:prstDash val="solid"/>
+                      <a:round/>
+                      <a:headEnd type="none" w="med" len="med"/>
+                      <a:tailEnd type="none" w="med" len="med"/>
+                    </a:lnT>
+                    <a:lnB w="76200" cap="flat" cmpd="sng" algn="ctr">
+                      <a:solidFill>
+                        <a:schemeClr val="bg1"/>
+                      </a:solidFill>
+                      <a:prstDash val="solid"/>
+                      <a:round/>
+                      <a:headEnd type="none" w="med" len="med"/>
+                      <a:tailEnd type="none" w="med" len="med"/>
+                    </a:lnB>
+                    <a:lnTlToBr w="12700" cmpd="sng">
+                      <a:noFill/>
+                      <a:prstDash val="solid"/>
+                    </a:lnTlToBr>
+                    <a:lnBlToTr w="12700" cmpd="sng">
+                      <a:noFill/>
+                      <a:prstDash val="solid"/>
+                    </a:lnBlToTr>
+                    <a:solidFill>
+                      <a:srgbClr val="FFC000"/>
+                    </a:solidFill>
+                  </a:tcPr>
+                </a:tc>
+                <a:tc>
+                  <a:txBody>
+                    <a:bodyPr/>
+                    <a:lstStyle/>
+                    <a:p>
+                      <a:pPr marL="0" algn="l" defTabSz="914400" rtl="0" eaLnBrk="1" fontAlgn="t" latinLnBrk="0" hangingPunct="1">
+                        <a:spcBef>
+                          <a:spcPts val="0"/>
+                        </a:spcBef>
+                        <a:spcAft>
+                          <a:spcPts val="0"/>
+                        </a:spcAft>
+                      </a:pPr>
+                      <a:endParaRPr lang="en-US" sz="2400" dirty="0">
+                        <a:solidFill>
+                          <a:schemeClr val="tx1"/>
+                        </a:solidFill>
+                        <a:effectLst/>
+                      </a:endParaRPr>
+                    </a:p>
+                  </a:txBody>
+                  <a:tcPr marL="63500" marR="63500" marT="63500" marB="63500">
+                    <a:lnL w="12700" cap="flat" cmpd="sng" algn="ctr">
+                      <a:solidFill>
+                        <a:schemeClr val="bg1"/>
+                      </a:solidFill>
+                      <a:prstDash val="solid"/>
+                      <a:round/>
+                      <a:headEnd type="none" w="med" len="med"/>
+                      <a:tailEnd type="none" w="med" len="med"/>
+                    </a:lnL>
+                    <a:lnR w="12700" cap="flat" cmpd="sng" algn="ctr">
+                      <a:noFill/>
+                      <a:prstDash val="solid"/>
+                      <a:round/>
+                      <a:headEnd type="none" w="med" len="med"/>
+                      <a:tailEnd type="none" w="med" len="med"/>
+                    </a:lnR>
+                    <a:lnT w="76200" cap="flat" cmpd="sng" algn="ctr">
+                      <a:solidFill>
+                        <a:schemeClr val="bg1"/>
+                      </a:solidFill>
+                      <a:prstDash val="solid"/>
+                      <a:round/>
+                      <a:headEnd type="none" w="med" len="med"/>
+                      <a:tailEnd type="none" w="med" len="med"/>
+                    </a:lnT>
+                    <a:lnB w="76200" cap="flat" cmpd="sng" algn="ctr">
+                      <a:solidFill>
+                        <a:schemeClr val="bg1"/>
+                      </a:solidFill>
+                      <a:prstDash val="solid"/>
+                      <a:round/>
+                      <a:headEnd type="none" w="med" len="med"/>
+                      <a:tailEnd type="none" w="med" len="med"/>
+                    </a:lnB>
+                    <a:lnTlToBr w="12700" cmpd="sng">
+                      <a:noFill/>
+                      <a:prstDash val="solid"/>
+                    </a:lnTlToBr>
+                    <a:lnBlToTr w="12700" cmpd="sng">
+                      <a:noFill/>
+                      <a:prstDash val="solid"/>
+                    </a:lnBlToTr>
+                    <a:solidFill>
+                      <a:srgbClr val="FFC000"/>
+                    </a:solidFill>
+                  </a:tcPr>
+                </a:tc>
+                <a:tc>
+                  <a:txBody>
+                    <a:bodyPr/>
+                    <a:lstStyle/>
+                    <a:p>
+                      <a:pPr marL="0" algn="l" defTabSz="914400" rtl="0" eaLnBrk="1" fontAlgn="t" latinLnBrk="0" hangingPunct="1">
+                        <a:spcBef>
+                          <a:spcPts val="0"/>
+                        </a:spcBef>
+                        <a:spcAft>
+                          <a:spcPts val="0"/>
+                        </a:spcAft>
+                      </a:pPr>
+                      <a:endParaRPr lang="en-US" sz="2400" dirty="0">
+                        <a:solidFill>
+                          <a:schemeClr val="tx1"/>
+                        </a:solidFill>
+                        <a:effectLst/>
+                      </a:endParaRPr>
+                    </a:p>
+                  </a:txBody>
+                  <a:tcPr marL="63500" marR="63500" marT="63500" marB="63500">
+                    <a:lnL w="12700" cap="flat" cmpd="sng" algn="ctr">
+                      <a:noFill/>
+                      <a:prstDash val="solid"/>
+                      <a:round/>
+                      <a:headEnd type="none" w="med" len="med"/>
+                      <a:tailEnd type="none" w="med" len="med"/>
+                    </a:lnL>
+                    <a:lnR w="12700" cap="flat" cmpd="sng" algn="ctr">
+                      <a:noFill/>
+                      <a:prstDash val="solid"/>
+                      <a:round/>
+                      <a:headEnd type="none" w="med" len="med"/>
+                      <a:tailEnd type="none" w="med" len="med"/>
+                    </a:lnR>
+                    <a:lnT w="76200" cap="flat" cmpd="sng" algn="ctr">
+                      <a:solidFill>
+                        <a:schemeClr val="bg1"/>
+                      </a:solidFill>
+                      <a:prstDash val="solid"/>
+                      <a:round/>
+                      <a:headEnd type="none" w="med" len="med"/>
+                      <a:tailEnd type="none" w="med" len="med"/>
+                    </a:lnT>
+                    <a:lnB w="76200" cap="flat" cmpd="sng" algn="ctr">
+                      <a:solidFill>
+                        <a:schemeClr val="bg1"/>
+                      </a:solidFill>
+                      <a:prstDash val="solid"/>
+                      <a:round/>
+                      <a:headEnd type="none" w="med" len="med"/>
+                      <a:tailEnd type="none" w="med" len="med"/>
+                    </a:lnB>
+                    <a:lnTlToBr w="12700" cmpd="sng">
+                      <a:noFill/>
+                      <a:prstDash val="solid"/>
+                    </a:lnTlToBr>
+                    <a:lnBlToTr w="12700" cmpd="sng">
+                      <a:noFill/>
+                      <a:prstDash val="solid"/>
+                    </a:lnBlToTr>
+                  </a:tcPr>
+                </a:tc>
+                <a:tc>
+                  <a:txBody>
+                    <a:bodyPr/>
+                    <a:lstStyle/>
+                    <a:p>
+                      <a:pPr marL="0" algn="l" defTabSz="914400" rtl="0" eaLnBrk="1" fontAlgn="t" latinLnBrk="0" hangingPunct="1">
+                        <a:spcBef>
+                          <a:spcPts val="0"/>
+                        </a:spcBef>
+                        <a:spcAft>
+                          <a:spcPts val="0"/>
+                        </a:spcAft>
+                      </a:pPr>
+                      <a:endParaRPr lang="en-US" sz="2400" dirty="0">
+                        <a:solidFill>
+                          <a:schemeClr val="tx1"/>
+                        </a:solidFill>
+                        <a:effectLst/>
+                      </a:endParaRPr>
+                    </a:p>
+                  </a:txBody>
+                  <a:tcPr marL="63500" marR="63500" marT="63500" marB="63500">
+                    <a:lnL w="12700" cap="flat" cmpd="sng" algn="ctr">
+                      <a:noFill/>
+                      <a:prstDash val="solid"/>
+                      <a:round/>
+                      <a:headEnd type="none" w="med" len="med"/>
+                      <a:tailEnd type="none" w="med" len="med"/>
+                    </a:lnL>
+                    <a:lnR w="57150" cap="flat" cmpd="sng" algn="ctr">
+                      <a:solidFill>
+                        <a:schemeClr val="bg1"/>
+                      </a:solidFill>
+                      <a:prstDash val="solid"/>
+                      <a:round/>
+                      <a:headEnd type="none" w="med" len="med"/>
+                      <a:tailEnd type="none" w="med" len="med"/>
+                    </a:lnR>
+                    <a:lnT w="76200" cap="flat" cmpd="sng" algn="ctr">
+                      <a:solidFill>
+                        <a:schemeClr val="bg1"/>
+                      </a:solidFill>
+                      <a:prstDash val="solid"/>
+                      <a:round/>
+                      <a:headEnd type="none" w="med" len="med"/>
+                      <a:tailEnd type="none" w="med" len="med"/>
+                    </a:lnT>
+                    <a:lnB w="76200" cap="flat" cmpd="sng" algn="ctr">
+                      <a:solidFill>
+                        <a:schemeClr val="bg1"/>
+                      </a:solidFill>
+                      <a:prstDash val="solid"/>
+                      <a:round/>
+                      <a:headEnd type="none" w="med" len="med"/>
+                      <a:tailEnd type="none" w="med" len="med"/>
+                    </a:lnB>
+                    <a:lnTlToBr w="12700" cmpd="sng">
+                      <a:noFill/>
+                      <a:prstDash val="solid"/>
+                    </a:lnTlToBr>
+                    <a:lnBlToTr w="12700" cmpd="sng">
+                      <a:noFill/>
+                      <a:prstDash val="solid"/>
+                    </a:lnBlToTr>
+                  </a:tcPr>
+                </a:tc>
+                <a:extLst>
+                  <a:ext uri="{0D108BD9-81ED-4DB2-BD59-A6C34878D82A}">
+                    <a16:rowId xmlns:a16="http://schemas.microsoft.com/office/drawing/2014/main" val="4205358034"/>
+                  </a:ext>
+                </a:extLst>
+              </a:tr>
+              <a:tr h="555171">
+                <a:tc>
+                  <a:txBody>
+                    <a:bodyPr/>
+                    <a:lstStyle/>
+                    <a:p>
+                      <a:pPr algn="r" rtl="0" fontAlgn="t">
+                        <a:spcBef>
+                          <a:spcPts val="0"/>
+                        </a:spcBef>
+                        <a:spcAft>
+                          <a:spcPts val="0"/>
+                        </a:spcAft>
+                      </a:pPr>
+                      <a:r>
+                        <a:rPr lang="en-US" sz="2200" u="none" strike="noStrike" dirty="0">
+                          <a:effectLst/>
+                        </a:rPr>
+                        <a:t>Matthew</a:t>
+                      </a:r>
+                      <a:endParaRPr lang="en-US" sz="2200" dirty="0">
+                        <a:solidFill>
+                          <a:schemeClr val="tx1"/>
+                        </a:solidFill>
+                        <a:effectLst/>
+                      </a:endParaRPr>
+                    </a:p>
+                  </a:txBody>
+                  <a:tcPr marL="63500" marR="63500" marT="63500" marB="63500" anchor="ctr">
+                    <a:lnL w="57150" cap="flat" cmpd="sng" algn="ctr">
+                      <a:solidFill>
+                        <a:schemeClr val="bg1"/>
+                      </a:solidFill>
+                      <a:prstDash val="solid"/>
+                      <a:round/>
+                      <a:headEnd type="none" w="med" len="med"/>
+                      <a:tailEnd type="none" w="med" len="med"/>
+                    </a:lnL>
+                    <a:lnR w="12700" cap="flat" cmpd="sng" algn="ctr">
+                      <a:noFill/>
+                      <a:prstDash val="solid"/>
+                      <a:round/>
+                      <a:headEnd type="none" w="med" len="med"/>
+                      <a:tailEnd type="none" w="med" len="med"/>
+                    </a:lnR>
+                    <a:lnT w="76200" cap="flat" cmpd="sng" algn="ctr">
+                      <a:solidFill>
+                        <a:schemeClr val="bg1"/>
+                      </a:solidFill>
+                      <a:prstDash val="solid"/>
+                      <a:round/>
+                      <a:headEnd type="none" w="med" len="med"/>
+                      <a:tailEnd type="none" w="med" len="med"/>
+                    </a:lnT>
+                    <a:lnB w="76200" cap="flat" cmpd="sng" algn="ctr">
+                      <a:solidFill>
+                        <a:schemeClr val="bg1"/>
+                      </a:solidFill>
+                      <a:prstDash val="solid"/>
+                      <a:round/>
+                      <a:headEnd type="none" w="med" len="med"/>
+                      <a:tailEnd type="none" w="med" len="med"/>
+                    </a:lnB>
+                    <a:lnTlToBr w="12700" cmpd="sng">
+                      <a:noFill/>
+                      <a:prstDash val="solid"/>
+                    </a:lnTlToBr>
+                    <a:lnBlToTr w="12700" cmpd="sng">
+                      <a:noFill/>
+                      <a:prstDash val="solid"/>
+                    </a:lnBlToTr>
+                  </a:tcPr>
+                </a:tc>
+                <a:tc>
+                  <a:txBody>
+                    <a:bodyPr/>
+                    <a:lstStyle/>
+                    <a:p>
+                      <a:pPr algn="r" rtl="0" fontAlgn="t">
+                        <a:spcBef>
+                          <a:spcPts val="0"/>
+                        </a:spcBef>
+                        <a:spcAft>
+                          <a:spcPts val="0"/>
+                        </a:spcAft>
+                      </a:pPr>
+                      <a:endParaRPr lang="en-US" sz="2400" dirty="0">
+                        <a:solidFill>
+                          <a:schemeClr val="tx1"/>
+                        </a:solidFill>
+                        <a:effectLst/>
+                      </a:endParaRPr>
+                    </a:p>
+                  </a:txBody>
+                  <a:tcPr marL="63500" marR="63500" marT="63500" marB="63500">
+                    <a:lnL w="12700" cap="flat" cmpd="sng" algn="ctr">
+                      <a:noFill/>
+                      <a:prstDash val="solid"/>
+                      <a:round/>
+                      <a:headEnd type="none" w="med" len="med"/>
+                      <a:tailEnd type="none" w="med" len="med"/>
+                    </a:lnL>
+                    <a:lnR w="12700" cap="flat" cmpd="sng" algn="ctr">
+                      <a:solidFill>
+                        <a:schemeClr val="bg1"/>
+                      </a:solidFill>
+                      <a:prstDash val="solid"/>
+                      <a:round/>
+                      <a:headEnd type="none" w="med" len="med"/>
+                      <a:tailEnd type="none" w="med" len="med"/>
+                    </a:lnR>
+                    <a:lnT w="76200" cap="flat" cmpd="sng" algn="ctr">
+                      <a:solidFill>
+                        <a:schemeClr val="bg1"/>
+                      </a:solidFill>
+                      <a:prstDash val="solid"/>
+                      <a:round/>
+                      <a:headEnd type="none" w="med" len="med"/>
+                      <a:tailEnd type="none" w="med" len="med"/>
+                    </a:lnT>
+                    <a:lnB w="76200" cap="flat" cmpd="sng" algn="ctr">
+                      <a:solidFill>
+                        <a:schemeClr val="bg1"/>
+                      </a:solidFill>
+                      <a:prstDash val="solid"/>
+                      <a:round/>
+                      <a:headEnd type="none" w="med" len="med"/>
+                      <a:tailEnd type="none" w="med" len="med"/>
+                    </a:lnB>
+                    <a:lnTlToBr w="12700" cmpd="sng">
+                      <a:noFill/>
+                      <a:prstDash val="solid"/>
+                    </a:lnTlToBr>
+                    <a:lnBlToTr w="12700" cmpd="sng">
+                      <a:noFill/>
+                      <a:prstDash val="solid"/>
+                    </a:lnBlToTr>
+                    <a:solidFill>
+                      <a:srgbClr val="FFC000"/>
+                    </a:solidFill>
+                  </a:tcPr>
+                </a:tc>
+                <a:tc>
+                  <a:txBody>
+                    <a:bodyPr/>
+                    <a:lstStyle/>
+                    <a:p>
+                      <a:pPr marL="0" algn="l" defTabSz="914400" rtl="0" eaLnBrk="1" fontAlgn="t" latinLnBrk="0" hangingPunct="1">
+                        <a:spcBef>
+                          <a:spcPts val="0"/>
+                        </a:spcBef>
+                        <a:spcAft>
+                          <a:spcPts val="0"/>
+                        </a:spcAft>
+                      </a:pPr>
+                      <a:endParaRPr lang="en-US" sz="2400" dirty="0">
+                        <a:solidFill>
+                          <a:schemeClr val="tx1"/>
+                        </a:solidFill>
+                        <a:effectLst/>
+                      </a:endParaRPr>
+                    </a:p>
+                  </a:txBody>
+                  <a:tcPr marL="63500" marR="63500" marT="63500" marB="63500">
+                    <a:lnL w="12700" cap="flat" cmpd="sng" algn="ctr">
+                      <a:solidFill>
+                        <a:schemeClr val="bg1"/>
+                      </a:solidFill>
+                      <a:prstDash val="solid"/>
+                      <a:round/>
+                      <a:headEnd type="none" w="med" len="med"/>
+                      <a:tailEnd type="none" w="med" len="med"/>
+                    </a:lnL>
+                    <a:lnR w="12700" cap="flat" cmpd="sng" algn="ctr">
+                      <a:noFill/>
+                      <a:prstDash val="solid"/>
+                      <a:round/>
+                      <a:headEnd type="none" w="med" len="med"/>
+                      <a:tailEnd type="none" w="med" len="med"/>
+                    </a:lnR>
+                    <a:lnT w="76200" cap="flat" cmpd="sng" algn="ctr">
+                      <a:solidFill>
+                        <a:schemeClr val="bg1"/>
+                      </a:solidFill>
+                      <a:prstDash val="solid"/>
+                      <a:round/>
+                      <a:headEnd type="none" w="med" len="med"/>
+                      <a:tailEnd type="none" w="med" len="med"/>
+                    </a:lnT>
+                    <a:lnB w="76200" cap="flat" cmpd="sng" algn="ctr">
+                      <a:solidFill>
+                        <a:schemeClr val="bg1"/>
+                      </a:solidFill>
+                      <a:prstDash val="solid"/>
+                      <a:round/>
+                      <a:headEnd type="none" w="med" len="med"/>
+                      <a:tailEnd type="none" w="med" len="med"/>
+                    </a:lnB>
+                    <a:lnTlToBr w="12700" cmpd="sng">
+                      <a:noFill/>
+                      <a:prstDash val="solid"/>
+                    </a:lnTlToBr>
+                    <a:lnBlToTr w="12700" cmpd="sng">
+                      <a:noFill/>
+                      <a:prstDash val="solid"/>
+                    </a:lnBlToTr>
+                    <a:solidFill>
+                      <a:srgbClr val="FFC000"/>
+                    </a:solidFill>
+                  </a:tcPr>
+                </a:tc>
+                <a:tc>
+                  <a:txBody>
+                    <a:bodyPr/>
+                    <a:lstStyle/>
+                    <a:p>
+                      <a:pPr algn="r" rtl="0" fontAlgn="t">
+                        <a:spcBef>
+                          <a:spcPts val="0"/>
+                        </a:spcBef>
+                        <a:spcAft>
+                          <a:spcPts val="0"/>
+                        </a:spcAft>
+                      </a:pPr>
+                      <a:endParaRPr lang="en-US" sz="2400" dirty="0">
+                        <a:solidFill>
+                          <a:schemeClr val="tx1"/>
+                        </a:solidFill>
+                        <a:effectLst/>
+                      </a:endParaRPr>
+                    </a:p>
+                  </a:txBody>
+                  <a:tcPr marL="63500" marR="63500" marT="63500" marB="63500">
+                    <a:lnL w="12700" cap="flat" cmpd="sng" algn="ctr">
+                      <a:noFill/>
+                      <a:prstDash val="solid"/>
+                      <a:round/>
+                      <a:headEnd type="none" w="med" len="med"/>
+                      <a:tailEnd type="none" w="med" len="med"/>
+                    </a:lnL>
+                    <a:lnR w="12700" cap="flat" cmpd="sng" algn="ctr">
+                      <a:noFill/>
+                      <a:prstDash val="solid"/>
+                      <a:round/>
+                      <a:headEnd type="none" w="med" len="med"/>
+                      <a:tailEnd type="none" w="med" len="med"/>
+                    </a:lnR>
+                    <a:lnT w="76200" cap="flat" cmpd="sng" algn="ctr">
+                      <a:solidFill>
+                        <a:schemeClr val="bg1"/>
+                      </a:solidFill>
+                      <a:prstDash val="solid"/>
+                      <a:round/>
+                      <a:headEnd type="none" w="med" len="med"/>
+                      <a:tailEnd type="none" w="med" len="med"/>
+                    </a:lnT>
+                    <a:lnB w="76200" cap="flat" cmpd="sng" algn="ctr">
+                      <a:solidFill>
+                        <a:schemeClr val="bg1"/>
+                      </a:solidFill>
+                      <a:prstDash val="solid"/>
+                      <a:round/>
+                      <a:headEnd type="none" w="med" len="med"/>
+                      <a:tailEnd type="none" w="med" len="med"/>
+                    </a:lnB>
+                    <a:lnTlToBr w="12700" cmpd="sng">
+                      <a:noFill/>
+                      <a:prstDash val="solid"/>
+                    </a:lnTlToBr>
+                    <a:lnBlToTr w="12700" cmpd="sng">
+                      <a:noFill/>
+                      <a:prstDash val="solid"/>
+                    </a:lnBlToTr>
+                  </a:tcPr>
+                </a:tc>
+                <a:tc>
+                  <a:txBody>
+                    <a:bodyPr/>
+                    <a:lstStyle/>
+                    <a:p>
+                      <a:pPr marL="0" algn="l" defTabSz="914400" rtl="0" eaLnBrk="1" fontAlgn="t" latinLnBrk="0" hangingPunct="1">
+                        <a:spcBef>
+                          <a:spcPts val="0"/>
+                        </a:spcBef>
+                        <a:spcAft>
+                          <a:spcPts val="0"/>
+                        </a:spcAft>
+                      </a:pPr>
+                      <a:endParaRPr lang="en-US" sz="2400" dirty="0">
+                        <a:solidFill>
+                          <a:schemeClr val="tx1"/>
+                        </a:solidFill>
+                        <a:effectLst/>
+                      </a:endParaRPr>
+                    </a:p>
+                  </a:txBody>
+                  <a:tcPr marL="63500" marR="63500" marT="63500" marB="63500">
+                    <a:lnL w="12700" cap="flat" cmpd="sng" algn="ctr">
+                      <a:noFill/>
+                      <a:prstDash val="solid"/>
+                      <a:round/>
+                      <a:headEnd type="none" w="med" len="med"/>
+                      <a:tailEnd type="none" w="med" len="med"/>
+                    </a:lnL>
+                    <a:lnR w="57150" cap="flat" cmpd="sng" algn="ctr">
+                      <a:solidFill>
+                        <a:schemeClr val="bg1"/>
+                      </a:solidFill>
+                      <a:prstDash val="solid"/>
+                      <a:round/>
+                      <a:headEnd type="none" w="med" len="med"/>
+                      <a:tailEnd type="none" w="med" len="med"/>
+                    </a:lnR>
+                    <a:lnT w="76200" cap="flat" cmpd="sng" algn="ctr">
+                      <a:solidFill>
+                        <a:schemeClr val="bg1"/>
+                      </a:solidFill>
+                      <a:prstDash val="solid"/>
+                      <a:round/>
+                      <a:headEnd type="none" w="med" len="med"/>
+                      <a:tailEnd type="none" w="med" len="med"/>
+                    </a:lnT>
+                    <a:lnB w="76200" cap="flat" cmpd="sng" algn="ctr">
+                      <a:solidFill>
+                        <a:schemeClr val="bg1"/>
+                      </a:solidFill>
+                      <a:prstDash val="solid"/>
+                      <a:round/>
+                      <a:headEnd type="none" w="med" len="med"/>
+                      <a:tailEnd type="none" w="med" len="med"/>
+                    </a:lnB>
+                    <a:lnTlToBr w="12700" cmpd="sng">
+                      <a:noFill/>
+                      <a:prstDash val="solid"/>
+                    </a:lnTlToBr>
+                    <a:lnBlToTr w="12700" cmpd="sng">
+                      <a:noFill/>
+                      <a:prstDash val="solid"/>
+                    </a:lnBlToTr>
+                  </a:tcPr>
+                </a:tc>
+                <a:extLst>
+                  <a:ext uri="{0D108BD9-81ED-4DB2-BD59-A6C34878D82A}">
+                    <a16:rowId xmlns:a16="http://schemas.microsoft.com/office/drawing/2014/main" val="1229670439"/>
+                  </a:ext>
+                </a:extLst>
+              </a:tr>
+              <a:tr h="555171">
+                <a:tc>
+                  <a:txBody>
+                    <a:bodyPr/>
+                    <a:lstStyle/>
+                    <a:p>
+                      <a:pPr algn="r" rtl="0" fontAlgn="t">
+                        <a:spcBef>
+                          <a:spcPts val="0"/>
+                        </a:spcBef>
+                        <a:spcAft>
+                          <a:spcPts val="0"/>
+                        </a:spcAft>
+                      </a:pPr>
+                      <a:r>
+                        <a:rPr lang="en-US" sz="2200" u="none" strike="noStrike" dirty="0">
+                          <a:effectLst/>
+                        </a:rPr>
+                        <a:t>James, son of Alphaeus</a:t>
+                      </a:r>
+                      <a:endParaRPr lang="en-US" sz="2200" dirty="0">
+                        <a:solidFill>
+                          <a:schemeClr val="tx1"/>
+                        </a:solidFill>
+                        <a:effectLst/>
+                      </a:endParaRPr>
+                    </a:p>
+                  </a:txBody>
+                  <a:tcPr marL="63500" marR="63500" marT="63500" marB="63500" anchor="ctr">
+                    <a:lnL w="57150" cap="flat" cmpd="sng" algn="ctr">
+                      <a:solidFill>
+                        <a:schemeClr val="bg1"/>
+                      </a:solidFill>
+                      <a:prstDash val="solid"/>
+                      <a:round/>
+                      <a:headEnd type="none" w="med" len="med"/>
+                      <a:tailEnd type="none" w="med" len="med"/>
+                    </a:lnL>
+                    <a:lnR w="12700" cap="flat" cmpd="sng" algn="ctr">
+                      <a:noFill/>
+                      <a:prstDash val="solid"/>
+                      <a:round/>
+                      <a:headEnd type="none" w="med" len="med"/>
+                      <a:tailEnd type="none" w="med" len="med"/>
+                    </a:lnR>
+                    <a:lnT w="76200" cap="flat" cmpd="sng" algn="ctr">
+                      <a:solidFill>
+                        <a:schemeClr val="bg1"/>
+                      </a:solidFill>
+                      <a:prstDash val="solid"/>
+                      <a:round/>
+                      <a:headEnd type="none" w="med" len="med"/>
+                      <a:tailEnd type="none" w="med" len="med"/>
+                    </a:lnT>
+                    <a:lnB w="76200" cap="flat" cmpd="sng" algn="ctr">
+                      <a:solidFill>
+                        <a:schemeClr val="bg1"/>
+                      </a:solidFill>
+                      <a:prstDash val="solid"/>
+                      <a:round/>
+                      <a:headEnd type="none" w="med" len="med"/>
+                      <a:tailEnd type="none" w="med" len="med"/>
+                    </a:lnB>
+                    <a:lnTlToBr w="12700" cmpd="sng">
+                      <a:noFill/>
+                      <a:prstDash val="solid"/>
+                    </a:lnTlToBr>
+                    <a:lnBlToTr w="12700" cmpd="sng">
+                      <a:noFill/>
+                      <a:prstDash val="solid"/>
+                    </a:lnBlToTr>
+                  </a:tcPr>
+                </a:tc>
+                <a:tc>
+                  <a:txBody>
+                    <a:bodyPr/>
+                    <a:lstStyle/>
+                    <a:p>
+                      <a:pPr marL="0" algn="l" defTabSz="914400" rtl="0" eaLnBrk="1" fontAlgn="t" latinLnBrk="0" hangingPunct="1">
+                        <a:spcBef>
+                          <a:spcPts val="0"/>
+                        </a:spcBef>
+                        <a:spcAft>
+                          <a:spcPts val="0"/>
+                        </a:spcAft>
+                      </a:pPr>
+                      <a:endParaRPr lang="en-US" sz="2400" dirty="0">
+                        <a:solidFill>
+                          <a:schemeClr val="tx1"/>
+                        </a:solidFill>
+                        <a:effectLst/>
+                      </a:endParaRPr>
+                    </a:p>
+                  </a:txBody>
+                  <a:tcPr marL="63500" marR="63500" marT="63500" marB="63500">
+                    <a:lnL w="12700" cap="flat" cmpd="sng" algn="ctr">
+                      <a:noFill/>
+                      <a:prstDash val="solid"/>
+                      <a:round/>
+                      <a:headEnd type="none" w="med" len="med"/>
+                      <a:tailEnd type="none" w="med" len="med"/>
+                    </a:lnL>
+                    <a:lnR w="12700" cap="flat" cmpd="sng" algn="ctr">
+                      <a:solidFill>
+                        <a:schemeClr val="bg1"/>
+                      </a:solidFill>
+                      <a:prstDash val="solid"/>
+                      <a:round/>
+                      <a:headEnd type="none" w="med" len="med"/>
+                      <a:tailEnd type="none" w="med" len="med"/>
+                    </a:lnR>
+                    <a:lnT w="76200" cap="flat" cmpd="sng" algn="ctr">
+                      <a:solidFill>
+                        <a:schemeClr val="bg1"/>
+                      </a:solidFill>
+                      <a:prstDash val="solid"/>
+                      <a:round/>
+                      <a:headEnd type="none" w="med" len="med"/>
+                      <a:tailEnd type="none" w="med" len="med"/>
+                    </a:lnT>
+                    <a:lnB w="76200" cap="flat" cmpd="sng" algn="ctr">
+                      <a:solidFill>
+                        <a:schemeClr val="bg1"/>
+                      </a:solidFill>
+                      <a:prstDash val="solid"/>
+                      <a:round/>
+                      <a:headEnd type="none" w="med" len="med"/>
+                      <a:tailEnd type="none" w="med" len="med"/>
+                    </a:lnB>
+                    <a:lnTlToBr w="12700" cmpd="sng">
+                      <a:noFill/>
+                      <a:prstDash val="solid"/>
+                    </a:lnTlToBr>
+                    <a:lnBlToTr w="12700" cmpd="sng">
+                      <a:noFill/>
+                      <a:prstDash val="solid"/>
+                    </a:lnBlToTr>
+                    <a:solidFill>
+                      <a:srgbClr val="FFC000"/>
+                    </a:solidFill>
+                  </a:tcPr>
+                </a:tc>
+                <a:tc>
+                  <a:txBody>
+                    <a:bodyPr/>
+                    <a:lstStyle/>
+                    <a:p>
+                      <a:pPr marL="0" algn="l" defTabSz="914400" rtl="0" eaLnBrk="1" fontAlgn="t" latinLnBrk="0" hangingPunct="1">
+                        <a:spcBef>
+                          <a:spcPts val="0"/>
+                        </a:spcBef>
+                        <a:spcAft>
+                          <a:spcPts val="0"/>
+                        </a:spcAft>
+                      </a:pPr>
+                      <a:endParaRPr lang="en-US" sz="2400" dirty="0">
+                        <a:solidFill>
+                          <a:schemeClr val="tx1"/>
+                        </a:solidFill>
+                        <a:effectLst/>
+                      </a:endParaRPr>
+                    </a:p>
+                  </a:txBody>
+                  <a:tcPr marL="63500" marR="63500" marT="63500" marB="63500">
+                    <a:lnL w="12700" cap="flat" cmpd="sng" algn="ctr">
+                      <a:solidFill>
+                        <a:schemeClr val="bg1"/>
+                      </a:solidFill>
+                      <a:prstDash val="solid"/>
+                      <a:round/>
+                      <a:headEnd type="none" w="med" len="med"/>
+                      <a:tailEnd type="none" w="med" len="med"/>
+                    </a:lnL>
+                    <a:lnR w="12700" cap="flat" cmpd="sng" algn="ctr">
+                      <a:noFill/>
+                      <a:prstDash val="solid"/>
+                      <a:round/>
+                      <a:headEnd type="none" w="med" len="med"/>
+                      <a:tailEnd type="none" w="med" len="med"/>
+                    </a:lnR>
+                    <a:lnT w="76200" cap="flat" cmpd="sng" algn="ctr">
+                      <a:solidFill>
+                        <a:schemeClr val="bg1"/>
+                      </a:solidFill>
+                      <a:prstDash val="solid"/>
+                      <a:round/>
+                      <a:headEnd type="none" w="med" len="med"/>
+                      <a:tailEnd type="none" w="med" len="med"/>
+                    </a:lnT>
+                    <a:lnB w="76200" cap="flat" cmpd="sng" algn="ctr">
+                      <a:solidFill>
+                        <a:schemeClr val="bg1"/>
+                      </a:solidFill>
+                      <a:prstDash val="solid"/>
+                      <a:round/>
+                      <a:headEnd type="none" w="med" len="med"/>
+                      <a:tailEnd type="none" w="med" len="med"/>
+                    </a:lnB>
+                    <a:lnTlToBr w="12700" cmpd="sng">
+                      <a:noFill/>
+                      <a:prstDash val="solid"/>
+                    </a:lnTlToBr>
+                    <a:lnBlToTr w="12700" cmpd="sng">
+                      <a:noFill/>
+                      <a:prstDash val="solid"/>
+                    </a:lnBlToTr>
+                    <a:solidFill>
+                      <a:srgbClr val="FFC000"/>
+                    </a:solidFill>
+                  </a:tcPr>
+                </a:tc>
+                <a:tc>
+                  <a:txBody>
+                    <a:bodyPr/>
+                    <a:lstStyle/>
+                    <a:p>
+                      <a:pPr algn="r" rtl="0" fontAlgn="t">
+                        <a:spcBef>
+                          <a:spcPts val="0"/>
+                        </a:spcBef>
+                        <a:spcAft>
+                          <a:spcPts val="0"/>
+                        </a:spcAft>
+                      </a:pPr>
+                      <a:endParaRPr lang="en-US" sz="2400" dirty="0">
+                        <a:solidFill>
+                          <a:schemeClr val="tx1"/>
+                        </a:solidFill>
+                        <a:effectLst/>
+                      </a:endParaRPr>
+                    </a:p>
+                  </a:txBody>
+                  <a:tcPr marL="63500" marR="63500" marT="63500" marB="63500">
+                    <a:lnL w="12700" cap="flat" cmpd="sng" algn="ctr">
+                      <a:noFill/>
+                      <a:prstDash val="solid"/>
+                      <a:round/>
+                      <a:headEnd type="none" w="med" len="med"/>
+                      <a:tailEnd type="none" w="med" len="med"/>
+                    </a:lnL>
+                    <a:lnR w="12700" cap="flat" cmpd="sng" algn="ctr">
+                      <a:noFill/>
+                      <a:prstDash val="solid"/>
+                      <a:round/>
+                      <a:headEnd type="none" w="med" len="med"/>
+                      <a:tailEnd type="none" w="med" len="med"/>
+                    </a:lnR>
+                    <a:lnT w="76200" cap="flat" cmpd="sng" algn="ctr">
+                      <a:solidFill>
+                        <a:schemeClr val="bg1"/>
+                      </a:solidFill>
+                      <a:prstDash val="solid"/>
+                      <a:round/>
+                      <a:headEnd type="none" w="med" len="med"/>
+                      <a:tailEnd type="none" w="med" len="med"/>
+                    </a:lnT>
+                    <a:lnB w="76200" cap="flat" cmpd="sng" algn="ctr">
+                      <a:solidFill>
+                        <a:schemeClr val="bg1"/>
+                      </a:solidFill>
+                      <a:prstDash val="solid"/>
+                      <a:round/>
+                      <a:headEnd type="none" w="med" len="med"/>
+                      <a:tailEnd type="none" w="med" len="med"/>
+                    </a:lnB>
+                    <a:lnTlToBr w="12700" cmpd="sng">
+                      <a:noFill/>
+                      <a:prstDash val="solid"/>
+                    </a:lnTlToBr>
+                    <a:lnBlToTr w="12700" cmpd="sng">
+                      <a:noFill/>
+                      <a:prstDash val="solid"/>
+                    </a:lnBlToTr>
+                  </a:tcPr>
+                </a:tc>
+                <a:tc>
+                  <a:txBody>
+                    <a:bodyPr/>
+                    <a:lstStyle/>
+                    <a:p>
+                      <a:pPr marL="0" algn="l" defTabSz="914400" rtl="0" eaLnBrk="1" fontAlgn="t" latinLnBrk="0" hangingPunct="1">
+                        <a:spcBef>
+                          <a:spcPts val="0"/>
+                        </a:spcBef>
+                        <a:spcAft>
+                          <a:spcPts val="0"/>
+                        </a:spcAft>
+                      </a:pPr>
+                      <a:endParaRPr lang="en-US" sz="2400" dirty="0">
+                        <a:solidFill>
+                          <a:schemeClr val="tx1"/>
+                        </a:solidFill>
+                        <a:effectLst/>
+                      </a:endParaRPr>
+                    </a:p>
+                  </a:txBody>
+                  <a:tcPr marL="63500" marR="63500" marT="63500" marB="63500">
+                    <a:lnL w="12700" cap="flat" cmpd="sng" algn="ctr">
+                      <a:noFill/>
+                      <a:prstDash val="solid"/>
+                      <a:round/>
+                      <a:headEnd type="none" w="med" len="med"/>
+                      <a:tailEnd type="none" w="med" len="med"/>
+                    </a:lnL>
+                    <a:lnR w="57150" cap="flat" cmpd="sng" algn="ctr">
+                      <a:solidFill>
+                        <a:schemeClr val="bg1"/>
+                      </a:solidFill>
+                      <a:prstDash val="solid"/>
+                      <a:round/>
+                      <a:headEnd type="none" w="med" len="med"/>
+                      <a:tailEnd type="none" w="med" len="med"/>
+                    </a:lnR>
+                    <a:lnT w="76200" cap="flat" cmpd="sng" algn="ctr">
+                      <a:solidFill>
+                        <a:schemeClr val="bg1"/>
+                      </a:solidFill>
+                      <a:prstDash val="solid"/>
+                      <a:round/>
+                      <a:headEnd type="none" w="med" len="med"/>
+                      <a:tailEnd type="none" w="med" len="med"/>
+                    </a:lnT>
+                    <a:lnB w="76200" cap="flat" cmpd="sng" algn="ctr">
+                      <a:solidFill>
+                        <a:schemeClr val="bg1"/>
+                      </a:solidFill>
+                      <a:prstDash val="solid"/>
+                      <a:round/>
+                      <a:headEnd type="none" w="med" len="med"/>
+                      <a:tailEnd type="none" w="med" len="med"/>
+                    </a:lnB>
+                    <a:lnTlToBr w="12700" cmpd="sng">
+                      <a:noFill/>
+                      <a:prstDash val="solid"/>
+                    </a:lnTlToBr>
+                    <a:lnBlToTr w="12700" cmpd="sng">
+                      <a:noFill/>
+                      <a:prstDash val="solid"/>
+                    </a:lnBlToTr>
+                  </a:tcPr>
+                </a:tc>
+                <a:extLst>
+                  <a:ext uri="{0D108BD9-81ED-4DB2-BD59-A6C34878D82A}">
+                    <a16:rowId xmlns:a16="http://schemas.microsoft.com/office/drawing/2014/main" val="3648679175"/>
+                  </a:ext>
+                </a:extLst>
+              </a:tr>
+              <a:tr h="555171">
+                <a:tc>
+                  <a:txBody>
+                    <a:bodyPr/>
+                    <a:lstStyle/>
+                    <a:p>
+                      <a:pPr algn="r" rtl="0" fontAlgn="t">
+                        <a:spcBef>
+                          <a:spcPts val="0"/>
+                        </a:spcBef>
+                        <a:spcAft>
+                          <a:spcPts val="0"/>
+                        </a:spcAft>
+                      </a:pPr>
+                      <a:r>
+                        <a:rPr lang="en-US" sz="2200" u="none" strike="noStrike" dirty="0">
+                          <a:effectLst/>
+                        </a:rPr>
+                        <a:t>Thaddeus</a:t>
+                      </a:r>
+                      <a:endParaRPr lang="en-US" sz="2200" dirty="0">
+                        <a:solidFill>
+                          <a:schemeClr val="tx1"/>
+                        </a:solidFill>
+                        <a:effectLst/>
+                      </a:endParaRPr>
+                    </a:p>
+                  </a:txBody>
+                  <a:tcPr marL="63500" marR="63500" marT="63500" marB="63500" anchor="ctr">
+                    <a:lnL w="12700" cap="flat" cmpd="sng" algn="ctr">
+                      <a:noFill/>
+                      <a:prstDash val="solid"/>
+                      <a:round/>
+                      <a:headEnd type="none" w="med" len="med"/>
+                      <a:tailEnd type="none" w="med" len="med"/>
+                    </a:lnL>
+                    <a:lnR w="12700" cap="flat" cmpd="sng" algn="ctr">
+                      <a:noFill/>
+                      <a:prstDash val="solid"/>
+                      <a:round/>
+                      <a:headEnd type="none" w="med" len="med"/>
+                      <a:tailEnd type="none" w="med" len="med"/>
+                    </a:lnR>
+                    <a:lnT w="76200" cap="flat" cmpd="sng" algn="ctr">
+                      <a:solidFill>
+                        <a:schemeClr val="bg1"/>
+                      </a:solidFill>
+                      <a:prstDash val="solid"/>
+                      <a:round/>
+                      <a:headEnd type="none" w="med" len="med"/>
+                      <a:tailEnd type="none" w="med" len="med"/>
+                    </a:lnT>
+                    <a:lnB w="76200" cap="flat" cmpd="sng" algn="ctr">
+                      <a:solidFill>
+                        <a:schemeClr val="bg1"/>
+                      </a:solidFill>
+                      <a:prstDash val="solid"/>
+                      <a:round/>
+                      <a:headEnd type="none" w="med" len="med"/>
+                      <a:tailEnd type="none" w="med" len="med"/>
+                    </a:lnB>
+                    <a:lnTlToBr w="12700" cmpd="sng">
+                      <a:noFill/>
+                      <a:prstDash val="solid"/>
+                    </a:lnTlToBr>
+                    <a:lnBlToTr w="12700" cmpd="sng">
+                      <a:noFill/>
+                      <a:prstDash val="solid"/>
+                    </a:lnBlToTr>
+                  </a:tcPr>
+                </a:tc>
+                <a:tc>
+                  <a:txBody>
+                    <a:bodyPr/>
+                    <a:lstStyle/>
+                    <a:p>
+                      <a:pPr algn="r" rtl="0" fontAlgn="t">
+                        <a:spcBef>
+                          <a:spcPts val="0"/>
+                        </a:spcBef>
+                        <a:spcAft>
+                          <a:spcPts val="0"/>
+                        </a:spcAft>
+                      </a:pPr>
+                      <a:endParaRPr lang="en-US" sz="2400" dirty="0">
+                        <a:solidFill>
+                          <a:schemeClr val="tx1"/>
+                        </a:solidFill>
+                        <a:effectLst/>
+                      </a:endParaRPr>
+                    </a:p>
+                  </a:txBody>
+                  <a:tcPr marL="63500" marR="63500" marT="63500" marB="63500">
+                    <a:lnL w="12700" cap="flat" cmpd="sng" algn="ctr">
+                      <a:noFill/>
+                      <a:prstDash val="solid"/>
+                      <a:round/>
+                      <a:headEnd type="none" w="med" len="med"/>
+                      <a:tailEnd type="none" w="med" len="med"/>
+                    </a:lnL>
+                    <a:lnR w="12700" cap="flat" cmpd="sng" algn="ctr">
+                      <a:solidFill>
+                        <a:schemeClr val="bg1"/>
+                      </a:solidFill>
+                      <a:prstDash val="solid"/>
+                      <a:round/>
+                      <a:headEnd type="none" w="med" len="med"/>
+                      <a:tailEnd type="none" w="med" len="med"/>
+                    </a:lnR>
+                    <a:lnT w="76200" cap="flat" cmpd="sng" algn="ctr">
+                      <a:solidFill>
+                        <a:schemeClr val="bg1"/>
+                      </a:solidFill>
+                      <a:prstDash val="solid"/>
+                      <a:round/>
+                      <a:headEnd type="none" w="med" len="med"/>
+                      <a:tailEnd type="none" w="med" len="med"/>
+                    </a:lnT>
+                    <a:lnB w="76200" cap="flat" cmpd="sng" algn="ctr">
+                      <a:solidFill>
+                        <a:schemeClr val="bg1"/>
+                      </a:solidFill>
+                      <a:prstDash val="solid"/>
+                      <a:round/>
+                      <a:headEnd type="none" w="med" len="med"/>
+                      <a:tailEnd type="none" w="med" len="med"/>
+                    </a:lnB>
+                    <a:lnTlToBr w="12700" cmpd="sng">
+                      <a:noFill/>
+                      <a:prstDash val="solid"/>
+                    </a:lnTlToBr>
+                    <a:lnBlToTr w="12700" cmpd="sng">
+                      <a:noFill/>
+                      <a:prstDash val="solid"/>
+                    </a:lnBlToTr>
+                    <a:solidFill>
+                      <a:srgbClr val="FFC000"/>
+                    </a:solidFill>
+                  </a:tcPr>
+                </a:tc>
+                <a:tc>
+                  <a:txBody>
+                    <a:bodyPr/>
+                    <a:lstStyle/>
+                    <a:p>
+                      <a:pPr marL="0" algn="l" defTabSz="914400" rtl="0" eaLnBrk="1" fontAlgn="t" latinLnBrk="0" hangingPunct="1">
+                        <a:spcBef>
+                          <a:spcPts val="0"/>
+                        </a:spcBef>
+                        <a:spcAft>
+                          <a:spcPts val="0"/>
+                        </a:spcAft>
+                      </a:pPr>
+                      <a:endParaRPr lang="en-US" sz="2400" dirty="0">
+                        <a:solidFill>
+                          <a:schemeClr val="tx1"/>
+                        </a:solidFill>
+                        <a:effectLst/>
+                      </a:endParaRPr>
+                    </a:p>
+                  </a:txBody>
+                  <a:tcPr marL="63500" marR="63500" marT="63500" marB="63500">
+                    <a:lnL w="12700" cap="flat" cmpd="sng" algn="ctr">
+                      <a:solidFill>
+                        <a:schemeClr val="bg1"/>
+                      </a:solidFill>
+                      <a:prstDash val="solid"/>
+                      <a:round/>
+                      <a:headEnd type="none" w="med" len="med"/>
+                      <a:tailEnd type="none" w="med" len="med"/>
+                    </a:lnL>
+                    <a:lnR w="12700" cap="flat" cmpd="sng" algn="ctr">
+                      <a:noFill/>
+                      <a:prstDash val="solid"/>
+                      <a:round/>
+                      <a:headEnd type="none" w="med" len="med"/>
+                      <a:tailEnd type="none" w="med" len="med"/>
+                    </a:lnR>
+                    <a:lnT w="76200" cap="flat" cmpd="sng" algn="ctr">
+                      <a:solidFill>
+                        <a:schemeClr val="bg1"/>
+                      </a:solidFill>
+                      <a:prstDash val="solid"/>
+                      <a:round/>
+                      <a:headEnd type="none" w="med" len="med"/>
+                      <a:tailEnd type="none" w="med" len="med"/>
+                    </a:lnT>
+                    <a:lnB w="76200" cap="flat" cmpd="sng" algn="ctr">
+                      <a:solidFill>
+                        <a:schemeClr val="bg1"/>
+                      </a:solidFill>
+                      <a:prstDash val="solid"/>
+                      <a:round/>
+                      <a:headEnd type="none" w="med" len="med"/>
+                      <a:tailEnd type="none" w="med" len="med"/>
+                    </a:lnB>
+                    <a:lnTlToBr w="12700" cmpd="sng">
+                      <a:noFill/>
+                      <a:prstDash val="solid"/>
+                    </a:lnTlToBr>
+                    <a:lnBlToTr w="12700" cmpd="sng">
+                      <a:noFill/>
+                      <a:prstDash val="solid"/>
+                    </a:lnBlToTr>
+                    <a:solidFill>
+                      <a:srgbClr val="FFC000"/>
+                    </a:solidFill>
+                  </a:tcPr>
+                </a:tc>
+                <a:tc>
+                  <a:txBody>
+                    <a:bodyPr/>
+                    <a:lstStyle/>
+                    <a:p>
+                      <a:pPr algn="r" rtl="0" fontAlgn="t">
+                        <a:spcBef>
+                          <a:spcPts val="0"/>
+                        </a:spcBef>
+                        <a:spcAft>
+                          <a:spcPts val="0"/>
+                        </a:spcAft>
+                      </a:pPr>
+                      <a:endParaRPr lang="en-US" sz="2400" dirty="0">
+                        <a:solidFill>
+                          <a:schemeClr val="tx1"/>
+                        </a:solidFill>
+                        <a:effectLst/>
+                      </a:endParaRPr>
+                    </a:p>
+                  </a:txBody>
+                  <a:tcPr marL="63500" marR="63500" marT="63500" marB="63500">
+                    <a:lnL w="12700" cap="flat" cmpd="sng" algn="ctr">
+                      <a:noFill/>
+                      <a:prstDash val="solid"/>
+                      <a:round/>
+                      <a:headEnd type="none" w="med" len="med"/>
+                      <a:tailEnd type="none" w="med" len="med"/>
+                    </a:lnL>
+                    <a:lnR w="12700" cap="flat" cmpd="sng" algn="ctr">
+                      <a:noFill/>
+                      <a:prstDash val="solid"/>
+                      <a:round/>
+                      <a:headEnd type="none" w="med" len="med"/>
+                      <a:tailEnd type="none" w="med" len="med"/>
+                    </a:lnR>
+                    <a:lnT w="76200" cap="flat" cmpd="sng" algn="ctr">
+                      <a:solidFill>
+                        <a:schemeClr val="bg1"/>
+                      </a:solidFill>
+                      <a:prstDash val="solid"/>
+                      <a:round/>
+                      <a:headEnd type="none" w="med" len="med"/>
+                      <a:tailEnd type="none" w="med" len="med"/>
+                    </a:lnT>
+                    <a:lnB w="76200" cap="flat" cmpd="sng" algn="ctr">
+                      <a:solidFill>
+                        <a:schemeClr val="bg1"/>
+                      </a:solidFill>
+                      <a:prstDash val="solid"/>
+                      <a:round/>
+                      <a:headEnd type="none" w="med" len="med"/>
+                      <a:tailEnd type="none" w="med" len="med"/>
+                    </a:lnB>
+                    <a:lnTlToBr w="12700" cmpd="sng">
+                      <a:noFill/>
+                      <a:prstDash val="solid"/>
+                    </a:lnTlToBr>
+                    <a:lnBlToTr w="12700" cmpd="sng">
+                      <a:noFill/>
+                      <a:prstDash val="solid"/>
+                    </a:lnBlToTr>
+                  </a:tcPr>
+                </a:tc>
+                <a:tc>
+                  <a:txBody>
+                    <a:bodyPr/>
+                    <a:lstStyle/>
+                    <a:p>
+                      <a:pPr algn="r" rtl="0" fontAlgn="t">
+                        <a:spcBef>
+                          <a:spcPts val="0"/>
+                        </a:spcBef>
+                        <a:spcAft>
+                          <a:spcPts val="0"/>
+                        </a:spcAft>
+                      </a:pPr>
+                      <a:endParaRPr lang="en-US" sz="2400" dirty="0">
+                        <a:solidFill>
+                          <a:schemeClr val="tx1"/>
+                        </a:solidFill>
+                        <a:effectLst/>
+                      </a:endParaRPr>
+                    </a:p>
+                  </a:txBody>
+                  <a:tcPr marL="63500" marR="63500" marT="63500" marB="63500">
+                    <a:lnL w="12700" cap="flat" cmpd="sng" algn="ctr">
+                      <a:noFill/>
+                      <a:prstDash val="solid"/>
+                      <a:round/>
+                      <a:headEnd type="none" w="med" len="med"/>
+                      <a:tailEnd type="none" w="med" len="med"/>
+                    </a:lnL>
+                    <a:lnR w="12700" cap="flat" cmpd="sng" algn="ctr">
+                      <a:noFill/>
+                      <a:prstDash val="solid"/>
+                      <a:round/>
+                      <a:headEnd type="none" w="med" len="med"/>
+                      <a:tailEnd type="none" w="med" len="med"/>
+                    </a:lnR>
+                    <a:lnT w="76200" cap="flat" cmpd="sng" algn="ctr">
+                      <a:solidFill>
+                        <a:schemeClr val="bg1"/>
+                      </a:solidFill>
+                      <a:prstDash val="solid"/>
+                      <a:round/>
+                      <a:headEnd type="none" w="med" len="med"/>
+                      <a:tailEnd type="none" w="med" len="med"/>
+                    </a:lnT>
+                    <a:lnB w="76200" cap="flat" cmpd="sng" algn="ctr">
+                      <a:solidFill>
+                        <a:schemeClr val="bg1"/>
+                      </a:solidFill>
+                      <a:prstDash val="solid"/>
+                      <a:round/>
+                      <a:headEnd type="none" w="med" len="med"/>
+                      <a:tailEnd type="none" w="med" len="med"/>
+                    </a:lnB>
+                    <a:lnTlToBr w="12700" cmpd="sng">
+                      <a:noFill/>
+                      <a:prstDash val="solid"/>
+                    </a:lnTlToBr>
+                    <a:lnBlToTr w="12700" cmpd="sng">
+                      <a:noFill/>
+                      <a:prstDash val="solid"/>
+                    </a:lnBlToTr>
+                  </a:tcPr>
+                </a:tc>
+                <a:extLst>
+                  <a:ext uri="{0D108BD9-81ED-4DB2-BD59-A6C34878D82A}">
+                    <a16:rowId xmlns:a16="http://schemas.microsoft.com/office/drawing/2014/main" val="969024941"/>
+                  </a:ext>
+                </a:extLst>
+              </a:tr>
+              <a:tr h="555171">
+                <a:tc>
+                  <a:txBody>
+                    <a:bodyPr/>
+                    <a:lstStyle/>
+                    <a:p>
+                      <a:pPr algn="r" rtl="0" fontAlgn="t">
+                        <a:spcBef>
+                          <a:spcPts val="0"/>
+                        </a:spcBef>
+                        <a:spcAft>
+                          <a:spcPts val="0"/>
+                        </a:spcAft>
+                      </a:pPr>
+                      <a:r>
+                        <a:rPr lang="en-US" sz="2200" u="none" strike="noStrike" dirty="0">
+                          <a:effectLst/>
+                        </a:rPr>
+                        <a:t>Simon the Zealot</a:t>
+                      </a:r>
+                      <a:endParaRPr lang="en-US" sz="2200" dirty="0">
+                        <a:solidFill>
+                          <a:schemeClr val="tx1"/>
+                        </a:solidFill>
+                        <a:effectLst/>
+                      </a:endParaRPr>
+                    </a:p>
+                  </a:txBody>
+                  <a:tcPr marL="63500" marR="63500" marT="63500" marB="63500" anchor="ctr">
+                    <a:lnL w="12700" cap="flat" cmpd="sng" algn="ctr">
+                      <a:solidFill>
+                        <a:schemeClr val="bg1"/>
+                      </a:solidFill>
+                      <a:prstDash val="solid"/>
+                      <a:round/>
+                      <a:headEnd type="none" w="med" len="med"/>
+                      <a:tailEnd type="none" w="med" len="med"/>
+                    </a:lnL>
+                    <a:lnR w="12700" cap="flat" cmpd="sng" algn="ctr">
+                      <a:noFill/>
+                      <a:prstDash val="solid"/>
+                      <a:round/>
+                      <a:headEnd type="none" w="med" len="med"/>
+                      <a:tailEnd type="none" w="med" len="med"/>
+                    </a:lnR>
+                    <a:lnT w="76200" cap="flat" cmpd="sng" algn="ctr">
+                      <a:solidFill>
+                        <a:schemeClr val="bg1"/>
+                      </a:solidFill>
+                      <a:prstDash val="solid"/>
+                      <a:round/>
+                      <a:headEnd type="none" w="med" len="med"/>
+                      <a:tailEnd type="none" w="med" len="med"/>
+                    </a:lnT>
+                    <a:lnB w="76200" cap="flat" cmpd="sng" algn="ctr">
+                      <a:solidFill>
+                        <a:schemeClr val="bg1"/>
+                      </a:solidFill>
+                      <a:prstDash val="solid"/>
+                      <a:round/>
+                      <a:headEnd type="none" w="med" len="med"/>
+                      <a:tailEnd type="none" w="med" len="med"/>
+                    </a:lnB>
+                    <a:lnTlToBr w="12700" cmpd="sng">
+                      <a:noFill/>
+                      <a:prstDash val="solid"/>
+                    </a:lnTlToBr>
+                    <a:lnBlToTr w="12700" cmpd="sng">
+                      <a:noFill/>
+                      <a:prstDash val="solid"/>
+                    </a:lnBlToTr>
+                  </a:tcPr>
+                </a:tc>
+                <a:tc>
+                  <a:txBody>
+                    <a:bodyPr/>
+                    <a:lstStyle/>
+                    <a:p>
+                      <a:pPr algn="r" rtl="0" fontAlgn="t">
+                        <a:spcBef>
+                          <a:spcPts val="0"/>
+                        </a:spcBef>
+                        <a:spcAft>
+                          <a:spcPts val="0"/>
+                        </a:spcAft>
+                      </a:pPr>
+                      <a:endParaRPr lang="en-US" sz="2400" dirty="0">
+                        <a:solidFill>
+                          <a:schemeClr val="tx1"/>
+                        </a:solidFill>
+                        <a:effectLst/>
+                      </a:endParaRPr>
+                    </a:p>
+                  </a:txBody>
+                  <a:tcPr marL="63500" marR="63500" marT="63500" marB="63500">
+                    <a:lnL w="12700" cap="flat" cmpd="sng" algn="ctr">
+                      <a:noFill/>
+                      <a:prstDash val="solid"/>
+                      <a:round/>
+                      <a:headEnd type="none" w="med" len="med"/>
+                      <a:tailEnd type="none" w="med" len="med"/>
+                    </a:lnL>
+                    <a:lnR w="12700" cap="flat" cmpd="sng" algn="ctr">
+                      <a:solidFill>
+                        <a:schemeClr val="bg1"/>
+                      </a:solidFill>
+                      <a:prstDash val="solid"/>
+                      <a:round/>
+                      <a:headEnd type="none" w="med" len="med"/>
+                      <a:tailEnd type="none" w="med" len="med"/>
+                    </a:lnR>
+                    <a:lnT w="76200" cap="flat" cmpd="sng" algn="ctr">
+                      <a:solidFill>
+                        <a:schemeClr val="bg1"/>
+                      </a:solidFill>
+                      <a:prstDash val="solid"/>
+                      <a:round/>
+                      <a:headEnd type="none" w="med" len="med"/>
+                      <a:tailEnd type="none" w="med" len="med"/>
+                    </a:lnT>
+                    <a:lnB w="76200" cap="flat" cmpd="sng" algn="ctr">
+                      <a:solidFill>
+                        <a:schemeClr val="bg1"/>
+                      </a:solidFill>
+                      <a:prstDash val="solid"/>
+                      <a:round/>
+                      <a:headEnd type="none" w="med" len="med"/>
+                      <a:tailEnd type="none" w="med" len="med"/>
+                    </a:lnB>
+                    <a:lnTlToBr w="12700" cmpd="sng">
+                      <a:noFill/>
+                      <a:prstDash val="solid"/>
+                    </a:lnTlToBr>
+                    <a:lnBlToTr w="12700" cmpd="sng">
+                      <a:noFill/>
+                      <a:prstDash val="solid"/>
+                    </a:lnBlToTr>
+                    <a:solidFill>
+                      <a:srgbClr val="FFC000"/>
+                    </a:solidFill>
+                  </a:tcPr>
+                </a:tc>
+                <a:tc>
+                  <a:txBody>
+                    <a:bodyPr/>
+                    <a:lstStyle/>
+                    <a:p>
+                      <a:pPr marL="0" algn="l" defTabSz="914400" rtl="0" eaLnBrk="1" fontAlgn="t" latinLnBrk="0" hangingPunct="1">
+                        <a:spcBef>
+                          <a:spcPts val="0"/>
+                        </a:spcBef>
+                        <a:spcAft>
+                          <a:spcPts val="0"/>
+                        </a:spcAft>
+                      </a:pPr>
+                      <a:endParaRPr lang="en-US" sz="2400" dirty="0">
+                        <a:solidFill>
+                          <a:schemeClr val="tx1"/>
+                        </a:solidFill>
+                        <a:effectLst/>
+                      </a:endParaRPr>
+                    </a:p>
+                  </a:txBody>
+                  <a:tcPr marL="63500" marR="63500" marT="63500" marB="63500">
+                    <a:lnL w="12700" cap="flat" cmpd="sng" algn="ctr">
+                      <a:solidFill>
+                        <a:schemeClr val="bg1"/>
+                      </a:solidFill>
+                      <a:prstDash val="solid"/>
+                      <a:round/>
+                      <a:headEnd type="none" w="med" len="med"/>
+                      <a:tailEnd type="none" w="med" len="med"/>
+                    </a:lnL>
+                    <a:lnR w="12700" cap="flat" cmpd="sng" algn="ctr">
+                      <a:noFill/>
+                      <a:prstDash val="solid"/>
+                      <a:round/>
+                      <a:headEnd type="none" w="med" len="med"/>
+                      <a:tailEnd type="none" w="med" len="med"/>
+                    </a:lnR>
+                    <a:lnT w="76200" cap="flat" cmpd="sng" algn="ctr">
+                      <a:solidFill>
+                        <a:schemeClr val="bg1"/>
+                      </a:solidFill>
+                      <a:prstDash val="solid"/>
+                      <a:round/>
+                      <a:headEnd type="none" w="med" len="med"/>
+                      <a:tailEnd type="none" w="med" len="med"/>
+                    </a:lnT>
+                    <a:lnB w="76200" cap="flat" cmpd="sng" algn="ctr">
+                      <a:solidFill>
+                        <a:schemeClr val="bg1"/>
+                      </a:solidFill>
+                      <a:prstDash val="solid"/>
+                      <a:round/>
+                      <a:headEnd type="none" w="med" len="med"/>
+                      <a:tailEnd type="none" w="med" len="med"/>
+                    </a:lnB>
+                    <a:lnTlToBr w="12700" cmpd="sng">
+                      <a:noFill/>
+                      <a:prstDash val="solid"/>
+                    </a:lnTlToBr>
+                    <a:lnBlToTr w="12700" cmpd="sng">
+                      <a:noFill/>
+                      <a:prstDash val="solid"/>
+                    </a:lnBlToTr>
+                    <a:solidFill>
+                      <a:srgbClr val="FFC000"/>
+                    </a:solidFill>
+                  </a:tcPr>
+                </a:tc>
+                <a:tc>
+                  <a:txBody>
+                    <a:bodyPr/>
+                    <a:lstStyle/>
+                    <a:p>
+                      <a:pPr algn="r" rtl="0" fontAlgn="t">
+                        <a:spcBef>
+                          <a:spcPts val="0"/>
+                        </a:spcBef>
+                        <a:spcAft>
+                          <a:spcPts val="0"/>
+                        </a:spcAft>
+                      </a:pPr>
+                      <a:endParaRPr lang="en-US" sz="2400" dirty="0">
+                        <a:solidFill>
+                          <a:schemeClr val="tx1"/>
+                        </a:solidFill>
+                        <a:effectLst/>
+                      </a:endParaRPr>
+                    </a:p>
+                  </a:txBody>
+                  <a:tcPr marL="63500" marR="63500" marT="63500" marB="63500">
+                    <a:lnL w="12700" cap="flat" cmpd="sng" algn="ctr">
+                      <a:noFill/>
+                      <a:prstDash val="solid"/>
+                      <a:round/>
+                      <a:headEnd type="none" w="med" len="med"/>
+                      <a:tailEnd type="none" w="med" len="med"/>
+                    </a:lnL>
+                    <a:lnR w="12700" cap="flat" cmpd="sng" algn="ctr">
+                      <a:noFill/>
+                      <a:prstDash val="solid"/>
+                      <a:round/>
+                      <a:headEnd type="none" w="med" len="med"/>
+                      <a:tailEnd type="none" w="med" len="med"/>
+                    </a:lnR>
+                    <a:lnT w="76200" cap="flat" cmpd="sng" algn="ctr">
+                      <a:solidFill>
+                        <a:schemeClr val="bg1"/>
+                      </a:solidFill>
+                      <a:prstDash val="solid"/>
+                      <a:round/>
+                      <a:headEnd type="none" w="med" len="med"/>
+                      <a:tailEnd type="none" w="med" len="med"/>
+                    </a:lnT>
+                    <a:lnB w="76200" cap="flat" cmpd="sng" algn="ctr">
+                      <a:solidFill>
+                        <a:schemeClr val="bg1"/>
+                      </a:solidFill>
+                      <a:prstDash val="solid"/>
+                      <a:round/>
+                      <a:headEnd type="none" w="med" len="med"/>
+                      <a:tailEnd type="none" w="med" len="med"/>
+                    </a:lnB>
+                    <a:lnTlToBr w="12700" cmpd="sng">
+                      <a:noFill/>
+                      <a:prstDash val="solid"/>
+                    </a:lnTlToBr>
+                    <a:lnBlToTr w="12700" cmpd="sng">
+                      <a:noFill/>
+                      <a:prstDash val="solid"/>
+                    </a:lnBlToTr>
+                  </a:tcPr>
+                </a:tc>
+                <a:tc>
+                  <a:txBody>
+                    <a:bodyPr/>
+                    <a:lstStyle/>
+                    <a:p>
+                      <a:pPr marL="0" algn="l" defTabSz="914400" rtl="0" eaLnBrk="1" fontAlgn="t" latinLnBrk="0" hangingPunct="1">
+                        <a:spcBef>
+                          <a:spcPts val="0"/>
+                        </a:spcBef>
+                        <a:spcAft>
+                          <a:spcPts val="0"/>
+                        </a:spcAft>
+                      </a:pPr>
+                      <a:endParaRPr lang="en-US" sz="2400" dirty="0">
+                        <a:solidFill>
+                          <a:schemeClr val="tx1"/>
+                        </a:solidFill>
+                        <a:effectLst/>
+                      </a:endParaRPr>
+                    </a:p>
+                  </a:txBody>
+                  <a:tcPr marL="63500" marR="63500" marT="63500" marB="63500">
+                    <a:lnL w="12700" cap="flat" cmpd="sng" algn="ctr">
+                      <a:noFill/>
+                      <a:prstDash val="solid"/>
+                      <a:round/>
+                      <a:headEnd type="none" w="med" len="med"/>
+                      <a:tailEnd type="none" w="med" len="med"/>
+                    </a:lnL>
+                    <a:lnR w="12700" cap="flat" cmpd="sng" algn="ctr">
+                      <a:solidFill>
+                        <a:schemeClr val="bg1"/>
+                      </a:solidFill>
+                      <a:prstDash val="solid"/>
+                      <a:round/>
+                      <a:headEnd type="none" w="med" len="med"/>
+                      <a:tailEnd type="none" w="med" len="med"/>
+                    </a:lnR>
+                    <a:lnT w="76200" cap="flat" cmpd="sng" algn="ctr">
+                      <a:solidFill>
+                        <a:schemeClr val="bg1"/>
+                      </a:solidFill>
+                      <a:prstDash val="solid"/>
+                      <a:round/>
+                      <a:headEnd type="none" w="med" len="med"/>
+                      <a:tailEnd type="none" w="med" len="med"/>
+                    </a:lnT>
+                    <a:lnB w="76200" cap="flat" cmpd="sng" algn="ctr">
+                      <a:solidFill>
+                        <a:schemeClr val="bg1"/>
+                      </a:solidFill>
+                      <a:prstDash val="solid"/>
+                      <a:round/>
+                      <a:headEnd type="none" w="med" len="med"/>
+                      <a:tailEnd type="none" w="med" len="med"/>
+                    </a:lnB>
+                    <a:lnTlToBr w="12700" cmpd="sng">
+                      <a:noFill/>
+                      <a:prstDash val="solid"/>
+                    </a:lnTlToBr>
+                    <a:lnBlToTr w="12700" cmpd="sng">
+                      <a:noFill/>
+                      <a:prstDash val="solid"/>
+                    </a:lnBlToTr>
+                  </a:tcPr>
+                </a:tc>
+                <a:extLst>
+                  <a:ext uri="{0D108BD9-81ED-4DB2-BD59-A6C34878D82A}">
+                    <a16:rowId xmlns:a16="http://schemas.microsoft.com/office/drawing/2014/main" val="186478354"/>
+                  </a:ext>
+                </a:extLst>
+              </a:tr>
+              <a:tr h="555171">
+                <a:tc>
+                  <a:txBody>
+                    <a:bodyPr/>
+                    <a:lstStyle/>
+                    <a:p>
+                      <a:pPr algn="r" rtl="0" fontAlgn="t">
+                        <a:spcBef>
+                          <a:spcPts val="0"/>
+                        </a:spcBef>
+                        <a:spcAft>
+                          <a:spcPts val="0"/>
+                        </a:spcAft>
+                      </a:pPr>
+                      <a:r>
+                        <a:rPr lang="en-US" sz="2200" u="none" strike="noStrike" dirty="0">
+                          <a:effectLst/>
+                        </a:rPr>
+                        <a:t>Matthias</a:t>
+                      </a:r>
+                      <a:endParaRPr lang="en-US" sz="2200" dirty="0">
+                        <a:solidFill>
+                          <a:schemeClr val="tx1"/>
+                        </a:solidFill>
+                        <a:effectLst/>
+                      </a:endParaRPr>
+                    </a:p>
+                  </a:txBody>
+                  <a:tcPr marL="63500" marR="63500" marT="63500" marB="63500" anchor="ctr">
+                    <a:lnL w="12700" cap="flat" cmpd="sng" algn="ctr">
+                      <a:noFill/>
+                      <a:prstDash val="solid"/>
+                      <a:round/>
+                      <a:headEnd type="none" w="med" len="med"/>
+                      <a:tailEnd type="none" w="med" len="med"/>
+                    </a:lnL>
+                    <a:lnR w="12700" cap="flat" cmpd="sng" algn="ctr">
+                      <a:noFill/>
+                      <a:prstDash val="solid"/>
+                      <a:round/>
+                      <a:headEnd type="none" w="med" len="med"/>
+                      <a:tailEnd type="none" w="med" len="med"/>
+                    </a:lnR>
+                    <a:lnT w="76200" cap="flat" cmpd="sng" algn="ctr">
+                      <a:solidFill>
+                        <a:schemeClr val="bg1"/>
+                      </a:solidFill>
+                      <a:prstDash val="solid"/>
+                      <a:round/>
+                      <a:headEnd type="none" w="med" len="med"/>
+                      <a:tailEnd type="none" w="med" len="med"/>
+                    </a:lnT>
+                    <a:lnB w="12700" cap="flat" cmpd="sng" algn="ctr">
+                      <a:noFill/>
+                      <a:prstDash val="solid"/>
+                      <a:round/>
+                      <a:headEnd type="none" w="med" len="med"/>
+                      <a:tailEnd type="none" w="med" len="med"/>
+                    </a:lnB>
+                    <a:lnTlToBr w="12700" cmpd="sng">
+                      <a:noFill/>
+                      <a:prstDash val="solid"/>
+                    </a:lnTlToBr>
+                    <a:lnBlToTr w="12700" cmpd="sng">
+                      <a:noFill/>
+                      <a:prstDash val="solid"/>
+                    </a:lnBlToTr>
+                  </a:tcPr>
+                </a:tc>
+                <a:tc>
+                  <a:txBody>
+                    <a:bodyPr/>
+                    <a:lstStyle/>
+                    <a:p>
+                      <a:pPr marL="0" algn="l" defTabSz="914400" rtl="0" eaLnBrk="1" fontAlgn="t" latinLnBrk="0" hangingPunct="1">
+                        <a:spcBef>
+                          <a:spcPts val="0"/>
+                        </a:spcBef>
+                        <a:spcAft>
+                          <a:spcPts val="0"/>
+                        </a:spcAft>
+                      </a:pPr>
+                      <a:endParaRPr lang="en-US" sz="2400" dirty="0">
+                        <a:solidFill>
+                          <a:schemeClr val="tx1"/>
+                        </a:solidFill>
+                        <a:effectLst/>
+                      </a:endParaRPr>
+                    </a:p>
+                  </a:txBody>
+                  <a:tcPr marL="63500" marR="63500" marT="63500" marB="63500">
+                    <a:lnL w="12700" cap="flat" cmpd="sng" algn="ctr">
+                      <a:noFill/>
+                      <a:prstDash val="solid"/>
+                      <a:round/>
+                      <a:headEnd type="none" w="med" len="med"/>
+                      <a:tailEnd type="none" w="med" len="med"/>
+                    </a:lnL>
+                    <a:lnR w="12700" cap="flat" cmpd="sng" algn="ctr">
+                      <a:solidFill>
+                        <a:schemeClr val="bg1"/>
+                      </a:solidFill>
+                      <a:prstDash val="solid"/>
+                      <a:round/>
+                      <a:headEnd type="none" w="med" len="med"/>
+                      <a:tailEnd type="none" w="med" len="med"/>
+                    </a:lnR>
+                    <a:lnT w="76200" cap="flat" cmpd="sng" algn="ctr">
+                      <a:solidFill>
+                        <a:schemeClr val="bg1"/>
+                      </a:solidFill>
+                      <a:prstDash val="solid"/>
+                      <a:round/>
+                      <a:headEnd type="none" w="med" len="med"/>
+                      <a:tailEnd type="none" w="med" len="med"/>
+                    </a:lnT>
+                    <a:lnB w="12700" cap="flat" cmpd="sng" algn="ctr">
+                      <a:noFill/>
+                      <a:prstDash val="solid"/>
+                      <a:round/>
+                      <a:headEnd type="none" w="med" len="med"/>
+                      <a:tailEnd type="none" w="med" len="med"/>
+                    </a:lnB>
+                    <a:lnTlToBr w="12700" cmpd="sng">
+                      <a:noFill/>
+                      <a:prstDash val="solid"/>
+                    </a:lnTlToBr>
+                    <a:lnBlToTr w="12700" cmpd="sng">
+                      <a:noFill/>
+                      <a:prstDash val="solid"/>
+                    </a:lnBlToTr>
+                    <a:solidFill>
+                      <a:srgbClr val="FFC000"/>
+                    </a:solidFill>
+                  </a:tcPr>
+                </a:tc>
+                <a:tc>
+                  <a:txBody>
+                    <a:bodyPr/>
+                    <a:lstStyle/>
+                    <a:p>
+                      <a:pPr marL="0" algn="l" defTabSz="914400" rtl="0" eaLnBrk="1" fontAlgn="t" latinLnBrk="0" hangingPunct="1">
+                        <a:spcBef>
+                          <a:spcPts val="0"/>
+                        </a:spcBef>
+                        <a:spcAft>
+                          <a:spcPts val="0"/>
+                        </a:spcAft>
+                      </a:pPr>
+                      <a:endParaRPr lang="en-US" sz="2400" dirty="0">
+                        <a:solidFill>
+                          <a:schemeClr val="tx1"/>
+                        </a:solidFill>
+                        <a:effectLst/>
+                      </a:endParaRPr>
+                    </a:p>
+                  </a:txBody>
+                  <a:tcPr marL="63500" marR="63500" marT="63500" marB="63500">
+                    <a:lnL w="12700" cap="flat" cmpd="sng" algn="ctr">
+                      <a:solidFill>
+                        <a:schemeClr val="bg1"/>
+                      </a:solidFill>
+                      <a:prstDash val="solid"/>
+                      <a:round/>
+                      <a:headEnd type="none" w="med" len="med"/>
+                      <a:tailEnd type="none" w="med" len="med"/>
+                    </a:lnL>
+                    <a:lnR w="12700" cap="flat" cmpd="sng" algn="ctr">
+                      <a:noFill/>
+                      <a:prstDash val="solid"/>
+                      <a:round/>
+                      <a:headEnd type="none" w="med" len="med"/>
+                      <a:tailEnd type="none" w="med" len="med"/>
+                    </a:lnR>
+                    <a:lnT w="76200" cap="flat" cmpd="sng" algn="ctr">
+                      <a:solidFill>
+                        <a:schemeClr val="bg1"/>
+                      </a:solidFill>
+                      <a:prstDash val="solid"/>
+                      <a:round/>
+                      <a:headEnd type="none" w="med" len="med"/>
+                      <a:tailEnd type="none" w="med" len="med"/>
+                    </a:lnT>
+                    <a:lnB w="12700" cap="flat" cmpd="sng" algn="ctr">
+                      <a:noFill/>
+                      <a:prstDash val="solid"/>
+                      <a:round/>
+                      <a:headEnd type="none" w="med" len="med"/>
+                      <a:tailEnd type="none" w="med" len="med"/>
+                    </a:lnB>
+                    <a:lnTlToBr w="12700" cmpd="sng">
+                      <a:noFill/>
+                      <a:prstDash val="solid"/>
+                    </a:lnTlToBr>
+                    <a:lnBlToTr w="12700" cmpd="sng">
+                      <a:noFill/>
+                      <a:prstDash val="solid"/>
+                    </a:lnBlToTr>
+                    <a:solidFill>
+                      <a:srgbClr val="FFC000"/>
+                    </a:solidFill>
+                  </a:tcPr>
+                </a:tc>
+                <a:tc>
+                  <a:txBody>
+                    <a:bodyPr/>
+                    <a:lstStyle/>
+                    <a:p>
+                      <a:pPr marL="0" algn="l" defTabSz="914400" rtl="0" eaLnBrk="1" fontAlgn="t" latinLnBrk="0" hangingPunct="1">
+                        <a:spcBef>
+                          <a:spcPts val="0"/>
+                        </a:spcBef>
+                        <a:spcAft>
+                          <a:spcPts val="0"/>
+                        </a:spcAft>
+                      </a:pPr>
+                      <a:endParaRPr lang="en-US" sz="2400" dirty="0">
+                        <a:solidFill>
+                          <a:schemeClr val="tx1"/>
+                        </a:solidFill>
+                        <a:effectLst/>
+                      </a:endParaRPr>
+                    </a:p>
+                  </a:txBody>
+                  <a:tcPr marL="63500" marR="63500" marT="63500" marB="63500">
+                    <a:lnL w="12700" cap="flat" cmpd="sng" algn="ctr">
+                      <a:noFill/>
+                      <a:prstDash val="solid"/>
+                      <a:round/>
+                      <a:headEnd type="none" w="med" len="med"/>
+                      <a:tailEnd type="none" w="med" len="med"/>
+                    </a:lnL>
+                    <a:lnR w="12700" cap="flat" cmpd="sng" algn="ctr">
+                      <a:noFill/>
+                      <a:prstDash val="solid"/>
+                      <a:round/>
+                      <a:headEnd type="none" w="med" len="med"/>
+                      <a:tailEnd type="none" w="med" len="med"/>
+                    </a:lnR>
+                    <a:lnT w="76200" cap="flat" cmpd="sng" algn="ctr">
+                      <a:solidFill>
+                        <a:schemeClr val="bg1"/>
+                      </a:solidFill>
+                      <a:prstDash val="solid"/>
+                      <a:round/>
+                      <a:headEnd type="none" w="med" len="med"/>
+                      <a:tailEnd type="none" w="med" len="med"/>
+                    </a:lnT>
+                    <a:lnB w="12700" cap="flat" cmpd="sng" algn="ctr">
+                      <a:noFill/>
+                      <a:prstDash val="solid"/>
+                      <a:round/>
+                      <a:headEnd type="none" w="med" len="med"/>
+                      <a:tailEnd type="none" w="med" len="med"/>
+                    </a:lnB>
+                    <a:lnTlToBr w="12700" cmpd="sng">
+                      <a:noFill/>
+                      <a:prstDash val="solid"/>
+                    </a:lnTlToBr>
+                    <a:lnBlToTr w="12700" cmpd="sng">
+                      <a:noFill/>
+                      <a:prstDash val="solid"/>
+                    </a:lnBlToTr>
+                  </a:tcPr>
+                </a:tc>
+                <a:tc>
+                  <a:txBody>
+                    <a:bodyPr/>
+                    <a:lstStyle/>
+                    <a:p>
+                      <a:pPr marL="0" algn="l" defTabSz="914400" rtl="0" eaLnBrk="1" fontAlgn="t" latinLnBrk="0" hangingPunct="1">
+                        <a:spcBef>
+                          <a:spcPts val="0"/>
+                        </a:spcBef>
+                        <a:spcAft>
+                          <a:spcPts val="0"/>
+                        </a:spcAft>
+                      </a:pPr>
+                      <a:endParaRPr lang="en-US" sz="2400" dirty="0">
+                        <a:solidFill>
+                          <a:schemeClr val="tx1"/>
+                        </a:solidFill>
+                        <a:effectLst/>
+                      </a:endParaRPr>
+                    </a:p>
+                  </a:txBody>
+                  <a:tcPr marL="63500" marR="63500" marT="63500" marB="63500">
+                    <a:lnL w="12700" cap="flat" cmpd="sng" algn="ctr">
+                      <a:noFill/>
+                      <a:prstDash val="solid"/>
+                      <a:round/>
+                      <a:headEnd type="none" w="med" len="med"/>
+                      <a:tailEnd type="none" w="med" len="med"/>
+                    </a:lnL>
+                    <a:lnR w="12700" cap="flat" cmpd="sng" algn="ctr">
+                      <a:noFill/>
+                      <a:prstDash val="solid"/>
+                      <a:round/>
+                      <a:headEnd type="none" w="med" len="med"/>
+                      <a:tailEnd type="none" w="med" len="med"/>
+                    </a:lnR>
+                    <a:lnT w="76200" cap="flat" cmpd="sng" algn="ctr">
+                      <a:solidFill>
+                        <a:schemeClr val="bg1"/>
+                      </a:solidFill>
+                      <a:prstDash val="solid"/>
+                      <a:round/>
+                      <a:headEnd type="none" w="med" len="med"/>
+                      <a:tailEnd type="none" w="med" len="med"/>
+                    </a:lnT>
+                    <a:lnB w="12700" cap="flat" cmpd="sng" algn="ctr">
+                      <a:noFill/>
+                      <a:prstDash val="solid"/>
+                      <a:round/>
+                      <a:headEnd type="none" w="med" len="med"/>
+                      <a:tailEnd type="none" w="med" len="med"/>
+                    </a:lnB>
+                    <a:lnTlToBr w="12700" cmpd="sng">
+                      <a:noFill/>
+                      <a:prstDash val="solid"/>
+                    </a:lnTlToBr>
+                    <a:lnBlToTr w="12700" cmpd="sng">
+                      <a:noFill/>
+                      <a:prstDash val="solid"/>
+                    </a:lnBlToTr>
+                  </a:tcPr>
+                </a:tc>
+                <a:extLst>
+                  <a:ext uri="{0D108BD9-81ED-4DB2-BD59-A6C34878D82A}">
+                    <a16:rowId xmlns:a16="http://schemas.microsoft.com/office/drawing/2014/main" val="1311224716"/>
+                  </a:ext>
+                </a:extLst>
+              </a:tr>
+            </a:tbl>
+          </a:graphicData>
+        </a:graphic>
+      </p:graphicFrame>
+      <p:sp>
+        <p:nvSpPr>
+          <p:cNvPr id="7" name="TextBox 6">
+            <a:extLst>
+              <a:ext uri="{FF2B5EF4-FFF2-40B4-BE49-F238E27FC236}">
+                <a16:creationId xmlns:a16="http://schemas.microsoft.com/office/drawing/2014/main" id="{EE162A64-2D16-3C47-A471-6B8A69321DF8}"/>
+              </a:ext>
+            </a:extLst>
+          </p:cNvPr>
+          <p:cNvSpPr txBox="1"/>
+          <p:nvPr/>
+        </p:nvSpPr>
+        <p:spPr>
+          <a:xfrm>
+            <a:off x="156521" y="255595"/>
+            <a:ext cx="7530716" cy="769441"/>
+          </a:xfrm>
+          <a:prstGeom prst="rect">
+            <a:avLst/>
+          </a:prstGeom>
+          <a:noFill/>
+        </p:spPr>
+        <p:txBody>
+          <a:bodyPr wrap="none" rtlCol="0">
+            <a:spAutoFit/>
+          </a:bodyPr>
+          <a:lstStyle/>
+          <a:p>
+            <a:r>
+              <a:rPr lang="en-US" sz="4400" dirty="0"/>
+              <a:t>Which Apostles were martyred?</a:t>
+            </a:r>
+          </a:p>
+        </p:txBody>
+      </p:sp>
+      <p:sp>
+        <p:nvSpPr>
+          <p:cNvPr id="8" name="TextBox 7">
+            <a:extLst>
+              <a:ext uri="{FF2B5EF4-FFF2-40B4-BE49-F238E27FC236}">
+                <a16:creationId xmlns:a16="http://schemas.microsoft.com/office/drawing/2014/main" id="{F7C9D771-88A4-9C4E-900C-07AFAE62DD12}"/>
+              </a:ext>
+            </a:extLst>
+          </p:cNvPr>
+          <p:cNvSpPr txBox="1"/>
+          <p:nvPr/>
+        </p:nvSpPr>
+        <p:spPr>
+          <a:xfrm>
+            <a:off x="2514600" y="6858000"/>
+            <a:ext cx="6096000" cy="1028423"/>
+          </a:xfrm>
+          <a:prstGeom prst="rect">
+            <a:avLst/>
+          </a:prstGeom>
+          <a:noFill/>
+        </p:spPr>
+        <p:txBody>
+          <a:bodyPr wrap="square" rtlCol="0" anchor="b">
+            <a:spAutoFit/>
+          </a:bodyPr>
+          <a:lstStyle/>
+          <a:p>
+            <a:pPr marL="119063" indent="-119063">
+              <a:lnSpc>
+                <a:spcPct val="150000"/>
+              </a:lnSpc>
+              <a:buFont typeface="Arial" panose="020B0604020202020204" pitchFamily="34" charset="0"/>
+              <a:buChar char="•"/>
+            </a:pPr>
+            <a:r>
+              <a:rPr lang="en-US" sz="1400" dirty="0"/>
+              <a:t>Source: “The Fate of the Apostles” by Josh McDowell</a:t>
+            </a:r>
+          </a:p>
+          <a:p>
+            <a:pPr marL="119063" indent="-119063">
+              <a:lnSpc>
+                <a:spcPct val="150000"/>
+              </a:lnSpc>
+              <a:buFont typeface="Arial" panose="020B0604020202020204" pitchFamily="34" charset="0"/>
+              <a:buChar char="•"/>
+            </a:pPr>
+            <a:r>
+              <a:rPr lang="en-US" sz="1400" dirty="0"/>
+              <a:t>To be considered martyred, the person be killed </a:t>
+            </a:r>
+            <a:r>
+              <a:rPr lang="en-US" sz="1400" i="1" dirty="0"/>
+              <a:t>due to being a Christian</a:t>
+            </a:r>
+          </a:p>
+          <a:p>
+            <a:pPr marL="119063" indent="-119063">
+              <a:lnSpc>
+                <a:spcPct val="150000"/>
+              </a:lnSpc>
+              <a:buFont typeface="Arial" panose="020B0604020202020204" pitchFamily="34" charset="0"/>
+              <a:buChar char="•"/>
+            </a:pPr>
+            <a:r>
+              <a:rPr lang="en-US" sz="1400" dirty="0"/>
+              <a:t>This list includes those that are not specifically part of the Twelve (like James)</a:t>
+            </a:r>
+          </a:p>
+        </p:txBody>
+      </p:sp>
+      <p:graphicFrame>
+        <p:nvGraphicFramePr>
+          <p:cNvPr id="11" name="Table 10">
+            <a:extLst>
+              <a:ext uri="{FF2B5EF4-FFF2-40B4-BE49-F238E27FC236}">
+                <a16:creationId xmlns:a16="http://schemas.microsoft.com/office/drawing/2014/main" id="{B51D455E-2878-7D48-BE14-86E8A0995533}"/>
+              </a:ext>
+            </a:extLst>
+          </p:cNvPr>
+          <p:cNvGraphicFramePr>
+            <a:graphicFrameLocks noGrp="1"/>
+          </p:cNvGraphicFramePr>
+          <p:nvPr>
+            <p:extLst>
+              <p:ext uri="{D42A27DB-BD31-4B8C-83A1-F6EECF244321}">
+                <p14:modId xmlns:p14="http://schemas.microsoft.com/office/powerpoint/2010/main" val="1043008005"/>
+              </p:ext>
+            </p:extLst>
+          </p:nvPr>
+        </p:nvGraphicFramePr>
+        <p:xfrm>
+          <a:off x="181235" y="1676403"/>
+          <a:ext cx="4267198" cy="3886197"/>
+        </p:xfrm>
+        <a:graphic>
+          <a:graphicData uri="http://schemas.openxmlformats.org/drawingml/2006/table">
+            <a:tbl>
+              <a:tblPr firstRow="1" bandRow="1">
+                <a:tableStyleId>{2D5ABB26-0587-4C30-8999-92F81FD0307C}</a:tableStyleId>
+              </a:tblPr>
+              <a:tblGrid>
+                <a:gridCol w="2890682">
+                  <a:extLst>
+                    <a:ext uri="{9D8B030D-6E8A-4147-A177-3AD203B41FA5}">
+                      <a16:colId xmlns:a16="http://schemas.microsoft.com/office/drawing/2014/main" val="3256627010"/>
+                    </a:ext>
+                  </a:extLst>
+                </a:gridCol>
+                <a:gridCol w="344129">
+                  <a:extLst>
+                    <a:ext uri="{9D8B030D-6E8A-4147-A177-3AD203B41FA5}">
+                      <a16:colId xmlns:a16="http://schemas.microsoft.com/office/drawing/2014/main" val="2760839914"/>
+                    </a:ext>
+                  </a:extLst>
+                </a:gridCol>
+                <a:gridCol w="344129">
+                  <a:extLst>
+                    <a:ext uri="{9D8B030D-6E8A-4147-A177-3AD203B41FA5}">
+                      <a16:colId xmlns:a16="http://schemas.microsoft.com/office/drawing/2014/main" val="3032634955"/>
+                    </a:ext>
+                  </a:extLst>
+                </a:gridCol>
+                <a:gridCol w="344129">
+                  <a:extLst>
+                    <a:ext uri="{9D8B030D-6E8A-4147-A177-3AD203B41FA5}">
+                      <a16:colId xmlns:a16="http://schemas.microsoft.com/office/drawing/2014/main" val="999213998"/>
+                    </a:ext>
+                  </a:extLst>
+                </a:gridCol>
+                <a:gridCol w="344129">
+                  <a:extLst>
+                    <a:ext uri="{9D8B030D-6E8A-4147-A177-3AD203B41FA5}">
+                      <a16:colId xmlns:a16="http://schemas.microsoft.com/office/drawing/2014/main" val="39879636"/>
+                    </a:ext>
+                  </a:extLst>
+                </a:gridCol>
+              </a:tblGrid>
+              <a:tr h="555171">
+                <a:tc>
+                  <a:txBody>
+                    <a:bodyPr/>
+                    <a:lstStyle/>
+                    <a:p>
+                      <a:pPr algn="r" rtl="0" fontAlgn="t">
+                        <a:spcBef>
+                          <a:spcPts val="0"/>
+                        </a:spcBef>
+                        <a:spcAft>
+                          <a:spcPts val="0"/>
+                        </a:spcAft>
+                      </a:pPr>
+                      <a:r>
+                        <a:rPr lang="en-US" sz="1800" b="0" i="0" u="none" strike="noStrike" dirty="0">
+                          <a:solidFill>
+                            <a:schemeClr val="tx1"/>
+                          </a:solidFill>
+                          <a:effectLst/>
+                          <a:latin typeface="Arial" panose="020B0604020202020204" pitchFamily="34" charset="0"/>
+                        </a:rPr>
+                        <a:t>Peter</a:t>
+                      </a:r>
+                      <a:endParaRPr lang="en-US" sz="1800" dirty="0">
+                        <a:solidFill>
+                          <a:schemeClr val="tx1"/>
+                        </a:solidFill>
+                        <a:effectLst/>
+                      </a:endParaRPr>
+                    </a:p>
+                  </a:txBody>
+                  <a:tcPr marL="63500" marR="63500" marT="63500" marB="63500" anchor="ctr">
+                    <a:lnL w="57150" cap="flat" cmpd="sng" algn="ctr">
+                      <a:solidFill>
+                        <a:schemeClr val="bg1"/>
+                      </a:solidFill>
+                      <a:prstDash val="solid"/>
+                      <a:round/>
+                      <a:headEnd type="none" w="med" len="med"/>
+                      <a:tailEnd type="none" w="med" len="med"/>
+                    </a:lnL>
+                    <a:lnR w="12700" cap="flat" cmpd="sng" algn="ctr">
+                      <a:noFill/>
+                      <a:prstDash val="solid"/>
+                      <a:round/>
+                      <a:headEnd type="none" w="med" len="med"/>
+                      <a:tailEnd type="none" w="med" len="med"/>
+                    </a:lnR>
+                    <a:lnT w="57150" cap="flat" cmpd="sng" algn="ctr">
+                      <a:solidFill>
+                        <a:schemeClr val="bg1"/>
+                      </a:solidFill>
+                      <a:prstDash val="solid"/>
+                      <a:round/>
+                      <a:headEnd type="none" w="med" len="med"/>
+                      <a:tailEnd type="none" w="med" len="med"/>
+                    </a:lnT>
+                    <a:lnB w="76200" cap="flat" cmpd="sng" algn="ctr">
+                      <a:solidFill>
+                        <a:schemeClr val="bg1"/>
+                      </a:solidFill>
+                      <a:prstDash val="solid"/>
+                      <a:round/>
+                      <a:headEnd type="none" w="med" len="med"/>
+                      <a:tailEnd type="none" w="med" len="med"/>
+                    </a:lnB>
+                    <a:lnTlToBr w="12700" cmpd="sng">
+                      <a:noFill/>
+                      <a:prstDash val="solid"/>
+                    </a:lnTlToBr>
+                    <a:lnBlToTr w="12700" cmpd="sng">
+                      <a:noFill/>
+                      <a:prstDash val="solid"/>
+                    </a:lnBlToTr>
+                  </a:tcPr>
+                </a:tc>
+                <a:tc>
+                  <a:txBody>
+                    <a:bodyPr/>
+                    <a:lstStyle/>
+                    <a:p>
+                      <a:pPr marL="0" algn="l" defTabSz="914400" rtl="0" eaLnBrk="1" fontAlgn="t" latinLnBrk="0" hangingPunct="1">
+                        <a:spcBef>
+                          <a:spcPts val="0"/>
+                        </a:spcBef>
+                        <a:spcAft>
+                          <a:spcPts val="0"/>
+                        </a:spcAft>
+                      </a:pPr>
+                      <a:endParaRPr lang="en-US" sz="2400" dirty="0">
+                        <a:solidFill>
+                          <a:schemeClr val="tx1"/>
+                        </a:solidFill>
+                        <a:effectLst/>
+                      </a:endParaRPr>
+                    </a:p>
+                  </a:txBody>
+                  <a:tcPr marL="63500" marR="63500" marT="63500" marB="63500">
+                    <a:lnL w="12700" cap="flat" cmpd="sng" algn="ctr">
+                      <a:noFill/>
+                      <a:prstDash val="solid"/>
+                      <a:round/>
+                      <a:headEnd type="none" w="med" len="med"/>
+                      <a:tailEnd type="none" w="med" len="med"/>
+                    </a:lnL>
+                    <a:lnR w="12700" cap="flat" cmpd="sng" algn="ctr">
+                      <a:solidFill>
+                        <a:schemeClr val="bg1"/>
+                      </a:solidFill>
+                      <a:prstDash val="solid"/>
+                      <a:round/>
+                      <a:headEnd type="none" w="med" len="med"/>
+                      <a:tailEnd type="none" w="med" len="med"/>
+                    </a:lnR>
+                    <a:lnT w="57150" cap="flat" cmpd="sng" algn="ctr">
+                      <a:solidFill>
+                        <a:schemeClr val="bg1"/>
+                      </a:solidFill>
+                      <a:prstDash val="solid"/>
+                      <a:round/>
+                      <a:headEnd type="none" w="med" len="med"/>
+                      <a:tailEnd type="none" w="med" len="med"/>
+                    </a:lnT>
+                    <a:lnB w="76200" cap="flat" cmpd="sng" algn="ctr">
+                      <a:solidFill>
+                        <a:schemeClr val="bg1"/>
+                      </a:solidFill>
+                      <a:prstDash val="solid"/>
+                      <a:round/>
+                      <a:headEnd type="none" w="med" len="med"/>
+                      <a:tailEnd type="none" w="med" len="med"/>
+                    </a:lnB>
+                    <a:lnTlToBr w="12700" cmpd="sng">
+                      <a:noFill/>
+                      <a:prstDash val="solid"/>
+                    </a:lnTlToBr>
+                    <a:lnBlToTr w="12700" cmpd="sng">
+                      <a:noFill/>
+                      <a:prstDash val="solid"/>
+                    </a:lnBlToTr>
+                    <a:solidFill>
+                      <a:srgbClr val="01B902"/>
+                    </a:solidFill>
+                  </a:tcPr>
+                </a:tc>
+                <a:tc>
+                  <a:txBody>
+                    <a:bodyPr/>
+                    <a:lstStyle/>
+                    <a:p>
+                      <a:pPr marL="0" algn="l" defTabSz="914400" rtl="0" eaLnBrk="1" fontAlgn="t" latinLnBrk="0" hangingPunct="1">
+                        <a:spcBef>
+                          <a:spcPts val="0"/>
+                        </a:spcBef>
+                        <a:spcAft>
+                          <a:spcPts val="0"/>
+                        </a:spcAft>
+                      </a:pPr>
+                      <a:endParaRPr lang="en-US" sz="2400" dirty="0">
+                        <a:solidFill>
+                          <a:schemeClr val="tx1"/>
+                        </a:solidFill>
+                        <a:effectLst/>
+                      </a:endParaRPr>
+                    </a:p>
+                  </a:txBody>
+                  <a:tcPr marL="63500" marR="63500" marT="63500" marB="63500">
+                    <a:lnL w="12700" cap="flat" cmpd="sng" algn="ctr">
+                      <a:solidFill>
+                        <a:schemeClr val="bg1"/>
+                      </a:solidFill>
+                      <a:prstDash val="solid"/>
+                      <a:round/>
+                      <a:headEnd type="none" w="med" len="med"/>
+                      <a:tailEnd type="none" w="med" len="med"/>
+                    </a:lnL>
+                    <a:lnR w="12700" cap="flat" cmpd="sng" algn="ctr">
+                      <a:solidFill>
+                        <a:schemeClr val="bg1"/>
+                      </a:solidFill>
+                      <a:prstDash val="solid"/>
+                      <a:round/>
+                      <a:headEnd type="none" w="med" len="med"/>
+                      <a:tailEnd type="none" w="med" len="med"/>
+                    </a:lnR>
+                    <a:lnT w="57150" cap="flat" cmpd="sng" algn="ctr">
+                      <a:solidFill>
+                        <a:schemeClr val="bg1"/>
+                      </a:solidFill>
+                      <a:prstDash val="solid"/>
+                      <a:round/>
+                      <a:headEnd type="none" w="med" len="med"/>
+                      <a:tailEnd type="none" w="med" len="med"/>
+                    </a:lnT>
+                    <a:lnB w="76200" cap="flat" cmpd="sng" algn="ctr">
+                      <a:solidFill>
+                        <a:schemeClr val="bg1"/>
+                      </a:solidFill>
+                      <a:prstDash val="solid"/>
+                      <a:round/>
+                      <a:headEnd type="none" w="med" len="med"/>
+                      <a:tailEnd type="none" w="med" len="med"/>
+                    </a:lnB>
+                    <a:lnTlToBr w="12700" cmpd="sng">
+                      <a:noFill/>
+                      <a:prstDash val="solid"/>
+                    </a:lnTlToBr>
+                    <a:lnBlToTr w="12700" cmpd="sng">
+                      <a:noFill/>
+                      <a:prstDash val="solid"/>
+                    </a:lnBlToTr>
+                    <a:solidFill>
+                      <a:srgbClr val="01B902"/>
+                    </a:solidFill>
+                  </a:tcPr>
+                </a:tc>
+                <a:tc>
+                  <a:txBody>
+                    <a:bodyPr/>
+                    <a:lstStyle/>
+                    <a:p>
+                      <a:pPr marL="0" algn="l" defTabSz="914400" rtl="0" eaLnBrk="1" fontAlgn="t" latinLnBrk="0" hangingPunct="1">
+                        <a:spcBef>
+                          <a:spcPts val="0"/>
+                        </a:spcBef>
+                        <a:spcAft>
+                          <a:spcPts val="0"/>
+                        </a:spcAft>
+                      </a:pPr>
+                      <a:endParaRPr lang="en-US" sz="2400" dirty="0">
+                        <a:solidFill>
+                          <a:schemeClr val="tx1"/>
+                        </a:solidFill>
+                        <a:effectLst/>
+                      </a:endParaRPr>
+                    </a:p>
+                  </a:txBody>
+                  <a:tcPr marL="63500" marR="63500" marT="63500" marB="63500">
+                    <a:lnL w="12700" cap="flat" cmpd="sng" algn="ctr">
+                      <a:solidFill>
+                        <a:schemeClr val="bg1"/>
+                      </a:solidFill>
+                      <a:prstDash val="solid"/>
+                      <a:round/>
+                      <a:headEnd type="none" w="med" len="med"/>
+                      <a:tailEnd type="none" w="med" len="med"/>
+                    </a:lnL>
+                    <a:lnR w="12700" cap="flat" cmpd="sng" algn="ctr">
+                      <a:solidFill>
+                        <a:schemeClr val="bg1"/>
+                      </a:solidFill>
+                      <a:prstDash val="solid"/>
+                      <a:round/>
+                      <a:headEnd type="none" w="med" len="med"/>
+                      <a:tailEnd type="none" w="med" len="med"/>
+                    </a:lnR>
+                    <a:lnT w="57150" cap="flat" cmpd="sng" algn="ctr">
+                      <a:solidFill>
+                        <a:schemeClr val="bg1"/>
+                      </a:solidFill>
+                      <a:prstDash val="solid"/>
+                      <a:round/>
+                      <a:headEnd type="none" w="med" len="med"/>
+                      <a:tailEnd type="none" w="med" len="med"/>
+                    </a:lnT>
+                    <a:lnB w="76200" cap="flat" cmpd="sng" algn="ctr">
+                      <a:solidFill>
+                        <a:schemeClr val="bg1"/>
+                      </a:solidFill>
+                      <a:prstDash val="solid"/>
+                      <a:round/>
+                      <a:headEnd type="none" w="med" len="med"/>
+                      <a:tailEnd type="none" w="med" len="med"/>
+                    </a:lnB>
+                    <a:lnTlToBr w="12700" cmpd="sng">
+                      <a:noFill/>
+                      <a:prstDash val="solid"/>
+                    </a:lnTlToBr>
+                    <a:lnBlToTr w="12700" cmpd="sng">
+                      <a:noFill/>
+                      <a:prstDash val="solid"/>
+                    </a:lnBlToTr>
+                    <a:solidFill>
+                      <a:srgbClr val="01B902"/>
+                    </a:solidFill>
+                  </a:tcPr>
+                </a:tc>
+                <a:tc>
+                  <a:txBody>
+                    <a:bodyPr/>
+                    <a:lstStyle/>
+                    <a:p>
+                      <a:pPr marL="0" algn="l" defTabSz="914400" rtl="0" eaLnBrk="1" fontAlgn="t" latinLnBrk="0" hangingPunct="1">
+                        <a:spcBef>
+                          <a:spcPts val="0"/>
+                        </a:spcBef>
+                        <a:spcAft>
+                          <a:spcPts val="0"/>
+                        </a:spcAft>
+                      </a:pPr>
+                      <a:endParaRPr lang="en-US" sz="2400" dirty="0">
+                        <a:solidFill>
+                          <a:schemeClr val="tx1"/>
+                        </a:solidFill>
+                        <a:effectLst/>
+                      </a:endParaRPr>
+                    </a:p>
+                  </a:txBody>
+                  <a:tcPr marL="63500" marR="63500" marT="63500" marB="63500">
+                    <a:lnL w="12700" cap="flat" cmpd="sng" algn="ctr">
+                      <a:solidFill>
+                        <a:schemeClr val="bg1"/>
+                      </a:solidFill>
+                      <a:prstDash val="solid"/>
+                      <a:round/>
+                      <a:headEnd type="none" w="med" len="med"/>
+                      <a:tailEnd type="none" w="med" len="med"/>
+                    </a:lnL>
+                    <a:lnR w="57150" cap="flat" cmpd="sng" algn="ctr">
+                      <a:solidFill>
+                        <a:schemeClr val="bg1"/>
+                      </a:solidFill>
+                      <a:prstDash val="solid"/>
+                      <a:round/>
+                      <a:headEnd type="none" w="med" len="med"/>
+                      <a:tailEnd type="none" w="med" len="med"/>
+                    </a:lnR>
+                    <a:lnT w="57150" cap="flat" cmpd="sng" algn="ctr">
+                      <a:solidFill>
+                        <a:schemeClr val="bg1"/>
+                      </a:solidFill>
+                      <a:prstDash val="solid"/>
+                      <a:round/>
+                      <a:headEnd type="none" w="med" len="med"/>
+                      <a:tailEnd type="none" w="med" len="med"/>
+                    </a:lnT>
+                    <a:lnB w="76200" cap="flat" cmpd="sng" algn="ctr">
+                      <a:solidFill>
+                        <a:schemeClr val="bg1"/>
+                      </a:solidFill>
+                      <a:prstDash val="solid"/>
+                      <a:round/>
+                      <a:headEnd type="none" w="med" len="med"/>
+                      <a:tailEnd type="none" w="med" len="med"/>
+                    </a:lnB>
+                    <a:lnTlToBr w="12700" cmpd="sng">
+                      <a:noFill/>
+                      <a:prstDash val="solid"/>
+                    </a:lnTlToBr>
+                    <a:lnBlToTr w="12700" cmpd="sng">
+                      <a:noFill/>
+                      <a:prstDash val="solid"/>
+                    </a:lnBlToTr>
+                    <a:solidFill>
+                      <a:srgbClr val="01B902"/>
+                    </a:solidFill>
+                  </a:tcPr>
+                </a:tc>
+                <a:extLst>
+                  <a:ext uri="{0D108BD9-81ED-4DB2-BD59-A6C34878D82A}">
+                    <a16:rowId xmlns:a16="http://schemas.microsoft.com/office/drawing/2014/main" val="4234141340"/>
+                  </a:ext>
+                </a:extLst>
+              </a:tr>
+              <a:tr h="555171">
+                <a:tc>
+                  <a:txBody>
+                    <a:bodyPr/>
+                    <a:lstStyle/>
+                    <a:p>
+                      <a:pPr algn="r" rtl="0" fontAlgn="t">
+                        <a:spcBef>
+                          <a:spcPts val="0"/>
+                        </a:spcBef>
+                        <a:spcAft>
+                          <a:spcPts val="0"/>
+                        </a:spcAft>
+                      </a:pPr>
+                      <a:r>
+                        <a:rPr lang="en-US" sz="1800" b="0" i="0" u="none" strike="noStrike" dirty="0">
+                          <a:solidFill>
+                            <a:schemeClr val="tx1"/>
+                          </a:solidFill>
+                          <a:effectLst/>
+                          <a:latin typeface="Arial" panose="020B0604020202020204" pitchFamily="34" charset="0"/>
+                        </a:rPr>
+                        <a:t>Paul</a:t>
+                      </a:r>
+                      <a:endParaRPr lang="en-US" sz="1800" dirty="0">
+                        <a:solidFill>
+                          <a:schemeClr val="tx1"/>
+                        </a:solidFill>
+                        <a:effectLst/>
+                      </a:endParaRPr>
+                    </a:p>
+                  </a:txBody>
+                  <a:tcPr marL="63500" marR="63500" marT="63500" marB="63500" anchor="ctr">
+                    <a:lnL w="57150" cap="flat" cmpd="sng" algn="ctr">
+                      <a:solidFill>
+                        <a:schemeClr val="bg1"/>
+                      </a:solidFill>
+                      <a:prstDash val="solid"/>
+                      <a:round/>
+                      <a:headEnd type="none" w="med" len="med"/>
+                      <a:tailEnd type="none" w="med" len="med"/>
+                    </a:lnL>
+                    <a:lnR w="12700" cap="flat" cmpd="sng" algn="ctr">
+                      <a:noFill/>
+                      <a:prstDash val="solid"/>
+                      <a:round/>
+                      <a:headEnd type="none" w="med" len="med"/>
+                      <a:tailEnd type="none" w="med" len="med"/>
+                    </a:lnR>
+                    <a:lnT w="76200" cap="flat" cmpd="sng" algn="ctr">
+                      <a:solidFill>
+                        <a:schemeClr val="bg1"/>
+                      </a:solidFill>
+                      <a:prstDash val="solid"/>
+                      <a:round/>
+                      <a:headEnd type="none" w="med" len="med"/>
+                      <a:tailEnd type="none" w="med" len="med"/>
+                    </a:lnT>
+                    <a:lnB w="76200" cap="flat" cmpd="sng" algn="ctr">
+                      <a:solidFill>
+                        <a:schemeClr val="bg1"/>
+                      </a:solidFill>
+                      <a:prstDash val="solid"/>
+                      <a:round/>
+                      <a:headEnd type="none" w="med" len="med"/>
+                      <a:tailEnd type="none" w="med" len="med"/>
+                    </a:lnB>
+                    <a:lnTlToBr w="12700" cmpd="sng">
+                      <a:noFill/>
+                      <a:prstDash val="solid"/>
+                    </a:lnTlToBr>
+                    <a:lnBlToTr w="12700" cmpd="sng">
+                      <a:noFill/>
+                      <a:prstDash val="solid"/>
+                    </a:lnBlToTr>
+                  </a:tcPr>
+                </a:tc>
+                <a:tc>
+                  <a:txBody>
+                    <a:bodyPr/>
+                    <a:lstStyle/>
+                    <a:p>
+                      <a:pPr marL="0" algn="l" defTabSz="914400" rtl="0" eaLnBrk="1" fontAlgn="t" latinLnBrk="0" hangingPunct="1">
+                        <a:spcBef>
+                          <a:spcPts val="0"/>
+                        </a:spcBef>
+                        <a:spcAft>
+                          <a:spcPts val="0"/>
+                        </a:spcAft>
+                      </a:pPr>
+                      <a:endParaRPr lang="en-US" sz="2400" dirty="0">
+                        <a:solidFill>
+                          <a:schemeClr val="tx1"/>
+                        </a:solidFill>
+                        <a:effectLst/>
+                      </a:endParaRPr>
+                    </a:p>
+                  </a:txBody>
+                  <a:tcPr marL="63500" marR="63500" marT="63500" marB="63500">
+                    <a:lnL w="12700" cap="flat" cmpd="sng" algn="ctr">
+                      <a:noFill/>
+                      <a:prstDash val="solid"/>
+                      <a:round/>
+                      <a:headEnd type="none" w="med" len="med"/>
+                      <a:tailEnd type="none" w="med" len="med"/>
+                    </a:lnL>
+                    <a:lnR w="12700" cap="flat" cmpd="sng" algn="ctr">
+                      <a:solidFill>
+                        <a:schemeClr val="bg1"/>
+                      </a:solidFill>
+                      <a:prstDash val="solid"/>
+                      <a:round/>
+                      <a:headEnd type="none" w="med" len="med"/>
+                      <a:tailEnd type="none" w="med" len="med"/>
+                    </a:lnR>
+                    <a:lnT w="76200" cap="flat" cmpd="sng" algn="ctr">
+                      <a:solidFill>
+                        <a:schemeClr val="bg1"/>
+                      </a:solidFill>
+                      <a:prstDash val="solid"/>
+                      <a:round/>
+                      <a:headEnd type="none" w="med" len="med"/>
+                      <a:tailEnd type="none" w="med" len="med"/>
+                    </a:lnT>
+                    <a:lnB w="76200" cap="flat" cmpd="sng" algn="ctr">
+                      <a:solidFill>
+                        <a:schemeClr val="bg1"/>
+                      </a:solidFill>
+                      <a:prstDash val="solid"/>
+                      <a:round/>
+                      <a:headEnd type="none" w="med" len="med"/>
+                      <a:tailEnd type="none" w="med" len="med"/>
+                    </a:lnB>
+                    <a:lnTlToBr w="12700" cmpd="sng">
+                      <a:noFill/>
+                      <a:prstDash val="solid"/>
+                    </a:lnTlToBr>
+                    <a:lnBlToTr w="12700" cmpd="sng">
+                      <a:noFill/>
+                      <a:prstDash val="solid"/>
+                    </a:lnBlToTr>
+                    <a:solidFill>
+                      <a:srgbClr val="01B902"/>
+                    </a:solidFill>
+                  </a:tcPr>
+                </a:tc>
+                <a:tc>
+                  <a:txBody>
+                    <a:bodyPr/>
+                    <a:lstStyle/>
+                    <a:p>
+                      <a:pPr marL="0" algn="l" defTabSz="914400" rtl="0" eaLnBrk="1" fontAlgn="t" latinLnBrk="0" hangingPunct="1">
+                        <a:spcBef>
+                          <a:spcPts val="0"/>
+                        </a:spcBef>
+                        <a:spcAft>
+                          <a:spcPts val="0"/>
+                        </a:spcAft>
+                      </a:pPr>
+                      <a:endParaRPr lang="en-US" sz="2400" dirty="0">
+                        <a:solidFill>
+                          <a:schemeClr val="tx1"/>
+                        </a:solidFill>
+                        <a:effectLst/>
+                      </a:endParaRPr>
+                    </a:p>
+                  </a:txBody>
+                  <a:tcPr marL="63500" marR="63500" marT="63500" marB="63500">
+                    <a:lnL w="12700" cap="flat" cmpd="sng" algn="ctr">
+                      <a:solidFill>
+                        <a:schemeClr val="bg1"/>
+                      </a:solidFill>
+                      <a:prstDash val="solid"/>
+                      <a:round/>
+                      <a:headEnd type="none" w="med" len="med"/>
+                      <a:tailEnd type="none" w="med" len="med"/>
+                    </a:lnL>
+                    <a:lnR w="12700" cap="flat" cmpd="sng" algn="ctr">
+                      <a:solidFill>
+                        <a:schemeClr val="bg1"/>
+                      </a:solidFill>
+                      <a:prstDash val="solid"/>
+                      <a:round/>
+                      <a:headEnd type="none" w="med" len="med"/>
+                      <a:tailEnd type="none" w="med" len="med"/>
+                    </a:lnR>
+                    <a:lnT w="76200" cap="flat" cmpd="sng" algn="ctr">
+                      <a:solidFill>
+                        <a:schemeClr val="bg1"/>
+                      </a:solidFill>
+                      <a:prstDash val="solid"/>
+                      <a:round/>
+                      <a:headEnd type="none" w="med" len="med"/>
+                      <a:tailEnd type="none" w="med" len="med"/>
+                    </a:lnT>
+                    <a:lnB w="76200" cap="flat" cmpd="sng" algn="ctr">
+                      <a:solidFill>
+                        <a:schemeClr val="bg1"/>
+                      </a:solidFill>
+                      <a:prstDash val="solid"/>
+                      <a:round/>
+                      <a:headEnd type="none" w="med" len="med"/>
+                      <a:tailEnd type="none" w="med" len="med"/>
+                    </a:lnB>
+                    <a:lnTlToBr w="12700" cmpd="sng">
+                      <a:noFill/>
+                      <a:prstDash val="solid"/>
+                    </a:lnTlToBr>
+                    <a:lnBlToTr w="12700" cmpd="sng">
+                      <a:noFill/>
+                      <a:prstDash val="solid"/>
+                    </a:lnBlToTr>
+                    <a:solidFill>
+                      <a:srgbClr val="01B902"/>
+                    </a:solidFill>
+                  </a:tcPr>
+                </a:tc>
+                <a:tc>
+                  <a:txBody>
+                    <a:bodyPr/>
+                    <a:lstStyle/>
+                    <a:p>
+                      <a:pPr marL="0" algn="l" defTabSz="914400" rtl="0" eaLnBrk="1" fontAlgn="t" latinLnBrk="0" hangingPunct="1">
+                        <a:spcBef>
+                          <a:spcPts val="0"/>
+                        </a:spcBef>
+                        <a:spcAft>
+                          <a:spcPts val="0"/>
+                        </a:spcAft>
+                      </a:pPr>
+                      <a:endParaRPr lang="en-US" sz="2400" dirty="0">
+                        <a:solidFill>
+                          <a:schemeClr val="tx1"/>
+                        </a:solidFill>
+                        <a:effectLst/>
+                      </a:endParaRPr>
+                    </a:p>
+                  </a:txBody>
+                  <a:tcPr marL="63500" marR="63500" marT="63500" marB="63500">
+                    <a:lnL w="12700" cap="flat" cmpd="sng" algn="ctr">
+                      <a:solidFill>
+                        <a:schemeClr val="bg1"/>
+                      </a:solidFill>
+                      <a:prstDash val="solid"/>
+                      <a:round/>
+                      <a:headEnd type="none" w="med" len="med"/>
+                      <a:tailEnd type="none" w="med" len="med"/>
+                    </a:lnL>
+                    <a:lnR w="12700" cap="flat" cmpd="sng" algn="ctr">
+                      <a:solidFill>
+                        <a:schemeClr val="bg1"/>
+                      </a:solidFill>
+                      <a:prstDash val="solid"/>
+                      <a:round/>
+                      <a:headEnd type="none" w="med" len="med"/>
+                      <a:tailEnd type="none" w="med" len="med"/>
+                    </a:lnR>
+                    <a:lnT w="76200" cap="flat" cmpd="sng" algn="ctr">
+                      <a:solidFill>
+                        <a:schemeClr val="bg1"/>
+                      </a:solidFill>
+                      <a:prstDash val="solid"/>
+                      <a:round/>
+                      <a:headEnd type="none" w="med" len="med"/>
+                      <a:tailEnd type="none" w="med" len="med"/>
+                    </a:lnT>
+                    <a:lnB w="76200" cap="flat" cmpd="sng" algn="ctr">
+                      <a:solidFill>
+                        <a:schemeClr val="bg1"/>
+                      </a:solidFill>
+                      <a:prstDash val="solid"/>
+                      <a:round/>
+                      <a:headEnd type="none" w="med" len="med"/>
+                      <a:tailEnd type="none" w="med" len="med"/>
+                    </a:lnB>
+                    <a:lnTlToBr w="12700" cmpd="sng">
+                      <a:noFill/>
+                      <a:prstDash val="solid"/>
+                    </a:lnTlToBr>
+                    <a:lnBlToTr w="12700" cmpd="sng">
+                      <a:noFill/>
+                      <a:prstDash val="solid"/>
+                    </a:lnBlToTr>
+                    <a:solidFill>
+                      <a:srgbClr val="01B902"/>
+                    </a:solidFill>
+                  </a:tcPr>
+                </a:tc>
+                <a:tc>
+                  <a:txBody>
+                    <a:bodyPr/>
+                    <a:lstStyle/>
+                    <a:p>
+                      <a:pPr marL="0" algn="l" defTabSz="914400" rtl="0" eaLnBrk="1" fontAlgn="t" latinLnBrk="0" hangingPunct="1">
+                        <a:spcBef>
+                          <a:spcPts val="0"/>
+                        </a:spcBef>
+                        <a:spcAft>
+                          <a:spcPts val="0"/>
+                        </a:spcAft>
+                      </a:pPr>
+                      <a:endParaRPr lang="en-US" sz="2400" dirty="0">
+                        <a:solidFill>
+                          <a:schemeClr val="tx1"/>
+                        </a:solidFill>
+                        <a:effectLst/>
+                      </a:endParaRPr>
+                    </a:p>
+                  </a:txBody>
+                  <a:tcPr marL="63500" marR="63500" marT="63500" marB="63500">
+                    <a:lnL w="12700" cap="flat" cmpd="sng" algn="ctr">
+                      <a:solidFill>
+                        <a:schemeClr val="bg1"/>
+                      </a:solidFill>
+                      <a:prstDash val="solid"/>
+                      <a:round/>
+                      <a:headEnd type="none" w="med" len="med"/>
+                      <a:tailEnd type="none" w="med" len="med"/>
+                    </a:lnL>
+                    <a:lnR w="57150" cap="flat" cmpd="sng" algn="ctr">
+                      <a:solidFill>
+                        <a:schemeClr val="bg1"/>
+                      </a:solidFill>
+                      <a:prstDash val="solid"/>
+                      <a:round/>
+                      <a:headEnd type="none" w="med" len="med"/>
+                      <a:tailEnd type="none" w="med" len="med"/>
+                    </a:lnR>
+                    <a:lnT w="76200" cap="flat" cmpd="sng" algn="ctr">
+                      <a:solidFill>
+                        <a:schemeClr val="bg1"/>
+                      </a:solidFill>
+                      <a:prstDash val="solid"/>
+                      <a:round/>
+                      <a:headEnd type="none" w="med" len="med"/>
+                      <a:tailEnd type="none" w="med" len="med"/>
+                    </a:lnT>
+                    <a:lnB w="76200" cap="flat" cmpd="sng" algn="ctr">
+                      <a:solidFill>
+                        <a:schemeClr val="bg1"/>
+                      </a:solidFill>
+                      <a:prstDash val="solid"/>
+                      <a:round/>
+                      <a:headEnd type="none" w="med" len="med"/>
+                      <a:tailEnd type="none" w="med" len="med"/>
+                    </a:lnB>
+                    <a:lnTlToBr w="12700" cmpd="sng">
+                      <a:noFill/>
+                      <a:prstDash val="solid"/>
+                    </a:lnTlToBr>
+                    <a:lnBlToTr w="12700" cmpd="sng">
+                      <a:noFill/>
+                      <a:prstDash val="solid"/>
+                    </a:lnBlToTr>
+                    <a:solidFill>
+                      <a:srgbClr val="01B902"/>
+                    </a:solidFill>
+                  </a:tcPr>
+                </a:tc>
+                <a:extLst>
+                  <a:ext uri="{0D108BD9-81ED-4DB2-BD59-A6C34878D82A}">
+                    <a16:rowId xmlns:a16="http://schemas.microsoft.com/office/drawing/2014/main" val="4205358034"/>
+                  </a:ext>
+                </a:extLst>
+              </a:tr>
+              <a:tr h="555171">
+                <a:tc>
+                  <a:txBody>
+                    <a:bodyPr/>
+                    <a:lstStyle/>
+                    <a:p>
+                      <a:pPr algn="r" rtl="0" fontAlgn="t">
+                        <a:spcBef>
+                          <a:spcPts val="0"/>
+                        </a:spcBef>
+                        <a:spcAft>
+                          <a:spcPts val="0"/>
+                        </a:spcAft>
+                      </a:pPr>
+                      <a:r>
+                        <a:rPr lang="en-US" sz="1700" b="0" i="0" u="none" strike="noStrike" dirty="0">
+                          <a:solidFill>
+                            <a:schemeClr val="tx1"/>
+                          </a:solidFill>
+                          <a:effectLst/>
+                          <a:latin typeface="Arial" panose="020B0604020202020204" pitchFamily="34" charset="0"/>
+                        </a:rPr>
+                        <a:t>James, the Brother of Jesus</a:t>
+                      </a:r>
+                      <a:endParaRPr lang="en-US" sz="1700" dirty="0">
+                        <a:solidFill>
+                          <a:schemeClr val="tx1"/>
+                        </a:solidFill>
+                        <a:effectLst/>
+                      </a:endParaRPr>
+                    </a:p>
+                  </a:txBody>
+                  <a:tcPr marL="63500" marR="63500" marT="63500" marB="63500" anchor="ctr">
+                    <a:lnL w="57150" cap="flat" cmpd="sng" algn="ctr">
+                      <a:solidFill>
+                        <a:schemeClr val="bg1"/>
+                      </a:solidFill>
+                      <a:prstDash val="solid"/>
+                      <a:round/>
+                      <a:headEnd type="none" w="med" len="med"/>
+                      <a:tailEnd type="none" w="med" len="med"/>
+                    </a:lnL>
+                    <a:lnR w="12700" cap="flat" cmpd="sng" algn="ctr">
+                      <a:noFill/>
+                      <a:prstDash val="solid"/>
+                      <a:round/>
+                      <a:headEnd type="none" w="med" len="med"/>
+                      <a:tailEnd type="none" w="med" len="med"/>
+                    </a:lnR>
+                    <a:lnT w="76200" cap="flat" cmpd="sng" algn="ctr">
+                      <a:solidFill>
+                        <a:schemeClr val="bg1"/>
+                      </a:solidFill>
+                      <a:prstDash val="solid"/>
+                      <a:round/>
+                      <a:headEnd type="none" w="med" len="med"/>
+                      <a:tailEnd type="none" w="med" len="med"/>
+                    </a:lnT>
+                    <a:lnB w="76200" cap="flat" cmpd="sng" algn="ctr">
+                      <a:solidFill>
+                        <a:schemeClr val="bg1"/>
+                      </a:solidFill>
+                      <a:prstDash val="solid"/>
+                      <a:round/>
+                      <a:headEnd type="none" w="med" len="med"/>
+                      <a:tailEnd type="none" w="med" len="med"/>
+                    </a:lnB>
+                    <a:lnTlToBr w="12700" cmpd="sng">
+                      <a:noFill/>
+                      <a:prstDash val="solid"/>
+                    </a:lnTlToBr>
+                    <a:lnBlToTr w="12700" cmpd="sng">
+                      <a:noFill/>
+                      <a:prstDash val="solid"/>
+                    </a:lnBlToTr>
+                  </a:tcPr>
+                </a:tc>
+                <a:tc>
+                  <a:txBody>
+                    <a:bodyPr/>
+                    <a:lstStyle/>
+                    <a:p>
+                      <a:pPr algn="r" rtl="0" fontAlgn="t">
+                        <a:spcBef>
+                          <a:spcPts val="0"/>
+                        </a:spcBef>
+                        <a:spcAft>
+                          <a:spcPts val="0"/>
+                        </a:spcAft>
+                      </a:pPr>
+                      <a:endParaRPr lang="en-US" sz="2400" dirty="0">
+                        <a:solidFill>
+                          <a:schemeClr val="tx1"/>
+                        </a:solidFill>
+                        <a:effectLst/>
+                      </a:endParaRPr>
+                    </a:p>
+                  </a:txBody>
+                  <a:tcPr marL="63500" marR="63500" marT="63500" marB="63500">
+                    <a:lnL w="12700" cap="flat" cmpd="sng" algn="ctr">
+                      <a:noFill/>
+                      <a:prstDash val="solid"/>
+                      <a:round/>
+                      <a:headEnd type="none" w="med" len="med"/>
+                      <a:tailEnd type="none" w="med" len="med"/>
+                    </a:lnL>
+                    <a:lnR w="12700" cap="flat" cmpd="sng" algn="ctr">
+                      <a:solidFill>
+                        <a:schemeClr val="bg1"/>
+                      </a:solidFill>
+                      <a:prstDash val="solid"/>
+                      <a:round/>
+                      <a:headEnd type="none" w="med" len="med"/>
+                      <a:tailEnd type="none" w="med" len="med"/>
+                    </a:lnR>
+                    <a:lnT w="76200" cap="flat" cmpd="sng" algn="ctr">
+                      <a:solidFill>
+                        <a:schemeClr val="bg1"/>
+                      </a:solidFill>
+                      <a:prstDash val="solid"/>
+                      <a:round/>
+                      <a:headEnd type="none" w="med" len="med"/>
+                      <a:tailEnd type="none" w="med" len="med"/>
+                    </a:lnT>
+                    <a:lnB w="76200" cap="flat" cmpd="sng" algn="ctr">
+                      <a:solidFill>
+                        <a:schemeClr val="bg1"/>
+                      </a:solidFill>
+                      <a:prstDash val="solid"/>
+                      <a:round/>
+                      <a:headEnd type="none" w="med" len="med"/>
+                      <a:tailEnd type="none" w="med" len="med"/>
+                    </a:lnB>
+                    <a:lnTlToBr w="12700" cmpd="sng">
+                      <a:noFill/>
+                      <a:prstDash val="solid"/>
+                    </a:lnTlToBr>
+                    <a:lnBlToTr w="12700" cmpd="sng">
+                      <a:noFill/>
+                      <a:prstDash val="solid"/>
+                    </a:lnBlToTr>
+                    <a:solidFill>
+                      <a:srgbClr val="01B902"/>
+                    </a:solidFill>
+                  </a:tcPr>
+                </a:tc>
+                <a:tc>
+                  <a:txBody>
+                    <a:bodyPr/>
+                    <a:lstStyle/>
+                    <a:p>
+                      <a:pPr marL="0" algn="l" defTabSz="914400" rtl="0" eaLnBrk="1" fontAlgn="t" latinLnBrk="0" hangingPunct="1">
+                        <a:spcBef>
+                          <a:spcPts val="0"/>
+                        </a:spcBef>
+                        <a:spcAft>
+                          <a:spcPts val="0"/>
+                        </a:spcAft>
+                      </a:pPr>
+                      <a:endParaRPr lang="en-US" sz="2400" dirty="0">
+                        <a:solidFill>
+                          <a:schemeClr val="tx1"/>
+                        </a:solidFill>
+                        <a:effectLst/>
+                      </a:endParaRPr>
+                    </a:p>
+                  </a:txBody>
+                  <a:tcPr marL="63500" marR="63500" marT="63500" marB="63500">
+                    <a:lnL w="12700" cap="flat" cmpd="sng" algn="ctr">
+                      <a:solidFill>
+                        <a:schemeClr val="bg1"/>
+                      </a:solidFill>
+                      <a:prstDash val="solid"/>
+                      <a:round/>
+                      <a:headEnd type="none" w="med" len="med"/>
+                      <a:tailEnd type="none" w="med" len="med"/>
+                    </a:lnL>
+                    <a:lnR w="12700" cap="flat" cmpd="sng" algn="ctr">
+                      <a:solidFill>
+                        <a:schemeClr val="bg1"/>
+                      </a:solidFill>
+                      <a:prstDash val="solid"/>
+                      <a:round/>
+                      <a:headEnd type="none" w="med" len="med"/>
+                      <a:tailEnd type="none" w="med" len="med"/>
+                    </a:lnR>
+                    <a:lnT w="76200" cap="flat" cmpd="sng" algn="ctr">
+                      <a:solidFill>
+                        <a:schemeClr val="bg1"/>
+                      </a:solidFill>
+                      <a:prstDash val="solid"/>
+                      <a:round/>
+                      <a:headEnd type="none" w="med" len="med"/>
+                      <a:tailEnd type="none" w="med" len="med"/>
+                    </a:lnT>
+                    <a:lnB w="76200" cap="flat" cmpd="sng" algn="ctr">
+                      <a:solidFill>
+                        <a:schemeClr val="bg1"/>
+                      </a:solidFill>
+                      <a:prstDash val="solid"/>
+                      <a:round/>
+                      <a:headEnd type="none" w="med" len="med"/>
+                      <a:tailEnd type="none" w="med" len="med"/>
+                    </a:lnB>
+                    <a:lnTlToBr w="12700" cmpd="sng">
+                      <a:noFill/>
+                      <a:prstDash val="solid"/>
+                    </a:lnTlToBr>
+                    <a:lnBlToTr w="12700" cmpd="sng">
+                      <a:noFill/>
+                      <a:prstDash val="solid"/>
+                    </a:lnBlToTr>
+                    <a:solidFill>
+                      <a:srgbClr val="01B902"/>
+                    </a:solidFill>
+                  </a:tcPr>
+                </a:tc>
+                <a:tc>
+                  <a:txBody>
+                    <a:bodyPr/>
+                    <a:lstStyle/>
+                    <a:p>
+                      <a:pPr algn="r" rtl="0" fontAlgn="t">
+                        <a:spcBef>
+                          <a:spcPts val="0"/>
+                        </a:spcBef>
+                        <a:spcAft>
+                          <a:spcPts val="0"/>
+                        </a:spcAft>
+                      </a:pPr>
+                      <a:endParaRPr lang="en-US" sz="2400" dirty="0">
+                        <a:solidFill>
+                          <a:schemeClr val="tx1"/>
+                        </a:solidFill>
+                        <a:effectLst/>
+                      </a:endParaRPr>
+                    </a:p>
+                  </a:txBody>
+                  <a:tcPr marL="63500" marR="63500" marT="63500" marB="63500">
+                    <a:lnL w="12700" cap="flat" cmpd="sng" algn="ctr">
+                      <a:solidFill>
+                        <a:schemeClr val="bg1"/>
+                      </a:solidFill>
+                      <a:prstDash val="solid"/>
+                      <a:round/>
+                      <a:headEnd type="none" w="med" len="med"/>
+                      <a:tailEnd type="none" w="med" len="med"/>
+                    </a:lnL>
+                    <a:lnR w="12700" cap="flat" cmpd="sng" algn="ctr">
+                      <a:solidFill>
+                        <a:schemeClr val="bg1"/>
+                      </a:solidFill>
+                      <a:prstDash val="solid"/>
+                      <a:round/>
+                      <a:headEnd type="none" w="med" len="med"/>
+                      <a:tailEnd type="none" w="med" len="med"/>
+                    </a:lnR>
+                    <a:lnT w="76200" cap="flat" cmpd="sng" algn="ctr">
+                      <a:solidFill>
+                        <a:schemeClr val="bg1"/>
+                      </a:solidFill>
+                      <a:prstDash val="solid"/>
+                      <a:round/>
+                      <a:headEnd type="none" w="med" len="med"/>
+                      <a:tailEnd type="none" w="med" len="med"/>
+                    </a:lnT>
+                    <a:lnB w="76200" cap="flat" cmpd="sng" algn="ctr">
+                      <a:solidFill>
+                        <a:schemeClr val="bg1"/>
+                      </a:solidFill>
+                      <a:prstDash val="solid"/>
+                      <a:round/>
+                      <a:headEnd type="none" w="med" len="med"/>
+                      <a:tailEnd type="none" w="med" len="med"/>
+                    </a:lnB>
+                    <a:lnTlToBr w="12700" cmpd="sng">
+                      <a:noFill/>
+                      <a:prstDash val="solid"/>
+                    </a:lnTlToBr>
+                    <a:lnBlToTr w="12700" cmpd="sng">
+                      <a:noFill/>
+                      <a:prstDash val="solid"/>
+                    </a:lnBlToTr>
+                    <a:solidFill>
+                      <a:srgbClr val="01B902"/>
+                    </a:solidFill>
+                  </a:tcPr>
+                </a:tc>
+                <a:tc>
+                  <a:txBody>
+                    <a:bodyPr/>
+                    <a:lstStyle/>
+                    <a:p>
+                      <a:pPr marL="0" algn="l" defTabSz="914400" rtl="0" eaLnBrk="1" fontAlgn="t" latinLnBrk="0" hangingPunct="1">
+                        <a:spcBef>
+                          <a:spcPts val="0"/>
+                        </a:spcBef>
+                        <a:spcAft>
+                          <a:spcPts val="0"/>
+                        </a:spcAft>
+                      </a:pPr>
+                      <a:endParaRPr lang="en-US" sz="2400" dirty="0">
+                        <a:solidFill>
+                          <a:schemeClr val="tx1"/>
+                        </a:solidFill>
+                        <a:effectLst/>
+                      </a:endParaRPr>
+                    </a:p>
+                  </a:txBody>
+                  <a:tcPr marL="63500" marR="63500" marT="63500" marB="63500">
+                    <a:lnL w="12700" cap="flat" cmpd="sng" algn="ctr">
+                      <a:solidFill>
+                        <a:schemeClr val="bg1"/>
+                      </a:solidFill>
+                      <a:prstDash val="solid"/>
+                      <a:round/>
+                      <a:headEnd type="none" w="med" len="med"/>
+                      <a:tailEnd type="none" w="med" len="med"/>
+                    </a:lnL>
+                    <a:lnR w="57150" cap="flat" cmpd="sng" algn="ctr">
+                      <a:solidFill>
+                        <a:schemeClr val="bg1"/>
+                      </a:solidFill>
+                      <a:prstDash val="solid"/>
+                      <a:round/>
+                      <a:headEnd type="none" w="med" len="med"/>
+                      <a:tailEnd type="none" w="med" len="med"/>
+                    </a:lnR>
+                    <a:lnT w="76200" cap="flat" cmpd="sng" algn="ctr">
+                      <a:solidFill>
+                        <a:schemeClr val="bg1"/>
+                      </a:solidFill>
+                      <a:prstDash val="solid"/>
+                      <a:round/>
+                      <a:headEnd type="none" w="med" len="med"/>
+                      <a:tailEnd type="none" w="med" len="med"/>
+                    </a:lnT>
+                    <a:lnB w="76200" cap="flat" cmpd="sng" algn="ctr">
+                      <a:solidFill>
+                        <a:schemeClr val="bg1"/>
+                      </a:solidFill>
+                      <a:prstDash val="solid"/>
+                      <a:round/>
+                      <a:headEnd type="none" w="med" len="med"/>
+                      <a:tailEnd type="none" w="med" len="med"/>
+                    </a:lnB>
+                    <a:lnTlToBr w="12700" cmpd="sng">
+                      <a:noFill/>
+                      <a:prstDash val="solid"/>
+                    </a:lnTlToBr>
+                    <a:lnBlToTr w="12700" cmpd="sng">
+                      <a:noFill/>
+                      <a:prstDash val="solid"/>
+                    </a:lnBlToTr>
+                    <a:solidFill>
+                      <a:srgbClr val="01B902"/>
+                    </a:solidFill>
+                  </a:tcPr>
+                </a:tc>
+                <a:extLst>
+                  <a:ext uri="{0D108BD9-81ED-4DB2-BD59-A6C34878D82A}">
+                    <a16:rowId xmlns:a16="http://schemas.microsoft.com/office/drawing/2014/main" val="1229670439"/>
+                  </a:ext>
+                </a:extLst>
+              </a:tr>
+              <a:tr h="555171">
+                <a:tc>
+                  <a:txBody>
+                    <a:bodyPr/>
+                    <a:lstStyle/>
+                    <a:p>
+                      <a:pPr algn="r" rtl="0" fontAlgn="t">
+                        <a:spcBef>
+                          <a:spcPts val="0"/>
+                        </a:spcBef>
+                        <a:spcAft>
+                          <a:spcPts val="0"/>
+                        </a:spcAft>
+                      </a:pPr>
+                      <a:r>
+                        <a:rPr lang="en-US" sz="1800" b="0" i="0" u="none" strike="noStrike" dirty="0">
+                          <a:solidFill>
+                            <a:schemeClr val="tx1"/>
+                          </a:solidFill>
+                          <a:effectLst/>
+                          <a:latin typeface="Arial" panose="020B0604020202020204" pitchFamily="34" charset="0"/>
+                        </a:rPr>
+                        <a:t>John, son of Zebedee</a:t>
+                      </a:r>
+                      <a:endParaRPr lang="en-US" sz="1800" dirty="0">
+                        <a:solidFill>
+                          <a:schemeClr val="tx1"/>
+                        </a:solidFill>
+                        <a:effectLst/>
+                      </a:endParaRPr>
+                    </a:p>
+                  </a:txBody>
+                  <a:tcPr marL="63500" marR="63500" marT="63500" marB="63500" anchor="ctr">
+                    <a:lnL w="57150" cap="flat" cmpd="sng" algn="ctr">
+                      <a:solidFill>
+                        <a:schemeClr val="bg1"/>
+                      </a:solidFill>
+                      <a:prstDash val="solid"/>
+                      <a:round/>
+                      <a:headEnd type="none" w="med" len="med"/>
+                      <a:tailEnd type="none" w="med" len="med"/>
+                    </a:lnL>
+                    <a:lnR w="12700" cap="flat" cmpd="sng" algn="ctr">
+                      <a:noFill/>
+                      <a:prstDash val="solid"/>
+                      <a:round/>
+                      <a:headEnd type="none" w="med" len="med"/>
+                      <a:tailEnd type="none" w="med" len="med"/>
+                    </a:lnR>
+                    <a:lnT w="76200" cap="flat" cmpd="sng" algn="ctr">
+                      <a:solidFill>
+                        <a:schemeClr val="bg1"/>
+                      </a:solidFill>
+                      <a:prstDash val="solid"/>
+                      <a:round/>
+                      <a:headEnd type="none" w="med" len="med"/>
+                      <a:tailEnd type="none" w="med" len="med"/>
+                    </a:lnT>
+                    <a:lnB w="76200" cap="flat" cmpd="sng" algn="ctr">
+                      <a:solidFill>
+                        <a:schemeClr val="bg1"/>
+                      </a:solidFill>
+                      <a:prstDash val="solid"/>
+                      <a:round/>
+                      <a:headEnd type="none" w="med" len="med"/>
+                      <a:tailEnd type="none" w="med" len="med"/>
+                    </a:lnB>
+                    <a:lnTlToBr w="12700" cmpd="sng">
+                      <a:noFill/>
+                      <a:prstDash val="solid"/>
+                    </a:lnTlToBr>
+                    <a:lnBlToTr w="12700" cmpd="sng">
+                      <a:noFill/>
+                      <a:prstDash val="solid"/>
+                    </a:lnBlToTr>
+                  </a:tcPr>
+                </a:tc>
+                <a:tc>
+                  <a:txBody>
+                    <a:bodyPr/>
+                    <a:lstStyle/>
+                    <a:p>
+                      <a:pPr marL="0" algn="l" defTabSz="914400" rtl="0" eaLnBrk="1" fontAlgn="t" latinLnBrk="0" hangingPunct="1">
+                        <a:spcBef>
+                          <a:spcPts val="0"/>
+                        </a:spcBef>
+                        <a:spcAft>
+                          <a:spcPts val="0"/>
+                        </a:spcAft>
+                      </a:pPr>
+                      <a:endParaRPr lang="en-US" sz="2400" dirty="0">
+                        <a:solidFill>
+                          <a:schemeClr val="tx1"/>
+                        </a:solidFill>
+                        <a:effectLst/>
+                      </a:endParaRPr>
+                    </a:p>
+                  </a:txBody>
+                  <a:tcPr marL="63500" marR="63500" marT="63500" marB="63500">
+                    <a:lnL w="12700" cap="flat" cmpd="sng" algn="ctr">
+                      <a:noFill/>
+                      <a:prstDash val="solid"/>
+                      <a:round/>
+                      <a:headEnd type="none" w="med" len="med"/>
+                      <a:tailEnd type="none" w="med" len="med"/>
+                    </a:lnL>
+                    <a:lnR w="12700" cap="flat" cmpd="sng" algn="ctr">
+                      <a:noFill/>
+                      <a:prstDash val="solid"/>
+                      <a:round/>
+                      <a:headEnd type="none" w="med" len="med"/>
+                      <a:tailEnd type="none" w="med" len="med"/>
+                    </a:lnR>
+                    <a:lnT w="76200" cap="flat" cmpd="sng" algn="ctr">
+                      <a:solidFill>
+                        <a:schemeClr val="bg1"/>
+                      </a:solidFill>
+                      <a:prstDash val="solid"/>
+                      <a:round/>
+                      <a:headEnd type="none" w="med" len="med"/>
+                      <a:tailEnd type="none" w="med" len="med"/>
+                    </a:lnT>
+                    <a:lnB w="76200" cap="flat" cmpd="sng" algn="ctr">
+                      <a:solidFill>
+                        <a:schemeClr val="bg1"/>
+                      </a:solidFill>
+                      <a:prstDash val="solid"/>
+                      <a:round/>
+                      <a:headEnd type="none" w="med" len="med"/>
+                      <a:tailEnd type="none" w="med" len="med"/>
+                    </a:lnB>
+                    <a:lnTlToBr w="12700" cmpd="sng">
+                      <a:noFill/>
+                      <a:prstDash val="solid"/>
+                    </a:lnTlToBr>
+                    <a:lnBlToTr w="12700" cmpd="sng">
+                      <a:noFill/>
+                      <a:prstDash val="solid"/>
+                    </a:lnBlToTr>
+                    <a:solidFill>
+                      <a:srgbClr val="C00000"/>
+                    </a:solidFill>
+                  </a:tcPr>
+                </a:tc>
+                <a:tc>
+                  <a:txBody>
+                    <a:bodyPr/>
+                    <a:lstStyle/>
+                    <a:p>
+                      <a:pPr marL="0" algn="l" defTabSz="914400" rtl="0" eaLnBrk="1" fontAlgn="t" latinLnBrk="0" hangingPunct="1">
+                        <a:spcBef>
+                          <a:spcPts val="0"/>
+                        </a:spcBef>
+                        <a:spcAft>
+                          <a:spcPts val="0"/>
+                        </a:spcAft>
+                      </a:pPr>
+                      <a:endParaRPr lang="en-US" sz="2400" dirty="0">
+                        <a:solidFill>
+                          <a:schemeClr val="tx1"/>
+                        </a:solidFill>
+                        <a:effectLst/>
+                      </a:endParaRPr>
+                    </a:p>
+                  </a:txBody>
+                  <a:tcPr marL="63500" marR="63500" marT="63500" marB="63500">
+                    <a:lnL w="12700" cap="flat" cmpd="sng" algn="ctr">
+                      <a:noFill/>
+                      <a:prstDash val="solid"/>
+                      <a:round/>
+                      <a:headEnd type="none" w="med" len="med"/>
+                      <a:tailEnd type="none" w="med" len="med"/>
+                    </a:lnL>
+                    <a:lnR w="12700" cap="flat" cmpd="sng" algn="ctr">
+                      <a:noFill/>
+                      <a:prstDash val="solid"/>
+                      <a:round/>
+                      <a:headEnd type="none" w="med" len="med"/>
+                      <a:tailEnd type="none" w="med" len="med"/>
+                    </a:lnR>
+                    <a:lnT w="76200" cap="flat" cmpd="sng" algn="ctr">
+                      <a:solidFill>
+                        <a:schemeClr val="bg1"/>
+                      </a:solidFill>
+                      <a:prstDash val="solid"/>
+                      <a:round/>
+                      <a:headEnd type="none" w="med" len="med"/>
+                      <a:tailEnd type="none" w="med" len="med"/>
+                    </a:lnT>
+                    <a:lnB w="76200" cap="flat" cmpd="sng" algn="ctr">
+                      <a:solidFill>
+                        <a:schemeClr val="bg1"/>
+                      </a:solidFill>
+                      <a:prstDash val="solid"/>
+                      <a:round/>
+                      <a:headEnd type="none" w="med" len="med"/>
+                      <a:tailEnd type="none" w="med" len="med"/>
+                    </a:lnB>
+                    <a:lnTlToBr w="12700" cmpd="sng">
+                      <a:noFill/>
+                      <a:prstDash val="solid"/>
+                    </a:lnTlToBr>
+                    <a:lnBlToTr w="12700" cmpd="sng">
+                      <a:noFill/>
+                      <a:prstDash val="solid"/>
+                    </a:lnBlToTr>
+                    <a:noFill/>
+                  </a:tcPr>
+                </a:tc>
+                <a:tc>
+                  <a:txBody>
+                    <a:bodyPr/>
+                    <a:lstStyle/>
+                    <a:p>
+                      <a:pPr algn="r" rtl="0" fontAlgn="t">
+                        <a:spcBef>
+                          <a:spcPts val="0"/>
+                        </a:spcBef>
+                        <a:spcAft>
+                          <a:spcPts val="0"/>
+                        </a:spcAft>
+                      </a:pPr>
+                      <a:endParaRPr lang="en-US" sz="2400" dirty="0">
+                        <a:solidFill>
+                          <a:schemeClr val="tx1"/>
+                        </a:solidFill>
+                        <a:effectLst/>
+                      </a:endParaRPr>
+                    </a:p>
+                  </a:txBody>
+                  <a:tcPr marL="63500" marR="63500" marT="63500" marB="63500">
+                    <a:lnL w="12700" cap="flat" cmpd="sng" algn="ctr">
+                      <a:noFill/>
+                      <a:prstDash val="solid"/>
+                      <a:round/>
+                      <a:headEnd type="none" w="med" len="med"/>
+                      <a:tailEnd type="none" w="med" len="med"/>
+                    </a:lnL>
+                    <a:lnR w="12700" cap="flat" cmpd="sng" algn="ctr">
+                      <a:noFill/>
+                      <a:prstDash val="solid"/>
+                      <a:round/>
+                      <a:headEnd type="none" w="med" len="med"/>
+                      <a:tailEnd type="none" w="med" len="med"/>
+                    </a:lnR>
+                    <a:lnT w="76200" cap="flat" cmpd="sng" algn="ctr">
+                      <a:solidFill>
+                        <a:schemeClr val="bg1"/>
+                      </a:solidFill>
+                      <a:prstDash val="solid"/>
+                      <a:round/>
+                      <a:headEnd type="none" w="med" len="med"/>
+                      <a:tailEnd type="none" w="med" len="med"/>
+                    </a:lnT>
+                    <a:lnB w="76200" cap="flat" cmpd="sng" algn="ctr">
+                      <a:solidFill>
+                        <a:schemeClr val="bg1"/>
+                      </a:solidFill>
+                      <a:prstDash val="solid"/>
+                      <a:round/>
+                      <a:headEnd type="none" w="med" len="med"/>
+                      <a:tailEnd type="none" w="med" len="med"/>
+                    </a:lnB>
+                    <a:lnTlToBr w="12700" cmpd="sng">
+                      <a:noFill/>
+                      <a:prstDash val="solid"/>
+                    </a:lnTlToBr>
+                    <a:lnBlToTr w="12700" cmpd="sng">
+                      <a:noFill/>
+                      <a:prstDash val="solid"/>
+                    </a:lnBlToTr>
+                  </a:tcPr>
+                </a:tc>
+                <a:tc>
+                  <a:txBody>
+                    <a:bodyPr/>
+                    <a:lstStyle/>
+                    <a:p>
+                      <a:pPr marL="0" algn="l" defTabSz="914400" rtl="0" eaLnBrk="1" fontAlgn="t" latinLnBrk="0" hangingPunct="1">
+                        <a:spcBef>
+                          <a:spcPts val="0"/>
+                        </a:spcBef>
+                        <a:spcAft>
+                          <a:spcPts val="0"/>
+                        </a:spcAft>
+                      </a:pPr>
+                      <a:endParaRPr lang="en-US" sz="2400" dirty="0">
+                        <a:solidFill>
+                          <a:schemeClr val="tx1"/>
+                        </a:solidFill>
+                        <a:effectLst/>
+                      </a:endParaRPr>
+                    </a:p>
+                  </a:txBody>
+                  <a:tcPr marL="63500" marR="63500" marT="63500" marB="63500">
+                    <a:lnL w="12700" cap="flat" cmpd="sng" algn="ctr">
+                      <a:noFill/>
+                      <a:prstDash val="solid"/>
+                      <a:round/>
+                      <a:headEnd type="none" w="med" len="med"/>
+                      <a:tailEnd type="none" w="med" len="med"/>
+                    </a:lnL>
+                    <a:lnR w="57150" cap="flat" cmpd="sng" algn="ctr">
+                      <a:solidFill>
+                        <a:schemeClr val="bg1"/>
+                      </a:solidFill>
+                      <a:prstDash val="solid"/>
+                      <a:round/>
+                      <a:headEnd type="none" w="med" len="med"/>
+                      <a:tailEnd type="none" w="med" len="med"/>
+                    </a:lnR>
+                    <a:lnT w="76200" cap="flat" cmpd="sng" algn="ctr">
+                      <a:solidFill>
+                        <a:schemeClr val="bg1"/>
+                      </a:solidFill>
+                      <a:prstDash val="solid"/>
+                      <a:round/>
+                      <a:headEnd type="none" w="med" len="med"/>
+                      <a:tailEnd type="none" w="med" len="med"/>
+                    </a:lnT>
+                    <a:lnB w="76200" cap="flat" cmpd="sng" algn="ctr">
+                      <a:solidFill>
+                        <a:schemeClr val="bg1"/>
+                      </a:solidFill>
+                      <a:prstDash val="solid"/>
+                      <a:round/>
+                      <a:headEnd type="none" w="med" len="med"/>
+                      <a:tailEnd type="none" w="med" len="med"/>
+                    </a:lnB>
+                    <a:lnTlToBr w="12700" cmpd="sng">
+                      <a:noFill/>
+                      <a:prstDash val="solid"/>
+                    </a:lnTlToBr>
+                    <a:lnBlToTr w="12700" cmpd="sng">
+                      <a:noFill/>
+                      <a:prstDash val="solid"/>
+                    </a:lnBlToTr>
+                  </a:tcPr>
+                </a:tc>
+                <a:extLst>
+                  <a:ext uri="{0D108BD9-81ED-4DB2-BD59-A6C34878D82A}">
+                    <a16:rowId xmlns:a16="http://schemas.microsoft.com/office/drawing/2014/main" val="3648679175"/>
+                  </a:ext>
+                </a:extLst>
+              </a:tr>
+              <a:tr h="555171">
+                <a:tc>
+                  <a:txBody>
+                    <a:bodyPr/>
+                    <a:lstStyle/>
+                    <a:p>
+                      <a:pPr algn="r" rtl="0" fontAlgn="t">
+                        <a:spcBef>
+                          <a:spcPts val="0"/>
+                        </a:spcBef>
+                        <a:spcAft>
+                          <a:spcPts val="0"/>
+                        </a:spcAft>
+                      </a:pPr>
+                      <a:r>
+                        <a:rPr lang="en-US" sz="1800" b="0" i="0" u="none" strike="noStrike" dirty="0">
+                          <a:solidFill>
+                            <a:schemeClr val="tx1"/>
+                          </a:solidFill>
+                          <a:effectLst/>
+                          <a:latin typeface="Arial" panose="020B0604020202020204" pitchFamily="34" charset="0"/>
+                        </a:rPr>
+                        <a:t>Thomas</a:t>
+                      </a:r>
+                      <a:endParaRPr lang="en-US" sz="1800" dirty="0">
+                        <a:solidFill>
+                          <a:schemeClr val="tx1"/>
+                        </a:solidFill>
+                        <a:effectLst/>
+                      </a:endParaRPr>
+                    </a:p>
+                  </a:txBody>
+                  <a:tcPr marL="63500" marR="63500" marT="63500" marB="63500" anchor="ctr">
+                    <a:lnL w="57150" cap="flat" cmpd="sng" algn="ctr">
+                      <a:solidFill>
+                        <a:schemeClr val="bg1"/>
+                      </a:solidFill>
+                      <a:prstDash val="solid"/>
+                      <a:round/>
+                      <a:headEnd type="none" w="med" len="med"/>
+                      <a:tailEnd type="none" w="med" len="med"/>
+                    </a:lnL>
+                    <a:lnR w="12700" cap="flat" cmpd="sng" algn="ctr">
+                      <a:noFill/>
+                      <a:prstDash val="solid"/>
+                      <a:round/>
+                      <a:headEnd type="none" w="med" len="med"/>
+                      <a:tailEnd type="none" w="med" len="med"/>
+                    </a:lnR>
+                    <a:lnT w="76200" cap="flat" cmpd="sng" algn="ctr">
+                      <a:solidFill>
+                        <a:schemeClr val="bg1"/>
+                      </a:solidFill>
+                      <a:prstDash val="solid"/>
+                      <a:round/>
+                      <a:headEnd type="none" w="med" len="med"/>
+                      <a:tailEnd type="none" w="med" len="med"/>
+                    </a:lnT>
+                    <a:lnB w="76200" cap="flat" cmpd="sng" algn="ctr">
+                      <a:solidFill>
+                        <a:schemeClr val="bg1"/>
+                      </a:solidFill>
+                      <a:prstDash val="solid"/>
+                      <a:round/>
+                      <a:headEnd type="none" w="med" len="med"/>
+                      <a:tailEnd type="none" w="med" len="med"/>
+                    </a:lnB>
+                    <a:lnTlToBr w="12700" cmpd="sng">
+                      <a:noFill/>
+                      <a:prstDash val="solid"/>
+                    </a:lnTlToBr>
+                    <a:lnBlToTr w="12700" cmpd="sng">
+                      <a:noFill/>
+                      <a:prstDash val="solid"/>
+                    </a:lnBlToTr>
+                  </a:tcPr>
+                </a:tc>
+                <a:tc>
+                  <a:txBody>
+                    <a:bodyPr/>
+                    <a:lstStyle/>
+                    <a:p>
+                      <a:pPr marL="0" algn="l" defTabSz="914400" rtl="0" eaLnBrk="1" fontAlgn="t" latinLnBrk="0" hangingPunct="1">
+                        <a:spcBef>
+                          <a:spcPts val="0"/>
+                        </a:spcBef>
+                        <a:spcAft>
+                          <a:spcPts val="0"/>
+                        </a:spcAft>
+                      </a:pPr>
+                      <a:endParaRPr lang="en-US" sz="2400" dirty="0">
+                        <a:solidFill>
+                          <a:schemeClr val="tx1"/>
+                        </a:solidFill>
+                        <a:effectLst/>
+                      </a:endParaRPr>
+                    </a:p>
+                  </a:txBody>
+                  <a:tcPr marL="63500" marR="63500" marT="63500" marB="63500">
+                    <a:lnL w="12700" cap="flat" cmpd="sng" algn="ctr">
+                      <a:noFill/>
+                      <a:prstDash val="solid"/>
+                      <a:round/>
+                      <a:headEnd type="none" w="med" len="med"/>
+                      <a:tailEnd type="none" w="med" len="med"/>
+                    </a:lnL>
+                    <a:lnR w="12700" cap="flat" cmpd="sng" algn="ctr">
+                      <a:solidFill>
+                        <a:schemeClr val="bg1"/>
+                      </a:solidFill>
+                      <a:prstDash val="solid"/>
+                      <a:round/>
+                      <a:headEnd type="none" w="med" len="med"/>
+                      <a:tailEnd type="none" w="med" len="med"/>
+                    </a:lnR>
+                    <a:lnT w="76200" cap="flat" cmpd="sng" algn="ctr">
+                      <a:solidFill>
+                        <a:schemeClr val="bg1"/>
+                      </a:solidFill>
+                      <a:prstDash val="solid"/>
+                      <a:round/>
+                      <a:headEnd type="none" w="med" len="med"/>
+                      <a:tailEnd type="none" w="med" len="med"/>
+                    </a:lnT>
+                    <a:lnB w="76200" cap="flat" cmpd="sng" algn="ctr">
+                      <a:solidFill>
+                        <a:schemeClr val="bg1"/>
+                      </a:solidFill>
+                      <a:prstDash val="solid"/>
+                      <a:round/>
+                      <a:headEnd type="none" w="med" len="med"/>
+                      <a:tailEnd type="none" w="med" len="med"/>
+                    </a:lnB>
+                    <a:lnTlToBr w="12700" cmpd="sng">
+                      <a:noFill/>
+                      <a:prstDash val="solid"/>
+                    </a:lnTlToBr>
+                    <a:lnBlToTr w="12700" cmpd="sng">
+                      <a:noFill/>
+                      <a:prstDash val="solid"/>
+                    </a:lnBlToTr>
+                    <a:solidFill>
+                      <a:srgbClr val="01B902"/>
+                    </a:solidFill>
+                  </a:tcPr>
+                </a:tc>
+                <a:tc>
+                  <a:txBody>
+                    <a:bodyPr/>
+                    <a:lstStyle/>
+                    <a:p>
+                      <a:pPr algn="r" rtl="0" fontAlgn="t">
+                        <a:spcBef>
+                          <a:spcPts val="0"/>
+                        </a:spcBef>
+                        <a:spcAft>
+                          <a:spcPts val="0"/>
+                        </a:spcAft>
+                      </a:pPr>
+                      <a:endParaRPr lang="en-US" sz="2400" dirty="0">
+                        <a:solidFill>
+                          <a:schemeClr val="tx1"/>
+                        </a:solidFill>
+                        <a:effectLst/>
+                      </a:endParaRPr>
+                    </a:p>
+                  </a:txBody>
+                  <a:tcPr marL="63500" marR="63500" marT="63500" marB="63500">
+                    <a:lnL w="12700" cap="flat" cmpd="sng" algn="ctr">
+                      <a:solidFill>
+                        <a:schemeClr val="bg1"/>
+                      </a:solidFill>
+                      <a:prstDash val="solid"/>
+                      <a:round/>
+                      <a:headEnd type="none" w="med" len="med"/>
+                      <a:tailEnd type="none" w="med" len="med"/>
+                    </a:lnL>
+                    <a:lnR w="12700" cap="flat" cmpd="sng" algn="ctr">
+                      <a:solidFill>
+                        <a:schemeClr val="bg1"/>
+                      </a:solidFill>
+                      <a:prstDash val="solid"/>
+                      <a:round/>
+                      <a:headEnd type="none" w="med" len="med"/>
+                      <a:tailEnd type="none" w="med" len="med"/>
+                    </a:lnR>
+                    <a:lnT w="76200" cap="flat" cmpd="sng" algn="ctr">
+                      <a:solidFill>
+                        <a:schemeClr val="bg1"/>
+                      </a:solidFill>
+                      <a:prstDash val="solid"/>
+                      <a:round/>
+                      <a:headEnd type="none" w="med" len="med"/>
+                      <a:tailEnd type="none" w="med" len="med"/>
+                    </a:lnT>
+                    <a:lnB w="76200" cap="flat" cmpd="sng" algn="ctr">
+                      <a:solidFill>
+                        <a:schemeClr val="bg1"/>
+                      </a:solidFill>
+                      <a:prstDash val="solid"/>
+                      <a:round/>
+                      <a:headEnd type="none" w="med" len="med"/>
+                      <a:tailEnd type="none" w="med" len="med"/>
+                    </a:lnB>
+                    <a:lnTlToBr w="12700" cmpd="sng">
+                      <a:noFill/>
+                      <a:prstDash val="solid"/>
+                    </a:lnTlToBr>
+                    <a:lnBlToTr w="12700" cmpd="sng">
+                      <a:noFill/>
+                      <a:prstDash val="solid"/>
+                    </a:lnBlToTr>
+                    <a:solidFill>
+                      <a:srgbClr val="01B902"/>
+                    </a:solidFill>
+                  </a:tcPr>
+                </a:tc>
+                <a:tc>
+                  <a:txBody>
+                    <a:bodyPr/>
+                    <a:lstStyle/>
+                    <a:p>
+                      <a:pPr marL="0" algn="l" defTabSz="914400" rtl="0" eaLnBrk="1" fontAlgn="t" latinLnBrk="0" hangingPunct="1">
+                        <a:spcBef>
+                          <a:spcPts val="0"/>
+                        </a:spcBef>
+                        <a:spcAft>
+                          <a:spcPts val="0"/>
+                        </a:spcAft>
+                      </a:pPr>
+                      <a:endParaRPr lang="en-US" sz="2400" dirty="0">
+                        <a:solidFill>
+                          <a:schemeClr val="tx1"/>
+                        </a:solidFill>
+                        <a:effectLst/>
+                      </a:endParaRPr>
+                    </a:p>
+                  </a:txBody>
+                  <a:tcPr marL="63500" marR="63500" marT="63500" marB="63500">
+                    <a:lnL w="12700" cap="flat" cmpd="sng" algn="ctr">
+                      <a:solidFill>
+                        <a:schemeClr val="bg1"/>
+                      </a:solidFill>
+                      <a:prstDash val="solid"/>
+                      <a:round/>
+                      <a:headEnd type="none" w="med" len="med"/>
+                      <a:tailEnd type="none" w="med" len="med"/>
+                    </a:lnL>
+                    <a:lnR w="12700" cap="flat" cmpd="sng" algn="ctr">
+                      <a:noFill/>
+                      <a:prstDash val="solid"/>
+                      <a:round/>
+                      <a:headEnd type="none" w="med" len="med"/>
+                      <a:tailEnd type="none" w="med" len="med"/>
+                    </a:lnR>
+                    <a:lnT w="76200" cap="flat" cmpd="sng" algn="ctr">
+                      <a:solidFill>
+                        <a:schemeClr val="bg1"/>
+                      </a:solidFill>
+                      <a:prstDash val="solid"/>
+                      <a:round/>
+                      <a:headEnd type="none" w="med" len="med"/>
+                      <a:tailEnd type="none" w="med" len="med"/>
+                    </a:lnT>
+                    <a:lnB w="76200" cap="flat" cmpd="sng" algn="ctr">
+                      <a:solidFill>
+                        <a:schemeClr val="bg1"/>
+                      </a:solidFill>
+                      <a:prstDash val="solid"/>
+                      <a:round/>
+                      <a:headEnd type="none" w="med" len="med"/>
+                      <a:tailEnd type="none" w="med" len="med"/>
+                    </a:lnB>
+                    <a:lnTlToBr w="12700" cmpd="sng">
+                      <a:noFill/>
+                      <a:prstDash val="solid"/>
+                    </a:lnTlToBr>
+                    <a:lnBlToTr w="12700" cmpd="sng">
+                      <a:noFill/>
+                      <a:prstDash val="solid"/>
+                    </a:lnBlToTr>
+                    <a:solidFill>
+                      <a:srgbClr val="01B902"/>
+                    </a:solidFill>
+                  </a:tcPr>
+                </a:tc>
+                <a:tc>
+                  <a:txBody>
+                    <a:bodyPr/>
+                    <a:lstStyle/>
+                    <a:p>
+                      <a:pPr marL="0" algn="l" defTabSz="914400" rtl="0" eaLnBrk="1" fontAlgn="t" latinLnBrk="0" hangingPunct="1">
+                        <a:spcBef>
+                          <a:spcPts val="0"/>
+                        </a:spcBef>
+                        <a:spcAft>
+                          <a:spcPts val="0"/>
+                        </a:spcAft>
+                      </a:pPr>
+                      <a:endParaRPr lang="en-US" sz="2400" dirty="0">
+                        <a:solidFill>
+                          <a:schemeClr val="tx1"/>
+                        </a:solidFill>
+                        <a:effectLst/>
+                      </a:endParaRPr>
+                    </a:p>
+                  </a:txBody>
+                  <a:tcPr marL="63500" marR="63500" marT="63500" marB="63500">
+                    <a:lnL w="12700" cap="flat" cmpd="sng" algn="ctr">
+                      <a:noFill/>
+                      <a:prstDash val="solid"/>
+                      <a:round/>
+                      <a:headEnd type="none" w="med" len="med"/>
+                      <a:tailEnd type="none" w="med" len="med"/>
+                    </a:lnL>
+                    <a:lnR w="57150" cap="flat" cmpd="sng" algn="ctr">
+                      <a:solidFill>
+                        <a:schemeClr val="bg1"/>
+                      </a:solidFill>
+                      <a:prstDash val="solid"/>
+                      <a:round/>
+                      <a:headEnd type="none" w="med" len="med"/>
+                      <a:tailEnd type="none" w="med" len="med"/>
+                    </a:lnR>
+                    <a:lnT w="76200" cap="flat" cmpd="sng" algn="ctr">
+                      <a:solidFill>
+                        <a:schemeClr val="bg1"/>
+                      </a:solidFill>
+                      <a:prstDash val="solid"/>
+                      <a:round/>
+                      <a:headEnd type="none" w="med" len="med"/>
+                      <a:tailEnd type="none" w="med" len="med"/>
+                    </a:lnT>
+                    <a:lnB w="76200" cap="flat" cmpd="sng" algn="ctr">
+                      <a:solidFill>
+                        <a:schemeClr val="bg1"/>
+                      </a:solidFill>
+                      <a:prstDash val="solid"/>
+                      <a:round/>
+                      <a:headEnd type="none" w="med" len="med"/>
+                      <a:tailEnd type="none" w="med" len="med"/>
+                    </a:lnB>
+                    <a:lnTlToBr w="12700" cmpd="sng">
+                      <a:noFill/>
+                      <a:prstDash val="solid"/>
+                    </a:lnTlToBr>
+                    <a:lnBlToTr w="12700" cmpd="sng">
+                      <a:noFill/>
+                      <a:prstDash val="solid"/>
+                    </a:lnBlToTr>
+                  </a:tcPr>
+                </a:tc>
+                <a:extLst>
+                  <a:ext uri="{0D108BD9-81ED-4DB2-BD59-A6C34878D82A}">
+                    <a16:rowId xmlns:a16="http://schemas.microsoft.com/office/drawing/2014/main" val="969024941"/>
+                  </a:ext>
+                </a:extLst>
+              </a:tr>
+              <a:tr h="555171">
+                <a:tc>
+                  <a:txBody>
+                    <a:bodyPr/>
+                    <a:lstStyle/>
+                    <a:p>
+                      <a:pPr algn="r" rtl="0" fontAlgn="t">
+                        <a:spcBef>
+                          <a:spcPts val="0"/>
+                        </a:spcBef>
+                        <a:spcAft>
+                          <a:spcPts val="0"/>
+                        </a:spcAft>
+                      </a:pPr>
+                      <a:r>
+                        <a:rPr lang="en-US" sz="1800" b="0" i="0" u="none" strike="noStrike" dirty="0">
+                          <a:solidFill>
+                            <a:schemeClr val="tx1"/>
+                          </a:solidFill>
+                          <a:effectLst/>
+                          <a:latin typeface="Arial" panose="020B0604020202020204" pitchFamily="34" charset="0"/>
+                        </a:rPr>
+                        <a:t>Andrew</a:t>
+                      </a:r>
+                      <a:endParaRPr lang="en-US" sz="1800" dirty="0">
+                        <a:solidFill>
+                          <a:schemeClr val="tx1"/>
+                        </a:solidFill>
+                        <a:effectLst/>
+                      </a:endParaRPr>
+                    </a:p>
+                  </a:txBody>
+                  <a:tcPr marL="63500" marR="63500" marT="63500" marB="63500" anchor="ctr">
+                    <a:lnL w="57150" cap="flat" cmpd="sng" algn="ctr">
+                      <a:solidFill>
+                        <a:schemeClr val="bg1"/>
+                      </a:solidFill>
+                      <a:prstDash val="solid"/>
+                      <a:round/>
+                      <a:headEnd type="none" w="med" len="med"/>
+                      <a:tailEnd type="none" w="med" len="med"/>
+                    </a:lnL>
+                    <a:lnR w="12700" cap="flat" cmpd="sng" algn="ctr">
+                      <a:noFill/>
+                      <a:prstDash val="solid"/>
+                      <a:round/>
+                      <a:headEnd type="none" w="med" len="med"/>
+                      <a:tailEnd type="none" w="med" len="med"/>
+                    </a:lnR>
+                    <a:lnT w="76200" cap="flat" cmpd="sng" algn="ctr">
+                      <a:solidFill>
+                        <a:schemeClr val="bg1"/>
+                      </a:solidFill>
+                      <a:prstDash val="solid"/>
+                      <a:round/>
+                      <a:headEnd type="none" w="med" len="med"/>
+                      <a:tailEnd type="none" w="med" len="med"/>
+                    </a:lnT>
+                    <a:lnB w="76200" cap="flat" cmpd="sng" algn="ctr">
+                      <a:solidFill>
+                        <a:schemeClr val="bg1"/>
+                      </a:solidFill>
+                      <a:prstDash val="solid"/>
+                      <a:round/>
+                      <a:headEnd type="none" w="med" len="med"/>
+                      <a:tailEnd type="none" w="med" len="med"/>
+                    </a:lnB>
+                    <a:lnTlToBr w="12700" cmpd="sng">
+                      <a:noFill/>
+                      <a:prstDash val="solid"/>
+                    </a:lnTlToBr>
+                    <a:lnBlToTr w="12700" cmpd="sng">
+                      <a:noFill/>
+                      <a:prstDash val="solid"/>
+                    </a:lnBlToTr>
+                  </a:tcPr>
+                </a:tc>
+                <a:tc>
+                  <a:txBody>
+                    <a:bodyPr/>
+                    <a:lstStyle/>
+                    <a:p>
+                      <a:pPr algn="r" rtl="0" fontAlgn="t">
+                        <a:spcBef>
+                          <a:spcPts val="0"/>
+                        </a:spcBef>
+                        <a:spcAft>
+                          <a:spcPts val="0"/>
+                        </a:spcAft>
+                      </a:pPr>
+                      <a:endParaRPr lang="en-US" sz="2400" dirty="0">
+                        <a:solidFill>
+                          <a:schemeClr val="tx1"/>
+                        </a:solidFill>
+                        <a:effectLst/>
+                      </a:endParaRPr>
+                    </a:p>
+                  </a:txBody>
+                  <a:tcPr marL="63500" marR="63500" marT="63500" marB="63500">
+                    <a:lnL w="12700" cap="flat" cmpd="sng" algn="ctr">
+                      <a:noFill/>
+                      <a:prstDash val="solid"/>
+                      <a:round/>
+                      <a:headEnd type="none" w="med" len="med"/>
+                      <a:tailEnd type="none" w="med" len="med"/>
+                    </a:lnL>
+                    <a:lnR w="12700" cap="flat" cmpd="sng" algn="ctr">
+                      <a:solidFill>
+                        <a:schemeClr val="bg1"/>
+                      </a:solidFill>
+                      <a:prstDash val="solid"/>
+                      <a:round/>
+                      <a:headEnd type="none" w="med" len="med"/>
+                      <a:tailEnd type="none" w="med" len="med"/>
+                    </a:lnR>
+                    <a:lnT w="76200" cap="flat" cmpd="sng" algn="ctr">
+                      <a:solidFill>
+                        <a:schemeClr val="bg1"/>
+                      </a:solidFill>
+                      <a:prstDash val="solid"/>
+                      <a:round/>
+                      <a:headEnd type="none" w="med" len="med"/>
+                      <a:tailEnd type="none" w="med" len="med"/>
+                    </a:lnT>
+                    <a:lnB w="76200" cap="flat" cmpd="sng" algn="ctr">
+                      <a:solidFill>
+                        <a:schemeClr val="bg1"/>
+                      </a:solidFill>
+                      <a:prstDash val="solid"/>
+                      <a:round/>
+                      <a:headEnd type="none" w="med" len="med"/>
+                      <a:tailEnd type="none" w="med" len="med"/>
+                    </a:lnB>
+                    <a:lnTlToBr w="12700" cmpd="sng">
+                      <a:noFill/>
+                      <a:prstDash val="solid"/>
+                    </a:lnTlToBr>
+                    <a:lnBlToTr w="12700" cmpd="sng">
+                      <a:noFill/>
+                      <a:prstDash val="solid"/>
+                    </a:lnBlToTr>
+                    <a:solidFill>
+                      <a:srgbClr val="01B902"/>
+                    </a:solidFill>
+                  </a:tcPr>
+                </a:tc>
+                <a:tc>
+                  <a:txBody>
+                    <a:bodyPr/>
+                    <a:lstStyle/>
+                    <a:p>
+                      <a:pPr algn="r" rtl="0" fontAlgn="t">
+                        <a:spcBef>
+                          <a:spcPts val="0"/>
+                        </a:spcBef>
+                        <a:spcAft>
+                          <a:spcPts val="0"/>
+                        </a:spcAft>
+                      </a:pPr>
+                      <a:endParaRPr lang="en-US" sz="2400" dirty="0">
+                        <a:solidFill>
+                          <a:schemeClr val="tx1"/>
+                        </a:solidFill>
+                        <a:effectLst/>
+                      </a:endParaRPr>
+                    </a:p>
+                  </a:txBody>
+                  <a:tcPr marL="63500" marR="63500" marT="63500" marB="63500">
+                    <a:lnL w="12700" cap="flat" cmpd="sng" algn="ctr">
+                      <a:solidFill>
+                        <a:schemeClr val="bg1"/>
+                      </a:solidFill>
+                      <a:prstDash val="solid"/>
+                      <a:round/>
+                      <a:headEnd type="none" w="med" len="med"/>
+                      <a:tailEnd type="none" w="med" len="med"/>
+                    </a:lnL>
+                    <a:lnR w="12700" cap="flat" cmpd="sng" algn="ctr">
+                      <a:solidFill>
+                        <a:schemeClr val="bg1"/>
+                      </a:solidFill>
+                      <a:prstDash val="solid"/>
+                      <a:round/>
+                      <a:headEnd type="none" w="med" len="med"/>
+                      <a:tailEnd type="none" w="med" len="med"/>
+                    </a:lnR>
+                    <a:lnT w="76200" cap="flat" cmpd="sng" algn="ctr">
+                      <a:solidFill>
+                        <a:schemeClr val="bg1"/>
+                      </a:solidFill>
+                      <a:prstDash val="solid"/>
+                      <a:round/>
+                      <a:headEnd type="none" w="med" len="med"/>
+                      <a:tailEnd type="none" w="med" len="med"/>
+                    </a:lnT>
+                    <a:lnB w="76200" cap="flat" cmpd="sng" algn="ctr">
+                      <a:solidFill>
+                        <a:schemeClr val="bg1"/>
+                      </a:solidFill>
+                      <a:prstDash val="solid"/>
+                      <a:round/>
+                      <a:headEnd type="none" w="med" len="med"/>
+                      <a:tailEnd type="none" w="med" len="med"/>
+                    </a:lnB>
+                    <a:lnTlToBr w="12700" cmpd="sng">
+                      <a:noFill/>
+                      <a:prstDash val="solid"/>
+                    </a:lnTlToBr>
+                    <a:lnBlToTr w="12700" cmpd="sng">
+                      <a:noFill/>
+                      <a:prstDash val="solid"/>
+                    </a:lnBlToTr>
+                    <a:solidFill>
+                      <a:srgbClr val="01B902"/>
+                    </a:solidFill>
+                  </a:tcPr>
+                </a:tc>
+                <a:tc>
+                  <a:txBody>
+                    <a:bodyPr/>
+                    <a:lstStyle/>
+                    <a:p>
+                      <a:pPr marL="0" algn="l" defTabSz="914400" rtl="0" eaLnBrk="1" fontAlgn="t" latinLnBrk="0" hangingPunct="1">
+                        <a:spcBef>
+                          <a:spcPts val="0"/>
+                        </a:spcBef>
+                        <a:spcAft>
+                          <a:spcPts val="0"/>
+                        </a:spcAft>
+                      </a:pPr>
+                      <a:endParaRPr lang="en-US" sz="2400" dirty="0">
+                        <a:solidFill>
+                          <a:schemeClr val="tx1"/>
+                        </a:solidFill>
+                        <a:effectLst/>
+                      </a:endParaRPr>
+                    </a:p>
+                  </a:txBody>
+                  <a:tcPr marL="63500" marR="63500" marT="63500" marB="63500">
+                    <a:lnL w="12700" cap="flat" cmpd="sng" algn="ctr">
+                      <a:solidFill>
+                        <a:schemeClr val="bg1"/>
+                      </a:solidFill>
+                      <a:prstDash val="solid"/>
+                      <a:round/>
+                      <a:headEnd type="none" w="med" len="med"/>
+                      <a:tailEnd type="none" w="med" len="med"/>
+                    </a:lnL>
+                    <a:lnR w="12700" cap="flat" cmpd="sng" algn="ctr">
+                      <a:noFill/>
+                      <a:prstDash val="solid"/>
+                      <a:round/>
+                      <a:headEnd type="none" w="med" len="med"/>
+                      <a:tailEnd type="none" w="med" len="med"/>
+                    </a:lnR>
+                    <a:lnT w="76200" cap="flat" cmpd="sng" algn="ctr">
+                      <a:solidFill>
+                        <a:schemeClr val="bg1"/>
+                      </a:solidFill>
+                      <a:prstDash val="solid"/>
+                      <a:round/>
+                      <a:headEnd type="none" w="med" len="med"/>
+                      <a:tailEnd type="none" w="med" len="med"/>
+                    </a:lnT>
+                    <a:lnB w="76200" cap="flat" cmpd="sng" algn="ctr">
+                      <a:solidFill>
+                        <a:schemeClr val="bg1"/>
+                      </a:solidFill>
+                      <a:prstDash val="solid"/>
+                      <a:round/>
+                      <a:headEnd type="none" w="med" len="med"/>
+                      <a:tailEnd type="none" w="med" len="med"/>
+                    </a:lnB>
+                    <a:lnTlToBr w="12700" cmpd="sng">
+                      <a:noFill/>
+                      <a:prstDash val="solid"/>
+                    </a:lnTlToBr>
+                    <a:lnBlToTr w="12700" cmpd="sng">
+                      <a:noFill/>
+                      <a:prstDash val="solid"/>
+                    </a:lnBlToTr>
+                    <a:solidFill>
+                      <a:srgbClr val="01B902"/>
+                    </a:solidFill>
+                  </a:tcPr>
+                </a:tc>
+                <a:tc>
+                  <a:txBody>
+                    <a:bodyPr/>
+                    <a:lstStyle/>
+                    <a:p>
+                      <a:pPr marL="0" algn="l" defTabSz="914400" rtl="0" eaLnBrk="1" fontAlgn="t" latinLnBrk="0" hangingPunct="1">
+                        <a:spcBef>
+                          <a:spcPts val="0"/>
+                        </a:spcBef>
+                        <a:spcAft>
+                          <a:spcPts val="0"/>
+                        </a:spcAft>
+                      </a:pPr>
+                      <a:endParaRPr lang="en-US" sz="2400" dirty="0">
+                        <a:solidFill>
+                          <a:schemeClr val="tx1"/>
+                        </a:solidFill>
+                        <a:effectLst/>
+                      </a:endParaRPr>
+                    </a:p>
+                  </a:txBody>
+                  <a:tcPr marL="63500" marR="63500" marT="63500" marB="63500">
+                    <a:lnL w="12700" cap="flat" cmpd="sng" algn="ctr">
+                      <a:noFill/>
+                      <a:prstDash val="solid"/>
+                      <a:round/>
+                      <a:headEnd type="none" w="med" len="med"/>
+                      <a:tailEnd type="none" w="med" len="med"/>
+                    </a:lnL>
+                    <a:lnR w="57150" cap="flat" cmpd="sng" algn="ctr">
+                      <a:solidFill>
+                        <a:schemeClr val="bg1"/>
+                      </a:solidFill>
+                      <a:prstDash val="solid"/>
+                      <a:round/>
+                      <a:headEnd type="none" w="med" len="med"/>
+                      <a:tailEnd type="none" w="med" len="med"/>
+                    </a:lnR>
+                    <a:lnT w="76200" cap="flat" cmpd="sng" algn="ctr">
+                      <a:solidFill>
+                        <a:schemeClr val="bg1"/>
+                      </a:solidFill>
+                      <a:prstDash val="solid"/>
+                      <a:round/>
+                      <a:headEnd type="none" w="med" len="med"/>
+                      <a:tailEnd type="none" w="med" len="med"/>
+                    </a:lnT>
+                    <a:lnB w="76200" cap="flat" cmpd="sng" algn="ctr">
+                      <a:solidFill>
+                        <a:schemeClr val="bg1"/>
+                      </a:solidFill>
+                      <a:prstDash val="solid"/>
+                      <a:round/>
+                      <a:headEnd type="none" w="med" len="med"/>
+                      <a:tailEnd type="none" w="med" len="med"/>
+                    </a:lnB>
+                    <a:lnTlToBr w="12700" cmpd="sng">
+                      <a:noFill/>
+                      <a:prstDash val="solid"/>
+                    </a:lnTlToBr>
+                    <a:lnBlToTr w="12700" cmpd="sng">
+                      <a:noFill/>
+                      <a:prstDash val="solid"/>
+                    </a:lnBlToTr>
+                  </a:tcPr>
+                </a:tc>
+                <a:extLst>
+                  <a:ext uri="{0D108BD9-81ED-4DB2-BD59-A6C34878D82A}">
+                    <a16:rowId xmlns:a16="http://schemas.microsoft.com/office/drawing/2014/main" val="186478354"/>
+                  </a:ext>
+                </a:extLst>
+              </a:tr>
+              <a:tr h="555171">
+                <a:tc>
+                  <a:txBody>
+                    <a:bodyPr/>
+                    <a:lstStyle/>
+                    <a:p>
+                      <a:pPr algn="r" rtl="0" fontAlgn="t">
+                        <a:spcBef>
+                          <a:spcPts val="0"/>
+                        </a:spcBef>
+                        <a:spcAft>
+                          <a:spcPts val="0"/>
+                        </a:spcAft>
+                      </a:pPr>
+                      <a:r>
+                        <a:rPr lang="en-US" sz="1800" b="0" i="0" u="none" strike="noStrike" dirty="0">
+                          <a:solidFill>
+                            <a:schemeClr val="tx1"/>
+                          </a:solidFill>
+                          <a:effectLst/>
+                          <a:latin typeface="Arial" panose="020B0604020202020204" pitchFamily="34" charset="0"/>
+                        </a:rPr>
+                        <a:t>James, son of Zebedee</a:t>
+                      </a:r>
+                      <a:endParaRPr lang="en-US" sz="1800" dirty="0">
+                        <a:solidFill>
+                          <a:schemeClr val="tx1"/>
+                        </a:solidFill>
+                        <a:effectLst/>
+                      </a:endParaRPr>
+                    </a:p>
+                  </a:txBody>
+                  <a:tcPr marL="63500" marR="63500" marT="63500" marB="63500" anchor="ctr">
+                    <a:lnL w="12700" cap="flat" cmpd="sng" algn="ctr">
+                      <a:solidFill>
+                        <a:schemeClr val="bg1"/>
+                      </a:solidFill>
+                      <a:prstDash val="solid"/>
+                      <a:round/>
+                      <a:headEnd type="none" w="med" len="med"/>
+                      <a:tailEnd type="none" w="med" len="med"/>
+                    </a:lnL>
+                    <a:lnR w="12700" cap="flat" cmpd="sng" algn="ctr">
+                      <a:noFill/>
+                      <a:prstDash val="solid"/>
+                      <a:round/>
+                      <a:headEnd type="none" w="med" len="med"/>
+                      <a:tailEnd type="none" w="med" len="med"/>
+                    </a:lnR>
+                    <a:lnT w="76200" cap="flat" cmpd="sng" algn="ctr">
+                      <a:solidFill>
+                        <a:schemeClr val="bg1"/>
+                      </a:solidFill>
+                      <a:prstDash val="solid"/>
+                      <a:round/>
+                      <a:headEnd type="none" w="med" len="med"/>
+                      <a:tailEnd type="none" w="med" len="med"/>
+                    </a:lnT>
+                    <a:lnB w="12700" cap="flat" cmpd="sng" algn="ctr">
+                      <a:solidFill>
+                        <a:schemeClr val="bg1"/>
+                      </a:solidFill>
+                      <a:prstDash val="solid"/>
+                      <a:round/>
+                      <a:headEnd type="none" w="med" len="med"/>
+                      <a:tailEnd type="none" w="med" len="med"/>
+                    </a:lnB>
+                    <a:lnTlToBr w="12700" cmpd="sng">
+                      <a:noFill/>
+                      <a:prstDash val="solid"/>
+                    </a:lnTlToBr>
+                    <a:lnBlToTr w="12700" cmpd="sng">
+                      <a:noFill/>
+                      <a:prstDash val="solid"/>
+                    </a:lnBlToTr>
+                  </a:tcPr>
+                </a:tc>
+                <a:tc>
+                  <a:txBody>
+                    <a:bodyPr/>
+                    <a:lstStyle/>
+                    <a:p>
+                      <a:pPr marL="0" algn="l" defTabSz="914400" rtl="0" eaLnBrk="1" fontAlgn="t" latinLnBrk="0" hangingPunct="1">
+                        <a:spcBef>
+                          <a:spcPts val="0"/>
+                        </a:spcBef>
+                        <a:spcAft>
+                          <a:spcPts val="0"/>
+                        </a:spcAft>
+                      </a:pPr>
+                      <a:endParaRPr lang="en-US" sz="2400" dirty="0">
+                        <a:solidFill>
+                          <a:schemeClr val="tx1"/>
+                        </a:solidFill>
+                        <a:effectLst/>
+                      </a:endParaRPr>
+                    </a:p>
+                  </a:txBody>
+                  <a:tcPr marL="63500" marR="63500" marT="63500" marB="63500">
+                    <a:lnL w="12700" cap="flat" cmpd="sng" algn="ctr">
+                      <a:noFill/>
+                      <a:prstDash val="solid"/>
+                      <a:round/>
+                      <a:headEnd type="none" w="med" len="med"/>
+                      <a:tailEnd type="none" w="med" len="med"/>
+                    </a:lnL>
+                    <a:lnR w="12700" cap="flat" cmpd="sng" algn="ctr">
+                      <a:solidFill>
+                        <a:schemeClr val="bg1"/>
+                      </a:solidFill>
+                      <a:prstDash val="solid"/>
+                      <a:round/>
+                      <a:headEnd type="none" w="med" len="med"/>
+                      <a:tailEnd type="none" w="med" len="med"/>
+                    </a:lnR>
+                    <a:lnT w="76200" cap="flat" cmpd="sng" algn="ctr">
+                      <a:solidFill>
+                        <a:schemeClr val="bg1"/>
+                      </a:solidFill>
+                      <a:prstDash val="solid"/>
+                      <a:round/>
+                      <a:headEnd type="none" w="med" len="med"/>
+                      <a:tailEnd type="none" w="med" len="med"/>
+                    </a:lnT>
+                    <a:lnB w="12700" cap="flat" cmpd="sng" algn="ctr">
+                      <a:solidFill>
+                        <a:schemeClr val="bg1"/>
+                      </a:solidFill>
+                      <a:prstDash val="solid"/>
+                      <a:round/>
+                      <a:headEnd type="none" w="med" len="med"/>
+                      <a:tailEnd type="none" w="med" len="med"/>
+                    </a:lnB>
+                    <a:lnTlToBr w="12700" cmpd="sng">
+                      <a:noFill/>
+                      <a:prstDash val="solid"/>
+                    </a:lnTlToBr>
+                    <a:lnBlToTr w="12700" cmpd="sng">
+                      <a:noFill/>
+                      <a:prstDash val="solid"/>
+                    </a:lnBlToTr>
+                    <a:solidFill>
+                      <a:srgbClr val="01B902"/>
+                    </a:solidFill>
+                  </a:tcPr>
+                </a:tc>
+                <a:tc>
+                  <a:txBody>
+                    <a:bodyPr/>
+                    <a:lstStyle/>
+                    <a:p>
+                      <a:pPr marL="0" algn="l" defTabSz="914400" rtl="0" eaLnBrk="1" fontAlgn="t" latinLnBrk="0" hangingPunct="1">
+                        <a:spcBef>
+                          <a:spcPts val="0"/>
+                        </a:spcBef>
+                        <a:spcAft>
+                          <a:spcPts val="0"/>
+                        </a:spcAft>
+                      </a:pPr>
+                      <a:endParaRPr lang="en-US" sz="2400" dirty="0">
+                        <a:solidFill>
+                          <a:schemeClr val="tx1"/>
+                        </a:solidFill>
+                        <a:effectLst/>
+                      </a:endParaRPr>
+                    </a:p>
+                  </a:txBody>
+                  <a:tcPr marL="63500" marR="63500" marT="63500" marB="63500">
+                    <a:lnL w="12700" cap="flat" cmpd="sng" algn="ctr">
+                      <a:solidFill>
+                        <a:schemeClr val="bg1"/>
+                      </a:solidFill>
+                      <a:prstDash val="solid"/>
+                      <a:round/>
+                      <a:headEnd type="none" w="med" len="med"/>
+                      <a:tailEnd type="none" w="med" len="med"/>
+                    </a:lnL>
+                    <a:lnR w="12700" cap="flat" cmpd="sng" algn="ctr">
+                      <a:solidFill>
+                        <a:schemeClr val="bg1"/>
+                      </a:solidFill>
+                      <a:prstDash val="solid"/>
+                      <a:round/>
+                      <a:headEnd type="none" w="med" len="med"/>
+                      <a:tailEnd type="none" w="med" len="med"/>
+                    </a:lnR>
+                    <a:lnT w="76200" cap="flat" cmpd="sng" algn="ctr">
+                      <a:solidFill>
+                        <a:schemeClr val="bg1"/>
+                      </a:solidFill>
+                      <a:prstDash val="solid"/>
+                      <a:round/>
+                      <a:headEnd type="none" w="med" len="med"/>
+                      <a:tailEnd type="none" w="med" len="med"/>
+                    </a:lnT>
+                    <a:lnB w="12700" cap="flat" cmpd="sng" algn="ctr">
+                      <a:solidFill>
+                        <a:schemeClr val="bg1"/>
+                      </a:solidFill>
+                      <a:prstDash val="solid"/>
+                      <a:round/>
+                      <a:headEnd type="none" w="med" len="med"/>
+                      <a:tailEnd type="none" w="med" len="med"/>
+                    </a:lnB>
+                    <a:lnTlToBr w="12700" cmpd="sng">
+                      <a:noFill/>
+                      <a:prstDash val="solid"/>
+                    </a:lnTlToBr>
+                    <a:lnBlToTr w="12700" cmpd="sng">
+                      <a:noFill/>
+                      <a:prstDash val="solid"/>
+                    </a:lnBlToTr>
+                    <a:solidFill>
+                      <a:srgbClr val="01B902"/>
+                    </a:solidFill>
+                  </a:tcPr>
+                </a:tc>
+                <a:tc>
+                  <a:txBody>
+                    <a:bodyPr/>
+                    <a:lstStyle/>
+                    <a:p>
+                      <a:pPr marL="0" algn="l" defTabSz="914400" rtl="0" eaLnBrk="1" fontAlgn="t" latinLnBrk="0" hangingPunct="1">
+                        <a:spcBef>
+                          <a:spcPts val="0"/>
+                        </a:spcBef>
+                        <a:spcAft>
+                          <a:spcPts val="0"/>
+                        </a:spcAft>
+                      </a:pPr>
+                      <a:endParaRPr lang="en-US" sz="2400" dirty="0">
+                        <a:solidFill>
+                          <a:schemeClr val="tx1"/>
+                        </a:solidFill>
+                        <a:effectLst/>
+                      </a:endParaRPr>
+                    </a:p>
+                  </a:txBody>
+                  <a:tcPr marL="63500" marR="63500" marT="63500" marB="63500">
+                    <a:lnL w="12700" cap="flat" cmpd="sng" algn="ctr">
+                      <a:solidFill>
+                        <a:schemeClr val="bg1"/>
+                      </a:solidFill>
+                      <a:prstDash val="solid"/>
+                      <a:round/>
+                      <a:headEnd type="none" w="med" len="med"/>
+                      <a:tailEnd type="none" w="med" len="med"/>
+                    </a:lnL>
+                    <a:lnR w="12700" cap="flat" cmpd="sng" algn="ctr">
+                      <a:solidFill>
+                        <a:schemeClr val="bg1"/>
+                      </a:solidFill>
+                      <a:prstDash val="solid"/>
+                      <a:round/>
+                      <a:headEnd type="none" w="med" len="med"/>
+                      <a:tailEnd type="none" w="med" len="med"/>
+                    </a:lnR>
+                    <a:lnT w="76200" cap="flat" cmpd="sng" algn="ctr">
+                      <a:solidFill>
+                        <a:schemeClr val="bg1"/>
+                      </a:solidFill>
+                      <a:prstDash val="solid"/>
+                      <a:round/>
+                      <a:headEnd type="none" w="med" len="med"/>
+                      <a:tailEnd type="none" w="med" len="med"/>
+                    </a:lnT>
+                    <a:lnB w="12700" cap="flat" cmpd="sng" algn="ctr">
+                      <a:solidFill>
+                        <a:schemeClr val="bg1"/>
+                      </a:solidFill>
+                      <a:prstDash val="solid"/>
+                      <a:round/>
+                      <a:headEnd type="none" w="med" len="med"/>
+                      <a:tailEnd type="none" w="med" len="med"/>
+                    </a:lnB>
+                    <a:lnTlToBr w="12700" cmpd="sng">
+                      <a:noFill/>
+                      <a:prstDash val="solid"/>
+                    </a:lnTlToBr>
+                    <a:lnBlToTr w="12700" cmpd="sng">
+                      <a:noFill/>
+                      <a:prstDash val="solid"/>
+                    </a:lnBlToTr>
+                    <a:solidFill>
+                      <a:srgbClr val="01B902"/>
+                    </a:solidFill>
+                  </a:tcPr>
+                </a:tc>
+                <a:tc>
+                  <a:txBody>
+                    <a:bodyPr/>
+                    <a:lstStyle/>
+                    <a:p>
+                      <a:pPr marL="0" algn="l" defTabSz="914400" rtl="0" eaLnBrk="1" fontAlgn="t" latinLnBrk="0" hangingPunct="1">
+                        <a:spcBef>
+                          <a:spcPts val="0"/>
+                        </a:spcBef>
+                        <a:spcAft>
+                          <a:spcPts val="0"/>
+                        </a:spcAft>
+                      </a:pPr>
+                      <a:endParaRPr lang="en-US" sz="2400" dirty="0">
+                        <a:solidFill>
+                          <a:schemeClr val="tx1"/>
+                        </a:solidFill>
+                        <a:effectLst/>
+                      </a:endParaRPr>
+                    </a:p>
+                  </a:txBody>
+                  <a:tcPr marL="63500" marR="63500" marT="63500" marB="63500">
+                    <a:lnL w="12700" cap="flat" cmpd="sng" algn="ctr">
+                      <a:solidFill>
+                        <a:schemeClr val="bg1"/>
+                      </a:solidFill>
+                      <a:prstDash val="solid"/>
+                      <a:round/>
+                      <a:headEnd type="none" w="med" len="med"/>
+                      <a:tailEnd type="none" w="med" len="med"/>
+                    </a:lnL>
+                    <a:lnR w="12700" cap="flat" cmpd="sng" algn="ctr">
+                      <a:solidFill>
+                        <a:schemeClr val="bg1"/>
+                      </a:solidFill>
+                      <a:prstDash val="solid"/>
+                      <a:round/>
+                      <a:headEnd type="none" w="med" len="med"/>
+                      <a:tailEnd type="none" w="med" len="med"/>
+                    </a:lnR>
+                    <a:lnT w="76200" cap="flat" cmpd="sng" algn="ctr">
+                      <a:solidFill>
+                        <a:schemeClr val="bg1"/>
+                      </a:solidFill>
+                      <a:prstDash val="solid"/>
+                      <a:round/>
+                      <a:headEnd type="none" w="med" len="med"/>
+                      <a:tailEnd type="none" w="med" len="med"/>
+                    </a:lnT>
+                    <a:lnB w="12700" cap="flat" cmpd="sng" algn="ctr">
+                      <a:solidFill>
+                        <a:schemeClr val="bg1"/>
+                      </a:solidFill>
+                      <a:prstDash val="solid"/>
+                      <a:round/>
+                      <a:headEnd type="none" w="med" len="med"/>
+                      <a:tailEnd type="none" w="med" len="med"/>
+                    </a:lnB>
+                    <a:lnTlToBr w="12700" cmpd="sng">
+                      <a:noFill/>
+                      <a:prstDash val="solid"/>
+                    </a:lnTlToBr>
+                    <a:lnBlToTr w="12700" cmpd="sng">
+                      <a:noFill/>
+                      <a:prstDash val="solid"/>
+                    </a:lnBlToTr>
+                    <a:solidFill>
+                      <a:srgbClr val="01B902"/>
+                    </a:solidFill>
+                  </a:tcPr>
+                </a:tc>
+                <a:extLst>
+                  <a:ext uri="{0D108BD9-81ED-4DB2-BD59-A6C34878D82A}">
+                    <a16:rowId xmlns:a16="http://schemas.microsoft.com/office/drawing/2014/main" val="1311224716"/>
+                  </a:ext>
+                </a:extLst>
+              </a:tr>
+            </a:tbl>
+          </a:graphicData>
+        </a:graphic>
+      </p:graphicFrame>
+    </p:spTree>
+    <p:extLst>
+      <p:ext uri="{BB962C8B-B14F-4D97-AF65-F5344CB8AC3E}">
+        <p14:creationId xmlns:p14="http://schemas.microsoft.com/office/powerpoint/2010/main" val="402836391"/>
+      </p:ext>
+    </p:extLst>
+  </p:cSld>
+  <p:clrMapOvr>
+    <a:masterClrMapping/>
+  </p:clrMapOvr>
+  <p:timing>
+    <p:tnLst>
+      <p:par>
+        <p:cTn id="1" dur="indefinite" restart="never" nodeType="tmRoot">
+          <p:childTnLst>
+            <p:seq concurrent="1" nextAc="seek">
+              <p:cTn id="2" dur="indefinite" nodeType="mainSeq">
+                <p:childTnLst>
+                  <p:par>
+                    <p:cTn id="3" fill="hold">
+                      <p:stCondLst>
+                        <p:cond delay="indefinite"/>
+                      </p:stCondLst>
+                      <p:childTnLst>
+                        <p:par>
+                          <p:cTn id="4" fill="hold">
+                            <p:stCondLst>
+                              <p:cond delay="0"/>
+                            </p:stCondLst>
+                            <p:childTnLst>
+                              <p:par>
+                                <p:cTn id="5" presetID="10" presetClass="entr" presetSubtype="0" fill="hold" grpId="0" nodeType="clickEffect">
+                                  <p:stCondLst>
+                                    <p:cond delay="0"/>
+                                  </p:stCondLst>
+                                  <p:childTnLst>
+                                    <p:set>
+                                      <p:cBhvr>
+                                        <p:cTn id="6" dur="1" fill="hold">
+                                          <p:stCondLst>
+                                            <p:cond delay="0"/>
+                                          </p:stCondLst>
+                                        </p:cTn>
+                                        <p:tgtEl>
+                                          <p:spTgt spid="7"/>
+                                        </p:tgtEl>
+                                        <p:attrNameLst>
+                                          <p:attrName>style.visibility</p:attrName>
+                                        </p:attrNameLst>
+                                      </p:cBhvr>
+                                      <p:to>
+                                        <p:strVal val="visible"/>
+                                      </p:to>
+                                    </p:set>
+                                    <p:animEffect transition="in" filter="fade">
+                                      <p:cBhvr>
+                                        <p:cTn id="7" dur="250"/>
+                                        <p:tgtEl>
+                                          <p:spTgt spid="7"/>
+                                        </p:tgtEl>
+                                      </p:cBhvr>
+                                    </p:animEffect>
+                                  </p:childTnLst>
+                                </p:cTn>
+                              </p:par>
+                            </p:childTnLst>
+                          </p:cTn>
+                        </p:par>
+                      </p:childTnLst>
+                    </p:cTn>
+                  </p:par>
+                  <p:par>
+                    <p:cTn id="8" fill="hold">
+                      <p:stCondLst>
+                        <p:cond delay="indefinite"/>
+                      </p:stCondLst>
+                      <p:childTnLst>
+                        <p:par>
+                          <p:cTn id="9" fill="hold">
+                            <p:stCondLst>
+                              <p:cond delay="0"/>
+                            </p:stCondLst>
+                            <p:childTnLst>
+                              <p:par>
+                                <p:cTn id="10" presetID="10" presetClass="entr" presetSubtype="0" fill="hold" nodeType="clickEffect">
+                                  <p:stCondLst>
+                                    <p:cond delay="0"/>
+                                  </p:stCondLst>
+                                  <p:childTnLst>
+                                    <p:set>
+                                      <p:cBhvr>
+                                        <p:cTn id="11" dur="1" fill="hold">
+                                          <p:stCondLst>
+                                            <p:cond delay="0"/>
+                                          </p:stCondLst>
+                                        </p:cTn>
+                                        <p:tgtEl>
+                                          <p:spTgt spid="5"/>
+                                        </p:tgtEl>
+                                        <p:attrNameLst>
+                                          <p:attrName>style.visibility</p:attrName>
+                                        </p:attrNameLst>
+                                      </p:cBhvr>
+                                      <p:to>
+                                        <p:strVal val="visible"/>
+                                      </p:to>
+                                    </p:set>
+                                    <p:animEffect transition="in" filter="fade">
+                                      <p:cBhvr>
+                                        <p:cTn id="12" dur="250"/>
+                                        <p:tgtEl>
+                                          <p:spTgt spid="5"/>
+                                        </p:tgtEl>
+                                      </p:cBhvr>
+                                    </p:animEffect>
+                                  </p:childTnLst>
+                                </p:cTn>
+                              </p:par>
+                              <p:par>
+                                <p:cTn id="13" presetID="10" presetClass="entr" presetSubtype="0" fill="hold" nodeType="withEffect">
+                                  <p:stCondLst>
+                                    <p:cond delay="0"/>
+                                  </p:stCondLst>
+                                  <p:childTnLst>
+                                    <p:set>
+                                      <p:cBhvr>
+                                        <p:cTn id="14" dur="1" fill="hold">
+                                          <p:stCondLst>
+                                            <p:cond delay="0"/>
+                                          </p:stCondLst>
+                                        </p:cTn>
+                                        <p:tgtEl>
+                                          <p:spTgt spid="11"/>
+                                        </p:tgtEl>
+                                        <p:attrNameLst>
+                                          <p:attrName>style.visibility</p:attrName>
+                                        </p:attrNameLst>
+                                      </p:cBhvr>
+                                      <p:to>
+                                        <p:strVal val="visible"/>
+                                      </p:to>
+                                    </p:set>
+                                    <p:animEffect transition="in" filter="fade">
+                                      <p:cBhvr>
+                                        <p:cTn id="15" dur="250"/>
+                                        <p:tgtEl>
+                                          <p:spTgt spid="11"/>
+                                        </p:tgtEl>
+                                      </p:cBhvr>
+                                    </p:animEffect>
+                                  </p:childTnLst>
+                                </p:cTn>
+                              </p:par>
+                            </p:childTnLst>
+                          </p:cTn>
+                        </p:par>
+                      </p:childTnLst>
+                    </p:cTn>
+                  </p:par>
+                </p:childTnLst>
+              </p:cTn>
+              <p:prevCondLst>
+                <p:cond evt="onPrev" delay="0">
+                  <p:tgtEl>
+                    <p:sldTgt/>
+                  </p:tgtEl>
+                </p:cond>
+              </p:prevCondLst>
+              <p:nextCondLst>
+                <p:cond evt="onNext" delay="0">
+                  <p:tgtEl>
+                    <p:sldTgt/>
+                  </p:tgtEl>
+                </p:cond>
+              </p:nextCondLst>
+            </p:seq>
+          </p:childTnLst>
+        </p:cTn>
+      </p:par>
+    </p:tnLst>
+    <p:bldLst>
+      <p:bldP spid="7" grpId="0"/>
+    </p:bldLst>
+  </p:timing>
+</p:sld>
+</file>
+
+<file path=ppt/slides/slide7.xml><?xml version="1.0" encoding="utf-8"?>
+<p:sld xmlns:a="http://schemas.openxmlformats.org/drawingml/2006/main" xmlns:r="http://schemas.openxmlformats.org/officeDocument/2006/relationships" xmlns:p="http://schemas.openxmlformats.org/presentationml/2006/main">
+  <p:cSld>
+    <p:spTree>
+      <p:nvGrpSpPr>
+        <p:cNvPr id="1" name=""/>
+        <p:cNvGrpSpPr/>
+        <p:nvPr/>
+      </p:nvGrpSpPr>
+      <p:grpSpPr>
+        <a:xfrm>
+          <a:off x="0" y="0"/>
+          <a:ext cx="0" cy="0"/>
+          <a:chOff x="0" y="0"/>
+          <a:chExt cx="0" cy="0"/>
+        </a:xfrm>
+      </p:grpSpPr>
       <p:sp>
         <p:nvSpPr>
           <p:cNvPr id="2" name="Title 1">
@@ -5662,7 +11048,7 @@
 </p:sld>
 </file>
 
-<file path=ppt/slides/slide7.xml><?xml version="1.0" encoding="utf-8"?>
+<file path=ppt/slides/slide8.xml><?xml version="1.0" encoding="utf-8"?>
 <p:sld xmlns:a="http://schemas.openxmlformats.org/drawingml/2006/main" xmlns:r="http://schemas.openxmlformats.org/officeDocument/2006/relationships" xmlns:p="http://schemas.openxmlformats.org/presentationml/2006/main">
   <p:cSld>
     <p:spTree>
